--- a/lda-v03/trunk/documents/MockUps.pptx
+++ b/lda-v03/trunk/documents/MockUps.pptx
@@ -7,6 +7,7 @@
   <p:sldIdLst>
     <p:sldId id="256" r:id="rId2"/>
     <p:sldId id="257" r:id="rId3"/>
+    <p:sldId id="258" r:id="rId4"/>
   </p:sldIdLst>
   <p:sldSz cx="3602038" cy="6373813"/>
   <p:notesSz cx="6858000" cy="9144000"/>
@@ -4353,18 +4354,28 @@
       </p:grpSpPr>
       <p:sp>
         <p:nvSpPr>
-          <p:cNvPr id="21" name="Rectangle 20"/>
+          <p:cNvPr id="12" name="Rectangle 11"/>
           <p:cNvSpPr/>
           <p:nvPr/>
         </p:nvSpPr>
         <p:spPr>
           <a:xfrm>
-            <a:off x="371193" y="3995233"/>
-            <a:ext cx="3228807" cy="1846207"/>
+            <a:off x="2160001" y="628864"/>
+            <a:ext cx="514350" cy="185671"/>
           </a:xfrm>
           <a:prstGeom prst="rect">
             <a:avLst/>
           </a:prstGeom>
+          <a:solidFill>
+            <a:schemeClr val="accent2">
+              <a:lumMod val="20000"/>
+              <a:lumOff val="80000"/>
+            </a:schemeClr>
+          </a:solidFill>
+          <a:ln>
+            <a:noFill/>
+          </a:ln>
+          <a:effectLst/>
         </p:spPr>
         <p:style>
           <a:lnRef idx="1">
@@ -4381,17 +4392,349 @@
           </a:fontRef>
         </p:style>
         <p:txBody>
-          <a:bodyPr rtlCol="0" anchor="ctr"/>
+          <a:bodyPr lIns="36000" rIns="36000" rtlCol="0" anchor="b"/>
           <a:lstStyle/>
           <a:p>
             <a:pPr algn="ctr"/>
-            <a:endParaRPr lang="en-US"/>
+            <a:r>
+              <a:rPr lang="en-US" sz="600" dirty="0" smtClean="0">
+                <a:solidFill>
+                  <a:srgbClr val="000000"/>
+                </a:solidFill>
+                <a:latin typeface="Century Gothic"/>
+                <a:cs typeface="Century Gothic"/>
+              </a:rPr>
+              <a:t>Galleries</a:t>
+            </a:r>
+            <a:endParaRPr lang="en-US" sz="600" dirty="0">
+              <a:solidFill>
+                <a:srgbClr val="000000"/>
+              </a:solidFill>
+              <a:latin typeface="Century Gothic"/>
+              <a:cs typeface="Century Gothic"/>
+            </a:endParaRPr>
+          </a:p>
+        </p:txBody>
+      </p:sp>
+      <p:sp>
+        <p:nvSpPr>
+          <p:cNvPr id="13" name="Rectangle 12"/>
+          <p:cNvSpPr/>
+          <p:nvPr/>
+        </p:nvSpPr>
+        <p:spPr>
+          <a:xfrm>
+            <a:off x="1" y="628864"/>
+            <a:ext cx="514350" cy="185671"/>
+          </a:xfrm>
+          <a:prstGeom prst="rect">
+            <a:avLst/>
+          </a:prstGeom>
+          <a:solidFill>
+            <a:schemeClr val="accent2">
+              <a:lumMod val="20000"/>
+              <a:lumOff val="80000"/>
+            </a:schemeClr>
+          </a:solidFill>
+          <a:ln>
+            <a:noFill/>
+          </a:ln>
+          <a:effectLst/>
+        </p:spPr>
+        <p:style>
+          <a:lnRef idx="1">
+            <a:schemeClr val="accent1"/>
+          </a:lnRef>
+          <a:fillRef idx="3">
+            <a:schemeClr val="accent1"/>
+          </a:fillRef>
+          <a:effectRef idx="2">
+            <a:schemeClr val="accent1"/>
+          </a:effectRef>
+          <a:fontRef idx="minor">
+            <a:schemeClr val="lt1"/>
+          </a:fontRef>
+        </p:style>
+        <p:txBody>
+          <a:bodyPr lIns="36000" rIns="36000" rtlCol="0" anchor="b"/>
+          <a:lstStyle/>
+          <a:p>
+            <a:pPr algn="ctr"/>
+            <a:r>
+              <a:rPr lang="en-US" sz="600" dirty="0" smtClean="0">
+                <a:solidFill>
+                  <a:srgbClr val="000000"/>
+                </a:solidFill>
+                <a:latin typeface="Century Gothic"/>
+                <a:cs typeface="Century Gothic"/>
+              </a:rPr>
+              <a:t>Chambers</a:t>
+            </a:r>
+            <a:endParaRPr lang="en-US" sz="600" dirty="0">
+              <a:solidFill>
+                <a:srgbClr val="000000"/>
+              </a:solidFill>
+              <a:latin typeface="Century Gothic"/>
+              <a:cs typeface="Century Gothic"/>
+            </a:endParaRPr>
+          </a:p>
+        </p:txBody>
+      </p:sp>
+      <p:sp>
+        <p:nvSpPr>
+          <p:cNvPr id="14" name="Rectangle 13"/>
+          <p:cNvSpPr/>
+          <p:nvPr/>
+        </p:nvSpPr>
+        <p:spPr>
+          <a:xfrm>
+            <a:off x="720001" y="628864"/>
+            <a:ext cx="514350" cy="185671"/>
+          </a:xfrm>
+          <a:prstGeom prst="rect">
+            <a:avLst/>
+          </a:prstGeom>
+          <a:solidFill>
+            <a:schemeClr val="accent2"/>
+          </a:solidFill>
+          <a:ln>
+            <a:noFill/>
+          </a:ln>
+          <a:effectLst/>
+        </p:spPr>
+        <p:style>
+          <a:lnRef idx="1">
+            <a:schemeClr val="accent1"/>
+          </a:lnRef>
+          <a:fillRef idx="3">
+            <a:schemeClr val="accent1"/>
+          </a:fillRef>
+          <a:effectRef idx="2">
+            <a:schemeClr val="accent1"/>
+          </a:effectRef>
+          <a:fontRef idx="minor">
+            <a:schemeClr val="lt1"/>
+          </a:fontRef>
+        </p:style>
+        <p:txBody>
+          <a:bodyPr lIns="36000" rIns="36000" rtlCol="0" anchor="b"/>
+          <a:lstStyle/>
+          <a:p>
+            <a:pPr algn="ctr"/>
+            <a:r>
+              <a:rPr lang="en-US" sz="600" dirty="0" smtClean="0">
+                <a:solidFill>
+                  <a:srgbClr val="FFFFFF"/>
+                </a:solidFill>
+                <a:latin typeface="Century Gothic"/>
+                <a:cs typeface="Century Gothic"/>
+              </a:rPr>
+              <a:t>Mistresses</a:t>
+            </a:r>
+            <a:endParaRPr lang="en-US" sz="600" dirty="0">
+              <a:solidFill>
+                <a:srgbClr val="FFFFFF"/>
+              </a:solidFill>
+              <a:latin typeface="Century Gothic"/>
+              <a:cs typeface="Century Gothic"/>
+            </a:endParaRPr>
+          </a:p>
+        </p:txBody>
+      </p:sp>
+      <p:sp>
+        <p:nvSpPr>
+          <p:cNvPr id="15" name="Rectangle 14"/>
+          <p:cNvSpPr/>
+          <p:nvPr/>
+        </p:nvSpPr>
+        <p:spPr>
+          <a:xfrm>
+            <a:off x="1440001" y="628864"/>
+            <a:ext cx="514350" cy="185671"/>
+          </a:xfrm>
+          <a:prstGeom prst="rect">
+            <a:avLst/>
+          </a:prstGeom>
+          <a:solidFill>
+            <a:schemeClr val="accent2">
+              <a:lumMod val="20000"/>
+              <a:lumOff val="80000"/>
+            </a:schemeClr>
+          </a:solidFill>
+          <a:ln>
+            <a:noFill/>
+          </a:ln>
+          <a:effectLst/>
+        </p:spPr>
+        <p:style>
+          <a:lnRef idx="1">
+            <a:schemeClr val="accent1"/>
+          </a:lnRef>
+          <a:fillRef idx="3">
+            <a:schemeClr val="accent1"/>
+          </a:fillRef>
+          <a:effectRef idx="2">
+            <a:schemeClr val="accent1"/>
+          </a:effectRef>
+          <a:fontRef idx="minor">
+            <a:schemeClr val="lt1"/>
+          </a:fontRef>
+        </p:style>
+        <p:txBody>
+          <a:bodyPr lIns="36000" rIns="36000" rtlCol="0" anchor="b"/>
+          <a:lstStyle/>
+          <a:p>
+            <a:pPr algn="ctr"/>
+            <a:r>
+              <a:rPr lang="en-US" sz="600" dirty="0" smtClean="0">
+                <a:solidFill>
+                  <a:srgbClr val="000000"/>
+                </a:solidFill>
+                <a:latin typeface="Century Gothic"/>
+                <a:cs typeface="Century Gothic"/>
+              </a:rPr>
+              <a:t>Testimonials</a:t>
+            </a:r>
+            <a:endParaRPr lang="en-US" sz="600" dirty="0">
+              <a:solidFill>
+                <a:srgbClr val="000000"/>
+              </a:solidFill>
+              <a:latin typeface="Century Gothic"/>
+              <a:cs typeface="Century Gothic"/>
+            </a:endParaRPr>
+          </a:p>
+        </p:txBody>
+      </p:sp>
+      <p:sp>
+        <p:nvSpPr>
+          <p:cNvPr id="16" name="Rectangle 15"/>
+          <p:cNvSpPr/>
+          <p:nvPr/>
+        </p:nvSpPr>
+        <p:spPr>
+          <a:xfrm>
+            <a:off x="2882039" y="628864"/>
+            <a:ext cx="514350" cy="185671"/>
+          </a:xfrm>
+          <a:prstGeom prst="rect">
+            <a:avLst/>
+          </a:prstGeom>
+          <a:solidFill>
+            <a:schemeClr val="accent2">
+              <a:lumMod val="20000"/>
+              <a:lumOff val="80000"/>
+            </a:schemeClr>
+          </a:solidFill>
+          <a:ln>
+            <a:noFill/>
+          </a:ln>
+          <a:effectLst/>
+        </p:spPr>
+        <p:style>
+          <a:lnRef idx="1">
+            <a:schemeClr val="accent1"/>
+          </a:lnRef>
+          <a:fillRef idx="3">
+            <a:schemeClr val="accent1"/>
+          </a:fillRef>
+          <a:effectRef idx="2">
+            <a:schemeClr val="accent1"/>
+          </a:effectRef>
+          <a:fontRef idx="minor">
+            <a:schemeClr val="lt1"/>
+          </a:fontRef>
+        </p:style>
+        <p:txBody>
+          <a:bodyPr lIns="36000" rIns="36000" rtlCol="0" anchor="b"/>
+          <a:lstStyle/>
+          <a:p>
+            <a:pPr algn="ctr"/>
+            <a:r>
+              <a:rPr lang="en-US" sz="600" dirty="0" smtClean="0">
+                <a:solidFill>
+                  <a:srgbClr val="000000"/>
+                </a:solidFill>
+                <a:latin typeface="Century Gothic"/>
+                <a:cs typeface="Century Gothic"/>
+              </a:rPr>
+              <a:t>Links</a:t>
+            </a:r>
+            <a:endParaRPr lang="en-US" sz="600" dirty="0">
+              <a:solidFill>
+                <a:srgbClr val="000000"/>
+              </a:solidFill>
+              <a:latin typeface="Century Gothic"/>
+              <a:cs typeface="Century Gothic"/>
+            </a:endParaRPr>
+          </a:p>
+        </p:txBody>
+      </p:sp>
+      <p:sp>
+        <p:nvSpPr>
+          <p:cNvPr id="17" name="Rectangle 16"/>
+          <p:cNvSpPr/>
+          <p:nvPr/>
+        </p:nvSpPr>
+        <p:spPr>
+          <a:xfrm>
+            <a:off x="0" y="814534"/>
+            <a:ext cx="3602038" cy="185671"/>
+          </a:xfrm>
+          <a:prstGeom prst="rect">
+            <a:avLst/>
+          </a:prstGeom>
+          <a:solidFill>
+            <a:schemeClr val="accent2"/>
+          </a:solidFill>
+          <a:ln>
+            <a:solidFill>
+              <a:srgbClr val="FFFFFF"/>
+            </a:solidFill>
+          </a:ln>
+          <a:effectLst/>
+        </p:spPr>
+        <p:style>
+          <a:lnRef idx="1">
+            <a:schemeClr val="accent1"/>
+          </a:lnRef>
+          <a:fillRef idx="3">
+            <a:schemeClr val="accent1"/>
+          </a:fillRef>
+          <a:effectRef idx="2">
+            <a:schemeClr val="accent1"/>
+          </a:effectRef>
+          <a:fontRef idx="minor">
+            <a:schemeClr val="lt1"/>
+          </a:fontRef>
+        </p:style>
+        <p:txBody>
+          <a:bodyPr lIns="0" rIns="0" rtlCol="0" anchor="ctr"/>
+          <a:lstStyle/>
+          <a:p>
+            <a:pPr algn="ctr">
+              <a:lnSpc>
+                <a:spcPct val="80000"/>
+              </a:lnSpc>
+            </a:pPr>
+            <a:r>
+              <a:rPr lang="en-US" sz="1400" dirty="0" smtClean="0">
+                <a:solidFill>
+                  <a:schemeClr val="bg1"/>
+                </a:solidFill>
+              </a:rPr>
+              <a:t>Mistresses – Princess Lucina</a:t>
+            </a:r>
+            <a:endParaRPr lang="en-US" sz="1400" dirty="0">
+              <a:solidFill>
+                <a:schemeClr val="bg1"/>
+              </a:solidFill>
+            </a:endParaRPr>
           </a:p>
         </p:txBody>
       </p:sp>
       <p:pic>
         <p:nvPicPr>
-          <p:cNvPr id="11" name="Picture 10" descr="header-01.jpg.png"/>
+          <p:cNvPr id="23" name="Picture 22" descr="header-01.jpg.png"/>
           <p:cNvPicPr>
             <a:picLocks noChangeAspect="1"/>
           </p:cNvPicPr>
@@ -4419,27 +4762,5081 @@
           </a:prstGeom>
         </p:spPr>
       </p:pic>
+      <p:grpSp>
+        <p:nvGrpSpPr>
+          <p:cNvPr id="92" name="Group 91"/>
+          <p:cNvGrpSpPr/>
+          <p:nvPr/>
+        </p:nvGrpSpPr>
+        <p:grpSpPr>
+          <a:xfrm>
+            <a:off x="1133228" y="1305199"/>
+            <a:ext cx="202245" cy="200280"/>
+            <a:chOff x="1929801" y="1039669"/>
+            <a:chExt cx="202245" cy="200280"/>
+          </a:xfrm>
+        </p:grpSpPr>
+        <p:sp>
+          <p:nvSpPr>
+            <p:cNvPr id="55" name="Rectangle 54"/>
+            <p:cNvSpPr>
+              <a:spLocks noChangeAspect="1"/>
+            </p:cNvSpPr>
+            <p:nvPr/>
+          </p:nvSpPr>
+          <p:spPr>
+            <a:xfrm>
+              <a:off x="1929801" y="1039669"/>
+              <a:ext cx="202245" cy="200280"/>
+            </a:xfrm>
+            <a:prstGeom prst="rect">
+              <a:avLst/>
+            </a:prstGeom>
+            <a:solidFill>
+              <a:srgbClr val="C0504D"/>
+            </a:solidFill>
+            <a:ln>
+              <a:noFill/>
+            </a:ln>
+            <a:effectLst/>
+          </p:spPr>
+          <p:style>
+            <a:lnRef idx="1">
+              <a:schemeClr val="accent1"/>
+            </a:lnRef>
+            <a:fillRef idx="3">
+              <a:schemeClr val="accent1"/>
+            </a:fillRef>
+            <a:effectRef idx="2">
+              <a:schemeClr val="accent1"/>
+            </a:effectRef>
+            <a:fontRef idx="minor">
+              <a:schemeClr val="lt1"/>
+            </a:fontRef>
+          </p:style>
+          <p:txBody>
+            <a:bodyPr rtlCol="0" anchor="ctr"/>
+            <a:lstStyle/>
+            <a:p>
+              <a:pPr algn="ctr"/>
+              <a:endParaRPr lang="en-US"/>
+            </a:p>
+          </p:txBody>
+        </p:sp>
+        <p:sp>
+          <p:nvSpPr>
+            <p:cNvPr id="54" name="Envelope Alt. Icon"/>
+            <p:cNvSpPr>
+              <a:spLocks noChangeAspect="1" noEditPoints="1"/>
+            </p:cNvSpPr>
+            <p:nvPr/>
+          </p:nvSpPr>
+          <p:spPr bwMode="auto">
+            <a:xfrm>
+              <a:off x="1943646" y="1071559"/>
+              <a:ext cx="174509" cy="137304"/>
+            </a:xfrm>
+            <a:custGeom>
+              <a:avLst/>
+              <a:gdLst>
+                <a:gd name="T0" fmla="*/ 1443 w 1443"/>
+                <a:gd name="T1" fmla="*/ 366 h 1134"/>
+                <a:gd name="T2" fmla="*/ 1443 w 1443"/>
+                <a:gd name="T3" fmla="*/ 1005 h 1134"/>
+                <a:gd name="T4" fmla="*/ 1405 w 1443"/>
+                <a:gd name="T5" fmla="*/ 1096 h 1134"/>
+                <a:gd name="T6" fmla="*/ 1314 w 1443"/>
+                <a:gd name="T7" fmla="*/ 1134 h 1134"/>
+                <a:gd name="T8" fmla="*/ 129 w 1443"/>
+                <a:gd name="T9" fmla="*/ 1134 h 1134"/>
+                <a:gd name="T10" fmla="*/ 38 w 1443"/>
+                <a:gd name="T11" fmla="*/ 1096 h 1134"/>
+                <a:gd name="T12" fmla="*/ 0 w 1443"/>
+                <a:gd name="T13" fmla="*/ 1005 h 1134"/>
+                <a:gd name="T14" fmla="*/ 0 w 1443"/>
+                <a:gd name="T15" fmla="*/ 366 h 1134"/>
+                <a:gd name="T16" fmla="*/ 81 w 1443"/>
+                <a:gd name="T17" fmla="*/ 436 h 1134"/>
+                <a:gd name="T18" fmla="*/ 482 w 1443"/>
+                <a:gd name="T19" fmla="*/ 714 h 1134"/>
+                <a:gd name="T20" fmla="*/ 556 w 1443"/>
+                <a:gd name="T21" fmla="*/ 766 h 1134"/>
+                <a:gd name="T22" fmla="*/ 632 w 1443"/>
+                <a:gd name="T23" fmla="*/ 805 h 1134"/>
+                <a:gd name="T24" fmla="*/ 721 w 1443"/>
+                <a:gd name="T25" fmla="*/ 825 h 1134"/>
+                <a:gd name="T26" fmla="*/ 721 w 1443"/>
+                <a:gd name="T27" fmla="*/ 825 h 1134"/>
+                <a:gd name="T28" fmla="*/ 722 w 1443"/>
+                <a:gd name="T29" fmla="*/ 825 h 1134"/>
+                <a:gd name="T30" fmla="*/ 811 w 1443"/>
+                <a:gd name="T31" fmla="*/ 805 h 1134"/>
+                <a:gd name="T32" fmla="*/ 887 w 1443"/>
+                <a:gd name="T33" fmla="*/ 766 h 1134"/>
+                <a:gd name="T34" fmla="*/ 961 w 1443"/>
+                <a:gd name="T35" fmla="*/ 714 h 1134"/>
+                <a:gd name="T36" fmla="*/ 1362 w 1443"/>
+                <a:gd name="T37" fmla="*/ 436 h 1134"/>
+                <a:gd name="T38" fmla="*/ 1443 w 1443"/>
+                <a:gd name="T39" fmla="*/ 366 h 1134"/>
+                <a:gd name="T40" fmla="*/ 1443 w 1443"/>
+                <a:gd name="T41" fmla="*/ 129 h 1134"/>
+                <a:gd name="T42" fmla="*/ 1403 w 1443"/>
+                <a:gd name="T43" fmla="*/ 251 h 1134"/>
+                <a:gd name="T44" fmla="*/ 1305 w 1443"/>
+                <a:gd name="T45" fmla="*/ 350 h 1134"/>
+                <a:gd name="T46" fmla="*/ 928 w 1443"/>
+                <a:gd name="T47" fmla="*/ 611 h 1134"/>
+                <a:gd name="T48" fmla="*/ 894 w 1443"/>
+                <a:gd name="T49" fmla="*/ 636 h 1134"/>
+                <a:gd name="T50" fmla="*/ 851 w 1443"/>
+                <a:gd name="T51" fmla="*/ 667 h 1134"/>
+                <a:gd name="T52" fmla="*/ 809 w 1443"/>
+                <a:gd name="T53" fmla="*/ 693 h 1134"/>
+                <a:gd name="T54" fmla="*/ 763 w 1443"/>
+                <a:gd name="T55" fmla="*/ 714 h 1134"/>
+                <a:gd name="T56" fmla="*/ 722 w 1443"/>
+                <a:gd name="T57" fmla="*/ 722 h 1134"/>
+                <a:gd name="T58" fmla="*/ 721 w 1443"/>
+                <a:gd name="T59" fmla="*/ 722 h 1134"/>
+                <a:gd name="T60" fmla="*/ 721 w 1443"/>
+                <a:gd name="T61" fmla="*/ 722 h 1134"/>
+                <a:gd name="T62" fmla="*/ 680 w 1443"/>
+                <a:gd name="T63" fmla="*/ 714 h 1134"/>
+                <a:gd name="T64" fmla="*/ 634 w 1443"/>
+                <a:gd name="T65" fmla="*/ 693 h 1134"/>
+                <a:gd name="T66" fmla="*/ 592 w 1443"/>
+                <a:gd name="T67" fmla="*/ 667 h 1134"/>
+                <a:gd name="T68" fmla="*/ 549 w 1443"/>
+                <a:gd name="T69" fmla="*/ 636 h 1134"/>
+                <a:gd name="T70" fmla="*/ 514 w 1443"/>
+                <a:gd name="T71" fmla="*/ 611 h 1134"/>
+                <a:gd name="T72" fmla="*/ 304 w 1443"/>
+                <a:gd name="T73" fmla="*/ 464 h 1134"/>
+                <a:gd name="T74" fmla="*/ 138 w 1443"/>
+                <a:gd name="T75" fmla="*/ 350 h 1134"/>
+                <a:gd name="T76" fmla="*/ 44 w 1443"/>
+                <a:gd name="T77" fmla="*/ 257 h 1134"/>
+                <a:gd name="T78" fmla="*/ 0 w 1443"/>
+                <a:gd name="T79" fmla="*/ 147 h 1134"/>
+                <a:gd name="T80" fmla="*/ 33 w 1443"/>
+                <a:gd name="T81" fmla="*/ 42 h 1134"/>
+                <a:gd name="T82" fmla="*/ 129 w 1443"/>
+                <a:gd name="T83" fmla="*/ 0 h 1134"/>
+                <a:gd name="T84" fmla="*/ 1314 w 1443"/>
+                <a:gd name="T85" fmla="*/ 0 h 1134"/>
+                <a:gd name="T86" fmla="*/ 1404 w 1443"/>
+                <a:gd name="T87" fmla="*/ 38 h 1134"/>
+                <a:gd name="T88" fmla="*/ 1443 w 1443"/>
+                <a:gd name="T89" fmla="*/ 129 h 1134"/>
+              </a:gdLst>
+              <a:ahLst/>
+              <a:cxnLst>
+                <a:cxn ang="0">
+                  <a:pos x="T0" y="T1"/>
+                </a:cxn>
+                <a:cxn ang="0">
+                  <a:pos x="T2" y="T3"/>
+                </a:cxn>
+                <a:cxn ang="0">
+                  <a:pos x="T4" y="T5"/>
+                </a:cxn>
+                <a:cxn ang="0">
+                  <a:pos x="T6" y="T7"/>
+                </a:cxn>
+                <a:cxn ang="0">
+                  <a:pos x="T8" y="T9"/>
+                </a:cxn>
+                <a:cxn ang="0">
+                  <a:pos x="T10" y="T11"/>
+                </a:cxn>
+                <a:cxn ang="0">
+                  <a:pos x="T12" y="T13"/>
+                </a:cxn>
+                <a:cxn ang="0">
+                  <a:pos x="T14" y="T15"/>
+                </a:cxn>
+                <a:cxn ang="0">
+                  <a:pos x="T16" y="T17"/>
+                </a:cxn>
+                <a:cxn ang="0">
+                  <a:pos x="T18" y="T19"/>
+                </a:cxn>
+                <a:cxn ang="0">
+                  <a:pos x="T20" y="T21"/>
+                </a:cxn>
+                <a:cxn ang="0">
+                  <a:pos x="T22" y="T23"/>
+                </a:cxn>
+                <a:cxn ang="0">
+                  <a:pos x="T24" y="T25"/>
+                </a:cxn>
+                <a:cxn ang="0">
+                  <a:pos x="T26" y="T27"/>
+                </a:cxn>
+                <a:cxn ang="0">
+                  <a:pos x="T28" y="T29"/>
+                </a:cxn>
+                <a:cxn ang="0">
+                  <a:pos x="T30" y="T31"/>
+                </a:cxn>
+                <a:cxn ang="0">
+                  <a:pos x="T32" y="T33"/>
+                </a:cxn>
+                <a:cxn ang="0">
+                  <a:pos x="T34" y="T35"/>
+                </a:cxn>
+                <a:cxn ang="0">
+                  <a:pos x="T36" y="T37"/>
+                </a:cxn>
+                <a:cxn ang="0">
+                  <a:pos x="T38" y="T39"/>
+                </a:cxn>
+                <a:cxn ang="0">
+                  <a:pos x="T40" y="T41"/>
+                </a:cxn>
+                <a:cxn ang="0">
+                  <a:pos x="T42" y="T43"/>
+                </a:cxn>
+                <a:cxn ang="0">
+                  <a:pos x="T44" y="T45"/>
+                </a:cxn>
+                <a:cxn ang="0">
+                  <a:pos x="T46" y="T47"/>
+                </a:cxn>
+                <a:cxn ang="0">
+                  <a:pos x="T48" y="T49"/>
+                </a:cxn>
+                <a:cxn ang="0">
+                  <a:pos x="T50" y="T51"/>
+                </a:cxn>
+                <a:cxn ang="0">
+                  <a:pos x="T52" y="T53"/>
+                </a:cxn>
+                <a:cxn ang="0">
+                  <a:pos x="T54" y="T55"/>
+                </a:cxn>
+                <a:cxn ang="0">
+                  <a:pos x="T56" y="T57"/>
+                </a:cxn>
+                <a:cxn ang="0">
+                  <a:pos x="T58" y="T59"/>
+                </a:cxn>
+                <a:cxn ang="0">
+                  <a:pos x="T60" y="T61"/>
+                </a:cxn>
+                <a:cxn ang="0">
+                  <a:pos x="T62" y="T63"/>
+                </a:cxn>
+                <a:cxn ang="0">
+                  <a:pos x="T64" y="T65"/>
+                </a:cxn>
+                <a:cxn ang="0">
+                  <a:pos x="T66" y="T67"/>
+                </a:cxn>
+                <a:cxn ang="0">
+                  <a:pos x="T68" y="T69"/>
+                </a:cxn>
+                <a:cxn ang="0">
+                  <a:pos x="T70" y="T71"/>
+                </a:cxn>
+                <a:cxn ang="0">
+                  <a:pos x="T72" y="T73"/>
+                </a:cxn>
+                <a:cxn ang="0">
+                  <a:pos x="T74" y="T75"/>
+                </a:cxn>
+                <a:cxn ang="0">
+                  <a:pos x="T76" y="T77"/>
+                </a:cxn>
+                <a:cxn ang="0">
+                  <a:pos x="T78" y="T79"/>
+                </a:cxn>
+                <a:cxn ang="0">
+                  <a:pos x="T80" y="T81"/>
+                </a:cxn>
+                <a:cxn ang="0">
+                  <a:pos x="T82" y="T83"/>
+                </a:cxn>
+                <a:cxn ang="0">
+                  <a:pos x="T84" y="T85"/>
+                </a:cxn>
+                <a:cxn ang="0">
+                  <a:pos x="T86" y="T87"/>
+                </a:cxn>
+                <a:cxn ang="0">
+                  <a:pos x="T88" y="T89"/>
+                </a:cxn>
+              </a:cxnLst>
+              <a:rect l="0" t="0" r="r" b="b"/>
+              <a:pathLst>
+                <a:path w="1443" h="1134">
+                  <a:moveTo>
+                    <a:pt x="1443" y="366"/>
+                  </a:moveTo>
+                  <a:lnTo>
+                    <a:pt x="1443" y="1005"/>
+                  </a:lnTo>
+                  <a:cubicBezTo>
+                    <a:pt x="1443" y="1040"/>
+                    <a:pt x="1430" y="1071"/>
+                    <a:pt x="1405" y="1096"/>
+                  </a:cubicBezTo>
+                  <a:cubicBezTo>
+                    <a:pt x="1380" y="1121"/>
+                    <a:pt x="1349" y="1134"/>
+                    <a:pt x="1314" y="1134"/>
+                  </a:cubicBezTo>
+                  <a:lnTo>
+                    <a:pt x="129" y="1134"/>
+                  </a:lnTo>
+                  <a:cubicBezTo>
+                    <a:pt x="93" y="1134"/>
+                    <a:pt x="63" y="1121"/>
+                    <a:pt x="38" y="1096"/>
+                  </a:cubicBezTo>
+                  <a:cubicBezTo>
+                    <a:pt x="13" y="1071"/>
+                    <a:pt x="0" y="1040"/>
+                    <a:pt x="0" y="1005"/>
+                  </a:cubicBezTo>
+                  <a:lnTo>
+                    <a:pt x="0" y="366"/>
+                  </a:lnTo>
+                  <a:cubicBezTo>
+                    <a:pt x="24" y="392"/>
+                    <a:pt x="51" y="415"/>
+                    <a:pt x="81" y="436"/>
+                  </a:cubicBezTo>
+                  <a:cubicBezTo>
+                    <a:pt x="276" y="568"/>
+                    <a:pt x="409" y="660"/>
+                    <a:pt x="482" y="714"/>
+                  </a:cubicBezTo>
+                  <a:cubicBezTo>
+                    <a:pt x="512" y="736"/>
+                    <a:pt x="537" y="754"/>
+                    <a:pt x="556" y="766"/>
+                  </a:cubicBezTo>
+                  <a:cubicBezTo>
+                    <a:pt x="575" y="779"/>
+                    <a:pt x="600" y="792"/>
+                    <a:pt x="632" y="805"/>
+                  </a:cubicBezTo>
+                  <a:cubicBezTo>
+                    <a:pt x="664" y="818"/>
+                    <a:pt x="693" y="825"/>
+                    <a:pt x="721" y="825"/>
+                  </a:cubicBezTo>
+                  <a:lnTo>
+                    <a:pt x="721" y="825"/>
+                  </a:lnTo>
+                  <a:lnTo>
+                    <a:pt x="722" y="825"/>
+                  </a:lnTo>
+                  <a:cubicBezTo>
+                    <a:pt x="750" y="825"/>
+                    <a:pt x="779" y="818"/>
+                    <a:pt x="811" y="805"/>
+                  </a:cubicBezTo>
+                  <a:cubicBezTo>
+                    <a:pt x="843" y="792"/>
+                    <a:pt x="868" y="779"/>
+                    <a:pt x="887" y="766"/>
+                  </a:cubicBezTo>
+                  <a:cubicBezTo>
+                    <a:pt x="906" y="754"/>
+                    <a:pt x="931" y="736"/>
+                    <a:pt x="961" y="714"/>
+                  </a:cubicBezTo>
+                  <a:cubicBezTo>
+                    <a:pt x="1053" y="648"/>
+                    <a:pt x="1186" y="555"/>
+                    <a:pt x="1362" y="436"/>
+                  </a:cubicBezTo>
+                  <a:cubicBezTo>
+                    <a:pt x="1393" y="415"/>
+                    <a:pt x="1420" y="392"/>
+                    <a:pt x="1443" y="366"/>
+                  </a:cubicBezTo>
+                  <a:close/>
+                  <a:moveTo>
+                    <a:pt x="1443" y="129"/>
+                  </a:moveTo>
+                  <a:cubicBezTo>
+                    <a:pt x="1443" y="172"/>
+                    <a:pt x="1430" y="212"/>
+                    <a:pt x="1403" y="251"/>
+                  </a:cubicBezTo>
+                  <a:cubicBezTo>
+                    <a:pt x="1377" y="289"/>
+                    <a:pt x="1344" y="322"/>
+                    <a:pt x="1305" y="350"/>
+                  </a:cubicBezTo>
+                  <a:cubicBezTo>
+                    <a:pt x="1103" y="490"/>
+                    <a:pt x="978" y="577"/>
+                    <a:pt x="928" y="611"/>
+                  </a:cubicBezTo>
+                  <a:cubicBezTo>
+                    <a:pt x="923" y="615"/>
+                    <a:pt x="912" y="623"/>
+                    <a:pt x="894" y="636"/>
+                  </a:cubicBezTo>
+                  <a:cubicBezTo>
+                    <a:pt x="877" y="649"/>
+                    <a:pt x="862" y="659"/>
+                    <a:pt x="851" y="667"/>
+                  </a:cubicBezTo>
+                  <a:cubicBezTo>
+                    <a:pt x="839" y="674"/>
+                    <a:pt x="825" y="683"/>
+                    <a:pt x="809" y="693"/>
+                  </a:cubicBezTo>
+                  <a:cubicBezTo>
+                    <a:pt x="792" y="702"/>
+                    <a:pt x="777" y="710"/>
+                    <a:pt x="763" y="714"/>
+                  </a:cubicBezTo>
+                  <a:cubicBezTo>
+                    <a:pt x="748" y="719"/>
+                    <a:pt x="735" y="722"/>
+                    <a:pt x="722" y="722"/>
+                  </a:cubicBezTo>
+                  <a:lnTo>
+                    <a:pt x="721" y="722"/>
+                  </a:lnTo>
+                  <a:lnTo>
+                    <a:pt x="721" y="722"/>
+                  </a:lnTo>
+                  <a:cubicBezTo>
+                    <a:pt x="708" y="722"/>
+                    <a:pt x="695" y="719"/>
+                    <a:pt x="680" y="714"/>
+                  </a:cubicBezTo>
+                  <a:cubicBezTo>
+                    <a:pt x="666" y="710"/>
+                    <a:pt x="650" y="702"/>
+                    <a:pt x="634" y="693"/>
+                  </a:cubicBezTo>
+                  <a:cubicBezTo>
+                    <a:pt x="618" y="683"/>
+                    <a:pt x="604" y="674"/>
+                    <a:pt x="592" y="667"/>
+                  </a:cubicBezTo>
+                  <a:cubicBezTo>
+                    <a:pt x="581" y="659"/>
+                    <a:pt x="566" y="649"/>
+                    <a:pt x="549" y="636"/>
+                  </a:cubicBezTo>
+                  <a:cubicBezTo>
+                    <a:pt x="531" y="623"/>
+                    <a:pt x="520" y="615"/>
+                    <a:pt x="514" y="611"/>
+                  </a:cubicBezTo>
+                  <a:cubicBezTo>
+                    <a:pt x="466" y="577"/>
+                    <a:pt x="395" y="528"/>
+                    <a:pt x="304" y="464"/>
+                  </a:cubicBezTo>
+                  <a:cubicBezTo>
+                    <a:pt x="212" y="401"/>
+                    <a:pt x="157" y="363"/>
+                    <a:pt x="138" y="350"/>
+                  </a:cubicBezTo>
+                  <a:cubicBezTo>
+                    <a:pt x="105" y="327"/>
+                    <a:pt x="74" y="296"/>
+                    <a:pt x="44" y="257"/>
+                  </a:cubicBezTo>
+                  <a:cubicBezTo>
+                    <a:pt x="15" y="217"/>
+                    <a:pt x="0" y="181"/>
+                    <a:pt x="0" y="147"/>
+                  </a:cubicBezTo>
+                  <a:cubicBezTo>
+                    <a:pt x="0" y="105"/>
+                    <a:pt x="11" y="70"/>
+                    <a:pt x="33" y="42"/>
+                  </a:cubicBezTo>
+                  <a:cubicBezTo>
+                    <a:pt x="56" y="14"/>
+                    <a:pt x="87" y="0"/>
+                    <a:pt x="129" y="0"/>
+                  </a:cubicBezTo>
+                  <a:lnTo>
+                    <a:pt x="1314" y="0"/>
+                  </a:lnTo>
+                  <a:cubicBezTo>
+                    <a:pt x="1349" y="0"/>
+                    <a:pt x="1379" y="13"/>
+                    <a:pt x="1404" y="38"/>
+                  </a:cubicBezTo>
+                  <a:cubicBezTo>
+                    <a:pt x="1430" y="63"/>
+                    <a:pt x="1443" y="94"/>
+                    <a:pt x="1443" y="129"/>
+                  </a:cubicBezTo>
+                  <a:close/>
+                </a:path>
+              </a:pathLst>
+            </a:custGeom>
+            <a:solidFill>
+              <a:srgbClr val="FFFFFF"/>
+            </a:solidFill>
+            <a:ln w="0">
+              <a:noFill/>
+              <a:prstDash val="solid"/>
+              <a:round/>
+              <a:headEnd/>
+              <a:tailEnd/>
+            </a:ln>
+          </p:spPr>
+          <p:txBody>
+            <a:bodyPr vert="horz" wrap="square" lIns="91440" tIns="45720" rIns="91440" bIns="45720" numCol="1" anchor="t" anchorCtr="0" compatLnSpc="1">
+              <a:prstTxWarp prst="textNoShape">
+                <a:avLst/>
+              </a:prstTxWarp>
+            </a:bodyPr>
+            <a:lstStyle>
+              <a:defPPr>
+                <a:defRPr lang="en-US"/>
+              </a:defPPr>
+              <a:lvl1pPr marL="0" algn="l" defTabSz="914400" rtl="0" eaLnBrk="1" latinLnBrk="0" hangingPunct="1">
+                <a:defRPr sz="1800" kern="1200">
+                  <a:solidFill>
+                    <a:schemeClr val="tx1"/>
+                  </a:solidFill>
+                  <a:latin typeface="+mn-lt"/>
+                  <a:ea typeface="+mn-ea"/>
+                  <a:cs typeface="+mn-cs"/>
+                </a:defRPr>
+              </a:lvl1pPr>
+              <a:lvl2pPr marL="457200" algn="l" defTabSz="914400" rtl="0" eaLnBrk="1" latinLnBrk="0" hangingPunct="1">
+                <a:defRPr sz="1800" kern="1200">
+                  <a:solidFill>
+                    <a:schemeClr val="tx1"/>
+                  </a:solidFill>
+                  <a:latin typeface="+mn-lt"/>
+                  <a:ea typeface="+mn-ea"/>
+                  <a:cs typeface="+mn-cs"/>
+                </a:defRPr>
+              </a:lvl2pPr>
+              <a:lvl3pPr marL="914400" algn="l" defTabSz="914400" rtl="0" eaLnBrk="1" latinLnBrk="0" hangingPunct="1">
+                <a:defRPr sz="1800" kern="1200">
+                  <a:solidFill>
+                    <a:schemeClr val="tx1"/>
+                  </a:solidFill>
+                  <a:latin typeface="+mn-lt"/>
+                  <a:ea typeface="+mn-ea"/>
+                  <a:cs typeface="+mn-cs"/>
+                </a:defRPr>
+              </a:lvl3pPr>
+              <a:lvl4pPr marL="1371600" algn="l" defTabSz="914400" rtl="0" eaLnBrk="1" latinLnBrk="0" hangingPunct="1">
+                <a:defRPr sz="1800" kern="1200">
+                  <a:solidFill>
+                    <a:schemeClr val="tx1"/>
+                  </a:solidFill>
+                  <a:latin typeface="+mn-lt"/>
+                  <a:ea typeface="+mn-ea"/>
+                  <a:cs typeface="+mn-cs"/>
+                </a:defRPr>
+              </a:lvl4pPr>
+              <a:lvl5pPr marL="1828800" algn="l" defTabSz="914400" rtl="0" eaLnBrk="1" latinLnBrk="0" hangingPunct="1">
+                <a:defRPr sz="1800" kern="1200">
+                  <a:solidFill>
+                    <a:schemeClr val="tx1"/>
+                  </a:solidFill>
+                  <a:latin typeface="+mn-lt"/>
+                  <a:ea typeface="+mn-ea"/>
+                  <a:cs typeface="+mn-cs"/>
+                </a:defRPr>
+              </a:lvl5pPr>
+              <a:lvl6pPr marL="2286000" algn="l" defTabSz="914400" rtl="0" eaLnBrk="1" latinLnBrk="0" hangingPunct="1">
+                <a:defRPr sz="1800" kern="1200">
+                  <a:solidFill>
+                    <a:schemeClr val="tx1"/>
+                  </a:solidFill>
+                  <a:latin typeface="+mn-lt"/>
+                  <a:ea typeface="+mn-ea"/>
+                  <a:cs typeface="+mn-cs"/>
+                </a:defRPr>
+              </a:lvl6pPr>
+              <a:lvl7pPr marL="2743200" algn="l" defTabSz="914400" rtl="0" eaLnBrk="1" latinLnBrk="0" hangingPunct="1">
+                <a:defRPr sz="1800" kern="1200">
+                  <a:solidFill>
+                    <a:schemeClr val="tx1"/>
+                  </a:solidFill>
+                  <a:latin typeface="+mn-lt"/>
+                  <a:ea typeface="+mn-ea"/>
+                  <a:cs typeface="+mn-cs"/>
+                </a:defRPr>
+              </a:lvl7pPr>
+              <a:lvl8pPr marL="3200400" algn="l" defTabSz="914400" rtl="0" eaLnBrk="1" latinLnBrk="0" hangingPunct="1">
+                <a:defRPr sz="1800" kern="1200">
+                  <a:solidFill>
+                    <a:schemeClr val="tx1"/>
+                  </a:solidFill>
+                  <a:latin typeface="+mn-lt"/>
+                  <a:ea typeface="+mn-ea"/>
+                  <a:cs typeface="+mn-cs"/>
+                </a:defRPr>
+              </a:lvl8pPr>
+              <a:lvl9pPr marL="3657600" algn="l" defTabSz="914400" rtl="0" eaLnBrk="1" latinLnBrk="0" hangingPunct="1">
+                <a:defRPr sz="1800" kern="1200">
+                  <a:solidFill>
+                    <a:schemeClr val="tx1"/>
+                  </a:solidFill>
+                  <a:latin typeface="+mn-lt"/>
+                  <a:ea typeface="+mn-ea"/>
+                  <a:cs typeface="+mn-cs"/>
+                </a:defRPr>
+              </a:lvl9pPr>
+            </a:lstStyle>
+            <a:p>
+              <a:endParaRPr lang="en-US" sz="1050">
+                <a:latin typeface="Arial" panose="020B0604020202020204" pitchFamily="34" charset="0"/>
+                <a:cs typeface="Arial" panose="020B0604020202020204" pitchFamily="34" charset="0"/>
+              </a:endParaRPr>
+            </a:p>
+          </p:txBody>
+        </p:sp>
+      </p:grpSp>
+      <p:grpSp>
+        <p:nvGrpSpPr>
+          <p:cNvPr id="93" name="Group 92"/>
+          <p:cNvGrpSpPr/>
+          <p:nvPr/>
+        </p:nvGrpSpPr>
+        <p:grpSpPr>
+          <a:xfrm>
+            <a:off x="1133228" y="1039669"/>
+            <a:ext cx="202245" cy="200280"/>
+            <a:chOff x="1929801" y="1329414"/>
+            <a:chExt cx="202245" cy="200280"/>
+          </a:xfrm>
+        </p:grpSpPr>
+        <p:sp>
+          <p:nvSpPr>
+            <p:cNvPr id="57" name="Rectangle 56"/>
+            <p:cNvSpPr>
+              <a:spLocks noChangeAspect="1"/>
+            </p:cNvSpPr>
+            <p:nvPr/>
+          </p:nvSpPr>
+          <p:spPr>
+            <a:xfrm>
+              <a:off x="1929801" y="1329414"/>
+              <a:ext cx="202245" cy="200280"/>
+            </a:xfrm>
+            <a:prstGeom prst="rect">
+              <a:avLst/>
+            </a:prstGeom>
+            <a:solidFill>
+              <a:srgbClr val="C0504D"/>
+            </a:solidFill>
+            <a:ln>
+              <a:noFill/>
+            </a:ln>
+            <a:effectLst/>
+          </p:spPr>
+          <p:style>
+            <a:lnRef idx="1">
+              <a:schemeClr val="accent1"/>
+            </a:lnRef>
+            <a:fillRef idx="3">
+              <a:schemeClr val="accent1"/>
+            </a:fillRef>
+            <a:effectRef idx="2">
+              <a:schemeClr val="accent1"/>
+            </a:effectRef>
+            <a:fontRef idx="minor">
+              <a:schemeClr val="lt1"/>
+            </a:fontRef>
+          </p:style>
+          <p:txBody>
+            <a:bodyPr rtlCol="0" anchor="ctr"/>
+            <a:lstStyle/>
+            <a:p>
+              <a:pPr algn="ctr"/>
+              <a:endParaRPr lang="en-US"/>
+            </a:p>
+          </p:txBody>
+        </p:sp>
+        <p:sp>
+          <p:nvSpPr>
+            <p:cNvPr id="52" name="Phone Icon"/>
+            <p:cNvSpPr>
+              <a:spLocks noChangeAspect="1"/>
+            </p:cNvSpPr>
+            <p:nvPr/>
+          </p:nvSpPr>
+          <p:spPr bwMode="auto">
+            <a:xfrm>
+              <a:off x="1960324" y="1356875"/>
+              <a:ext cx="137304" cy="136418"/>
+            </a:xfrm>
+            <a:custGeom>
+              <a:avLst/>
+              <a:gdLst>
+                <a:gd name="T0" fmla="*/ 1134 w 1134"/>
+                <a:gd name="T1" fmla="*/ 895 h 1134"/>
+                <a:gd name="T2" fmla="*/ 1126 w 1134"/>
+                <a:gd name="T3" fmla="*/ 952 h 1134"/>
+                <a:gd name="T4" fmla="*/ 1109 w 1134"/>
+                <a:gd name="T5" fmla="*/ 1007 h 1134"/>
+                <a:gd name="T6" fmla="*/ 1011 w 1134"/>
+                <a:gd name="T7" fmla="*/ 1093 h 1134"/>
+                <a:gd name="T8" fmla="*/ 861 w 1134"/>
+                <a:gd name="T9" fmla="*/ 1134 h 1134"/>
+                <a:gd name="T10" fmla="*/ 819 w 1134"/>
+                <a:gd name="T11" fmla="*/ 1131 h 1134"/>
+                <a:gd name="T12" fmla="*/ 773 w 1134"/>
+                <a:gd name="T13" fmla="*/ 1121 h 1134"/>
+                <a:gd name="T14" fmla="*/ 734 w 1134"/>
+                <a:gd name="T15" fmla="*/ 1109 h 1134"/>
+                <a:gd name="T16" fmla="*/ 690 w 1134"/>
+                <a:gd name="T17" fmla="*/ 1093 h 1134"/>
+                <a:gd name="T18" fmla="*/ 650 w 1134"/>
+                <a:gd name="T19" fmla="*/ 1078 h 1134"/>
+                <a:gd name="T20" fmla="*/ 509 w 1134"/>
+                <a:gd name="T21" fmla="*/ 1011 h 1134"/>
+                <a:gd name="T22" fmla="*/ 296 w 1134"/>
+                <a:gd name="T23" fmla="*/ 838 h 1134"/>
+                <a:gd name="T24" fmla="*/ 123 w 1134"/>
+                <a:gd name="T25" fmla="*/ 625 h 1134"/>
+                <a:gd name="T26" fmla="*/ 56 w 1134"/>
+                <a:gd name="T27" fmla="*/ 484 h 1134"/>
+                <a:gd name="T28" fmla="*/ 42 w 1134"/>
+                <a:gd name="T29" fmla="*/ 445 h 1134"/>
+                <a:gd name="T30" fmla="*/ 25 w 1134"/>
+                <a:gd name="T31" fmla="*/ 400 h 1134"/>
+                <a:gd name="T32" fmla="*/ 13 w 1134"/>
+                <a:gd name="T33" fmla="*/ 362 h 1134"/>
+                <a:gd name="T34" fmla="*/ 3 w 1134"/>
+                <a:gd name="T35" fmla="*/ 315 h 1134"/>
+                <a:gd name="T36" fmla="*/ 0 w 1134"/>
+                <a:gd name="T37" fmla="*/ 273 h 1134"/>
+                <a:gd name="T38" fmla="*/ 42 w 1134"/>
+                <a:gd name="T39" fmla="*/ 123 h 1134"/>
+                <a:gd name="T40" fmla="*/ 127 w 1134"/>
+                <a:gd name="T41" fmla="*/ 25 h 1134"/>
+                <a:gd name="T42" fmla="*/ 182 w 1134"/>
+                <a:gd name="T43" fmla="*/ 8 h 1134"/>
+                <a:gd name="T44" fmla="*/ 239 w 1134"/>
+                <a:gd name="T45" fmla="*/ 0 h 1134"/>
+                <a:gd name="T46" fmla="*/ 256 w 1134"/>
+                <a:gd name="T47" fmla="*/ 3 h 1134"/>
+                <a:gd name="T48" fmla="*/ 298 w 1134"/>
+                <a:gd name="T49" fmla="*/ 64 h 1134"/>
+                <a:gd name="T50" fmla="*/ 322 w 1134"/>
+                <a:gd name="T51" fmla="*/ 107 h 1134"/>
+                <a:gd name="T52" fmla="*/ 351 w 1134"/>
+                <a:gd name="T53" fmla="*/ 159 h 1134"/>
+                <a:gd name="T54" fmla="*/ 376 w 1134"/>
+                <a:gd name="T55" fmla="*/ 202 h 1134"/>
+                <a:gd name="T56" fmla="*/ 390 w 1134"/>
+                <a:gd name="T57" fmla="*/ 222 h 1134"/>
+                <a:gd name="T58" fmla="*/ 407 w 1134"/>
+                <a:gd name="T59" fmla="*/ 250 h 1134"/>
+                <a:gd name="T60" fmla="*/ 413 w 1134"/>
+                <a:gd name="T61" fmla="*/ 273 h 1134"/>
+                <a:gd name="T62" fmla="*/ 390 w 1134"/>
+                <a:gd name="T63" fmla="*/ 313 h 1134"/>
+                <a:gd name="T64" fmla="*/ 340 w 1134"/>
+                <a:gd name="T65" fmla="*/ 358 h 1134"/>
+                <a:gd name="T66" fmla="*/ 290 w 1134"/>
+                <a:gd name="T67" fmla="*/ 400 h 1134"/>
+                <a:gd name="T68" fmla="*/ 267 w 1134"/>
+                <a:gd name="T69" fmla="*/ 437 h 1134"/>
+                <a:gd name="T70" fmla="*/ 271 w 1134"/>
+                <a:gd name="T71" fmla="*/ 456 h 1134"/>
+                <a:gd name="T72" fmla="*/ 278 w 1134"/>
+                <a:gd name="T73" fmla="*/ 472 h 1134"/>
+                <a:gd name="T74" fmla="*/ 289 w 1134"/>
+                <a:gd name="T75" fmla="*/ 491 h 1134"/>
+                <a:gd name="T76" fmla="*/ 298 w 1134"/>
+                <a:gd name="T77" fmla="*/ 507 h 1134"/>
+                <a:gd name="T78" fmla="*/ 438 w 1134"/>
+                <a:gd name="T79" fmla="*/ 696 h 1134"/>
+                <a:gd name="T80" fmla="*/ 628 w 1134"/>
+                <a:gd name="T81" fmla="*/ 836 h 1134"/>
+                <a:gd name="T82" fmla="*/ 643 w 1134"/>
+                <a:gd name="T83" fmla="*/ 845 h 1134"/>
+                <a:gd name="T84" fmla="*/ 662 w 1134"/>
+                <a:gd name="T85" fmla="*/ 857 h 1134"/>
+                <a:gd name="T86" fmla="*/ 679 w 1134"/>
+                <a:gd name="T87" fmla="*/ 863 h 1134"/>
+                <a:gd name="T88" fmla="*/ 697 w 1134"/>
+                <a:gd name="T89" fmla="*/ 867 h 1134"/>
+                <a:gd name="T90" fmla="*/ 734 w 1134"/>
+                <a:gd name="T91" fmla="*/ 844 h 1134"/>
+                <a:gd name="T92" fmla="*/ 777 w 1134"/>
+                <a:gd name="T93" fmla="*/ 795 h 1134"/>
+                <a:gd name="T94" fmla="*/ 821 w 1134"/>
+                <a:gd name="T95" fmla="*/ 745 h 1134"/>
+                <a:gd name="T96" fmla="*/ 861 w 1134"/>
+                <a:gd name="T97" fmla="*/ 722 h 1134"/>
+                <a:gd name="T98" fmla="*/ 884 w 1134"/>
+                <a:gd name="T99" fmla="*/ 727 h 1134"/>
+                <a:gd name="T100" fmla="*/ 913 w 1134"/>
+                <a:gd name="T101" fmla="*/ 745 h 1134"/>
+                <a:gd name="T102" fmla="*/ 933 w 1134"/>
+                <a:gd name="T103" fmla="*/ 759 h 1134"/>
+                <a:gd name="T104" fmla="*/ 976 w 1134"/>
+                <a:gd name="T105" fmla="*/ 784 h 1134"/>
+                <a:gd name="T106" fmla="*/ 1027 w 1134"/>
+                <a:gd name="T107" fmla="*/ 812 h 1134"/>
+                <a:gd name="T108" fmla="*/ 1070 w 1134"/>
+                <a:gd name="T109" fmla="*/ 836 h 1134"/>
+                <a:gd name="T110" fmla="*/ 1132 w 1134"/>
+                <a:gd name="T111" fmla="*/ 879 h 1134"/>
+                <a:gd name="T112" fmla="*/ 1134 w 1134"/>
+                <a:gd name="T113" fmla="*/ 896 h 1134"/>
+                <a:gd name="T114" fmla="*/ 1134 w 1134"/>
+                <a:gd name="T115" fmla="*/ 895 h 1134"/>
+              </a:gdLst>
+              <a:ahLst/>
+              <a:cxnLst>
+                <a:cxn ang="0">
+                  <a:pos x="T0" y="T1"/>
+                </a:cxn>
+                <a:cxn ang="0">
+                  <a:pos x="T2" y="T3"/>
+                </a:cxn>
+                <a:cxn ang="0">
+                  <a:pos x="T4" y="T5"/>
+                </a:cxn>
+                <a:cxn ang="0">
+                  <a:pos x="T6" y="T7"/>
+                </a:cxn>
+                <a:cxn ang="0">
+                  <a:pos x="T8" y="T9"/>
+                </a:cxn>
+                <a:cxn ang="0">
+                  <a:pos x="T10" y="T11"/>
+                </a:cxn>
+                <a:cxn ang="0">
+                  <a:pos x="T12" y="T13"/>
+                </a:cxn>
+                <a:cxn ang="0">
+                  <a:pos x="T14" y="T15"/>
+                </a:cxn>
+                <a:cxn ang="0">
+                  <a:pos x="T16" y="T17"/>
+                </a:cxn>
+                <a:cxn ang="0">
+                  <a:pos x="T18" y="T19"/>
+                </a:cxn>
+                <a:cxn ang="0">
+                  <a:pos x="T20" y="T21"/>
+                </a:cxn>
+                <a:cxn ang="0">
+                  <a:pos x="T22" y="T23"/>
+                </a:cxn>
+                <a:cxn ang="0">
+                  <a:pos x="T24" y="T25"/>
+                </a:cxn>
+                <a:cxn ang="0">
+                  <a:pos x="T26" y="T27"/>
+                </a:cxn>
+                <a:cxn ang="0">
+                  <a:pos x="T28" y="T29"/>
+                </a:cxn>
+                <a:cxn ang="0">
+                  <a:pos x="T30" y="T31"/>
+                </a:cxn>
+                <a:cxn ang="0">
+                  <a:pos x="T32" y="T33"/>
+                </a:cxn>
+                <a:cxn ang="0">
+                  <a:pos x="T34" y="T35"/>
+                </a:cxn>
+                <a:cxn ang="0">
+                  <a:pos x="T36" y="T37"/>
+                </a:cxn>
+                <a:cxn ang="0">
+                  <a:pos x="T38" y="T39"/>
+                </a:cxn>
+                <a:cxn ang="0">
+                  <a:pos x="T40" y="T41"/>
+                </a:cxn>
+                <a:cxn ang="0">
+                  <a:pos x="T42" y="T43"/>
+                </a:cxn>
+                <a:cxn ang="0">
+                  <a:pos x="T44" y="T45"/>
+                </a:cxn>
+                <a:cxn ang="0">
+                  <a:pos x="T46" y="T47"/>
+                </a:cxn>
+                <a:cxn ang="0">
+                  <a:pos x="T48" y="T49"/>
+                </a:cxn>
+                <a:cxn ang="0">
+                  <a:pos x="T50" y="T51"/>
+                </a:cxn>
+                <a:cxn ang="0">
+                  <a:pos x="T52" y="T53"/>
+                </a:cxn>
+                <a:cxn ang="0">
+                  <a:pos x="T54" y="T55"/>
+                </a:cxn>
+                <a:cxn ang="0">
+                  <a:pos x="T56" y="T57"/>
+                </a:cxn>
+                <a:cxn ang="0">
+                  <a:pos x="T58" y="T59"/>
+                </a:cxn>
+                <a:cxn ang="0">
+                  <a:pos x="T60" y="T61"/>
+                </a:cxn>
+                <a:cxn ang="0">
+                  <a:pos x="T62" y="T63"/>
+                </a:cxn>
+                <a:cxn ang="0">
+                  <a:pos x="T64" y="T65"/>
+                </a:cxn>
+                <a:cxn ang="0">
+                  <a:pos x="T66" y="T67"/>
+                </a:cxn>
+                <a:cxn ang="0">
+                  <a:pos x="T68" y="T69"/>
+                </a:cxn>
+                <a:cxn ang="0">
+                  <a:pos x="T70" y="T71"/>
+                </a:cxn>
+                <a:cxn ang="0">
+                  <a:pos x="T72" y="T73"/>
+                </a:cxn>
+                <a:cxn ang="0">
+                  <a:pos x="T74" y="T75"/>
+                </a:cxn>
+                <a:cxn ang="0">
+                  <a:pos x="T76" y="T77"/>
+                </a:cxn>
+                <a:cxn ang="0">
+                  <a:pos x="T78" y="T79"/>
+                </a:cxn>
+                <a:cxn ang="0">
+                  <a:pos x="T80" y="T81"/>
+                </a:cxn>
+                <a:cxn ang="0">
+                  <a:pos x="T82" y="T83"/>
+                </a:cxn>
+                <a:cxn ang="0">
+                  <a:pos x="T84" y="T85"/>
+                </a:cxn>
+                <a:cxn ang="0">
+                  <a:pos x="T86" y="T87"/>
+                </a:cxn>
+                <a:cxn ang="0">
+                  <a:pos x="T88" y="T89"/>
+                </a:cxn>
+                <a:cxn ang="0">
+                  <a:pos x="T90" y="T91"/>
+                </a:cxn>
+                <a:cxn ang="0">
+                  <a:pos x="T92" y="T93"/>
+                </a:cxn>
+                <a:cxn ang="0">
+                  <a:pos x="T94" y="T95"/>
+                </a:cxn>
+                <a:cxn ang="0">
+                  <a:pos x="T96" y="T97"/>
+                </a:cxn>
+                <a:cxn ang="0">
+                  <a:pos x="T98" y="T99"/>
+                </a:cxn>
+                <a:cxn ang="0">
+                  <a:pos x="T100" y="T101"/>
+                </a:cxn>
+                <a:cxn ang="0">
+                  <a:pos x="T102" y="T103"/>
+                </a:cxn>
+                <a:cxn ang="0">
+                  <a:pos x="T104" y="T105"/>
+                </a:cxn>
+                <a:cxn ang="0">
+                  <a:pos x="T106" y="T107"/>
+                </a:cxn>
+                <a:cxn ang="0">
+                  <a:pos x="T108" y="T109"/>
+                </a:cxn>
+                <a:cxn ang="0">
+                  <a:pos x="T110" y="T111"/>
+                </a:cxn>
+                <a:cxn ang="0">
+                  <a:pos x="T112" y="T113"/>
+                </a:cxn>
+                <a:cxn ang="0">
+                  <a:pos x="T114" y="T115"/>
+                </a:cxn>
+              </a:cxnLst>
+              <a:rect l="0" t="0" r="r" b="b"/>
+              <a:pathLst>
+                <a:path w="1134" h="1134">
+                  <a:moveTo>
+                    <a:pt x="1134" y="895"/>
+                  </a:moveTo>
+                  <a:cubicBezTo>
+                    <a:pt x="1134" y="910"/>
+                    <a:pt x="1131" y="929"/>
+                    <a:pt x="1126" y="952"/>
+                  </a:cubicBezTo>
+                  <a:cubicBezTo>
+                    <a:pt x="1121" y="976"/>
+                    <a:pt x="1115" y="994"/>
+                    <a:pt x="1109" y="1007"/>
+                  </a:cubicBezTo>
+                  <a:cubicBezTo>
+                    <a:pt x="1098" y="1034"/>
+                    <a:pt x="1065" y="1063"/>
+                    <a:pt x="1011" y="1093"/>
+                  </a:cubicBezTo>
+                  <a:cubicBezTo>
+                    <a:pt x="960" y="1120"/>
+                    <a:pt x="910" y="1134"/>
+                    <a:pt x="861" y="1134"/>
+                  </a:cubicBezTo>
+                  <a:cubicBezTo>
+                    <a:pt x="847" y="1134"/>
+                    <a:pt x="832" y="1133"/>
+                    <a:pt x="819" y="1131"/>
+                  </a:cubicBezTo>
+                  <a:cubicBezTo>
+                    <a:pt x="805" y="1129"/>
+                    <a:pt x="790" y="1126"/>
+                    <a:pt x="773" y="1121"/>
+                  </a:cubicBezTo>
+                  <a:cubicBezTo>
+                    <a:pt x="755" y="1116"/>
+                    <a:pt x="743" y="1112"/>
+                    <a:pt x="734" y="1109"/>
+                  </a:cubicBezTo>
+                  <a:cubicBezTo>
+                    <a:pt x="726" y="1106"/>
+                    <a:pt x="711" y="1101"/>
+                    <a:pt x="690" y="1093"/>
+                  </a:cubicBezTo>
+                  <a:cubicBezTo>
+                    <a:pt x="668" y="1085"/>
+                    <a:pt x="655" y="1080"/>
+                    <a:pt x="650" y="1078"/>
+                  </a:cubicBezTo>
+                  <a:cubicBezTo>
+                    <a:pt x="598" y="1059"/>
+                    <a:pt x="551" y="1037"/>
+                    <a:pt x="509" y="1011"/>
+                  </a:cubicBezTo>
+                  <a:cubicBezTo>
+                    <a:pt x="441" y="969"/>
+                    <a:pt x="370" y="911"/>
+                    <a:pt x="296" y="838"/>
+                  </a:cubicBezTo>
+                  <a:cubicBezTo>
+                    <a:pt x="223" y="765"/>
+                    <a:pt x="165" y="694"/>
+                    <a:pt x="123" y="625"/>
+                  </a:cubicBezTo>
+                  <a:cubicBezTo>
+                    <a:pt x="97" y="584"/>
+                    <a:pt x="75" y="537"/>
+                    <a:pt x="56" y="484"/>
+                  </a:cubicBezTo>
+                  <a:cubicBezTo>
+                    <a:pt x="54" y="479"/>
+                    <a:pt x="50" y="466"/>
+                    <a:pt x="42" y="445"/>
+                  </a:cubicBezTo>
+                  <a:cubicBezTo>
+                    <a:pt x="33" y="423"/>
+                    <a:pt x="28" y="408"/>
+                    <a:pt x="25" y="400"/>
+                  </a:cubicBezTo>
+                  <a:cubicBezTo>
+                    <a:pt x="22" y="392"/>
+                    <a:pt x="18" y="379"/>
+                    <a:pt x="13" y="362"/>
+                  </a:cubicBezTo>
+                  <a:cubicBezTo>
+                    <a:pt x="9" y="345"/>
+                    <a:pt x="5" y="329"/>
+                    <a:pt x="3" y="315"/>
+                  </a:cubicBezTo>
+                  <a:cubicBezTo>
+                    <a:pt x="1" y="302"/>
+                    <a:pt x="0" y="288"/>
+                    <a:pt x="0" y="273"/>
+                  </a:cubicBezTo>
+                  <a:cubicBezTo>
+                    <a:pt x="0" y="224"/>
+                    <a:pt x="14" y="174"/>
+                    <a:pt x="42" y="123"/>
+                  </a:cubicBezTo>
+                  <a:cubicBezTo>
+                    <a:pt x="72" y="69"/>
+                    <a:pt x="100" y="36"/>
+                    <a:pt x="127" y="25"/>
+                  </a:cubicBezTo>
+                  <a:cubicBezTo>
+                    <a:pt x="140" y="19"/>
+                    <a:pt x="159" y="14"/>
+                    <a:pt x="182" y="8"/>
+                  </a:cubicBezTo>
+                  <a:cubicBezTo>
+                    <a:pt x="205" y="3"/>
+                    <a:pt x="224" y="0"/>
+                    <a:pt x="239" y="0"/>
+                  </a:cubicBezTo>
+                  <a:cubicBezTo>
+                    <a:pt x="246" y="0"/>
+                    <a:pt x="252" y="1"/>
+                    <a:pt x="256" y="3"/>
+                  </a:cubicBezTo>
+                  <a:cubicBezTo>
+                    <a:pt x="265" y="6"/>
+                    <a:pt x="280" y="26"/>
+                    <a:pt x="298" y="64"/>
+                  </a:cubicBezTo>
+                  <a:cubicBezTo>
+                    <a:pt x="304" y="74"/>
+                    <a:pt x="312" y="89"/>
+                    <a:pt x="322" y="107"/>
+                  </a:cubicBezTo>
+                  <a:cubicBezTo>
+                    <a:pt x="333" y="126"/>
+                    <a:pt x="342" y="143"/>
+                    <a:pt x="351" y="159"/>
+                  </a:cubicBezTo>
+                  <a:cubicBezTo>
+                    <a:pt x="359" y="174"/>
+                    <a:pt x="368" y="188"/>
+                    <a:pt x="376" y="202"/>
+                  </a:cubicBezTo>
+                  <a:cubicBezTo>
+                    <a:pt x="377" y="204"/>
+                    <a:pt x="382" y="210"/>
+                    <a:pt x="390" y="222"/>
+                  </a:cubicBezTo>
+                  <a:cubicBezTo>
+                    <a:pt x="397" y="233"/>
+                    <a:pt x="403" y="243"/>
+                    <a:pt x="407" y="250"/>
+                  </a:cubicBezTo>
+                  <a:cubicBezTo>
+                    <a:pt x="411" y="258"/>
+                    <a:pt x="413" y="266"/>
+                    <a:pt x="413" y="273"/>
+                  </a:cubicBezTo>
+                  <a:cubicBezTo>
+                    <a:pt x="413" y="284"/>
+                    <a:pt x="405" y="297"/>
+                    <a:pt x="390" y="313"/>
+                  </a:cubicBezTo>
+                  <a:cubicBezTo>
+                    <a:pt x="374" y="330"/>
+                    <a:pt x="358" y="344"/>
+                    <a:pt x="340" y="358"/>
+                  </a:cubicBezTo>
+                  <a:cubicBezTo>
+                    <a:pt x="322" y="371"/>
+                    <a:pt x="305" y="385"/>
+                    <a:pt x="290" y="400"/>
+                  </a:cubicBezTo>
+                  <a:cubicBezTo>
+                    <a:pt x="275" y="415"/>
+                    <a:pt x="267" y="428"/>
+                    <a:pt x="267" y="437"/>
+                  </a:cubicBezTo>
+                  <a:cubicBezTo>
+                    <a:pt x="267" y="442"/>
+                    <a:pt x="268" y="448"/>
+                    <a:pt x="271" y="456"/>
+                  </a:cubicBezTo>
+                  <a:cubicBezTo>
+                    <a:pt x="274" y="463"/>
+                    <a:pt x="276" y="468"/>
+                    <a:pt x="278" y="472"/>
+                  </a:cubicBezTo>
+                  <a:cubicBezTo>
+                    <a:pt x="280" y="476"/>
+                    <a:pt x="283" y="482"/>
+                    <a:pt x="289" y="491"/>
+                  </a:cubicBezTo>
+                  <a:cubicBezTo>
+                    <a:pt x="295" y="501"/>
+                    <a:pt x="298" y="506"/>
+                    <a:pt x="298" y="507"/>
+                  </a:cubicBezTo>
+                  <a:cubicBezTo>
+                    <a:pt x="339" y="580"/>
+                    <a:pt x="386" y="643"/>
+                    <a:pt x="438" y="696"/>
+                  </a:cubicBezTo>
+                  <a:cubicBezTo>
+                    <a:pt x="491" y="748"/>
+                    <a:pt x="554" y="795"/>
+                    <a:pt x="628" y="836"/>
+                  </a:cubicBezTo>
+                  <a:cubicBezTo>
+                    <a:pt x="629" y="837"/>
+                    <a:pt x="634" y="840"/>
+                    <a:pt x="643" y="845"/>
+                  </a:cubicBezTo>
+                  <a:cubicBezTo>
+                    <a:pt x="652" y="851"/>
+                    <a:pt x="658" y="855"/>
+                    <a:pt x="662" y="857"/>
+                  </a:cubicBezTo>
+                  <a:cubicBezTo>
+                    <a:pt x="666" y="858"/>
+                    <a:pt x="671" y="861"/>
+                    <a:pt x="679" y="863"/>
+                  </a:cubicBezTo>
+                  <a:cubicBezTo>
+                    <a:pt x="686" y="866"/>
+                    <a:pt x="692" y="867"/>
+                    <a:pt x="697" y="867"/>
+                  </a:cubicBezTo>
+                  <a:cubicBezTo>
+                    <a:pt x="706" y="867"/>
+                    <a:pt x="719" y="860"/>
+                    <a:pt x="734" y="844"/>
+                  </a:cubicBezTo>
+                  <a:cubicBezTo>
+                    <a:pt x="749" y="829"/>
+                    <a:pt x="763" y="812"/>
+                    <a:pt x="777" y="795"/>
+                  </a:cubicBezTo>
+                  <a:cubicBezTo>
+                    <a:pt x="790" y="777"/>
+                    <a:pt x="805" y="760"/>
+                    <a:pt x="821" y="745"/>
+                  </a:cubicBezTo>
+                  <a:cubicBezTo>
+                    <a:pt x="837" y="729"/>
+                    <a:pt x="850" y="722"/>
+                    <a:pt x="861" y="722"/>
+                  </a:cubicBezTo>
+                  <a:cubicBezTo>
+                    <a:pt x="869" y="722"/>
+                    <a:pt x="876" y="724"/>
+                    <a:pt x="884" y="727"/>
+                  </a:cubicBezTo>
+                  <a:cubicBezTo>
+                    <a:pt x="892" y="731"/>
+                    <a:pt x="901" y="737"/>
+                    <a:pt x="913" y="745"/>
+                  </a:cubicBezTo>
+                  <a:cubicBezTo>
+                    <a:pt x="924" y="752"/>
+                    <a:pt x="931" y="757"/>
+                    <a:pt x="933" y="759"/>
+                  </a:cubicBezTo>
+                  <a:cubicBezTo>
+                    <a:pt x="946" y="767"/>
+                    <a:pt x="960" y="775"/>
+                    <a:pt x="976" y="784"/>
+                  </a:cubicBezTo>
+                  <a:cubicBezTo>
+                    <a:pt x="991" y="792"/>
+                    <a:pt x="1008" y="802"/>
+                    <a:pt x="1027" y="812"/>
+                  </a:cubicBezTo>
+                  <a:cubicBezTo>
+                    <a:pt x="1046" y="822"/>
+                    <a:pt x="1060" y="830"/>
+                    <a:pt x="1070" y="836"/>
+                  </a:cubicBezTo>
+                  <a:cubicBezTo>
+                    <a:pt x="1108" y="855"/>
+                    <a:pt x="1128" y="869"/>
+                    <a:pt x="1132" y="879"/>
+                  </a:cubicBezTo>
+                  <a:cubicBezTo>
+                    <a:pt x="1133" y="882"/>
+                    <a:pt x="1134" y="888"/>
+                    <a:pt x="1134" y="896"/>
+                  </a:cubicBezTo>
+                  <a:lnTo>
+                    <a:pt x="1134" y="895"/>
+                  </a:lnTo>
+                  <a:close/>
+                </a:path>
+              </a:pathLst>
+            </a:custGeom>
+            <a:solidFill>
+              <a:srgbClr val="FFFFFF"/>
+            </a:solidFill>
+            <a:ln w="0">
+              <a:noFill/>
+              <a:prstDash val="solid"/>
+              <a:round/>
+              <a:headEnd/>
+              <a:tailEnd/>
+            </a:ln>
+          </p:spPr>
+          <p:txBody>
+            <a:bodyPr vert="horz" wrap="square" lIns="91440" tIns="45720" rIns="91440" bIns="45720" numCol="1" anchor="t" anchorCtr="0" compatLnSpc="1">
+              <a:prstTxWarp prst="textNoShape">
+                <a:avLst/>
+              </a:prstTxWarp>
+            </a:bodyPr>
+            <a:lstStyle>
+              <a:defPPr>
+                <a:defRPr lang="en-US"/>
+              </a:defPPr>
+              <a:lvl1pPr marL="0" algn="l" defTabSz="914400" rtl="0" eaLnBrk="1" latinLnBrk="0" hangingPunct="1">
+                <a:defRPr sz="1800" kern="1200">
+                  <a:solidFill>
+                    <a:schemeClr val="tx1"/>
+                  </a:solidFill>
+                  <a:latin typeface="+mn-lt"/>
+                  <a:ea typeface="+mn-ea"/>
+                  <a:cs typeface="+mn-cs"/>
+                </a:defRPr>
+              </a:lvl1pPr>
+              <a:lvl2pPr marL="457200" algn="l" defTabSz="914400" rtl="0" eaLnBrk="1" latinLnBrk="0" hangingPunct="1">
+                <a:defRPr sz="1800" kern="1200">
+                  <a:solidFill>
+                    <a:schemeClr val="tx1"/>
+                  </a:solidFill>
+                  <a:latin typeface="+mn-lt"/>
+                  <a:ea typeface="+mn-ea"/>
+                  <a:cs typeface="+mn-cs"/>
+                </a:defRPr>
+              </a:lvl2pPr>
+              <a:lvl3pPr marL="914400" algn="l" defTabSz="914400" rtl="0" eaLnBrk="1" latinLnBrk="0" hangingPunct="1">
+                <a:defRPr sz="1800" kern="1200">
+                  <a:solidFill>
+                    <a:schemeClr val="tx1"/>
+                  </a:solidFill>
+                  <a:latin typeface="+mn-lt"/>
+                  <a:ea typeface="+mn-ea"/>
+                  <a:cs typeface="+mn-cs"/>
+                </a:defRPr>
+              </a:lvl3pPr>
+              <a:lvl4pPr marL="1371600" algn="l" defTabSz="914400" rtl="0" eaLnBrk="1" latinLnBrk="0" hangingPunct="1">
+                <a:defRPr sz="1800" kern="1200">
+                  <a:solidFill>
+                    <a:schemeClr val="tx1"/>
+                  </a:solidFill>
+                  <a:latin typeface="+mn-lt"/>
+                  <a:ea typeface="+mn-ea"/>
+                  <a:cs typeface="+mn-cs"/>
+                </a:defRPr>
+              </a:lvl4pPr>
+              <a:lvl5pPr marL="1828800" algn="l" defTabSz="914400" rtl="0" eaLnBrk="1" latinLnBrk="0" hangingPunct="1">
+                <a:defRPr sz="1800" kern="1200">
+                  <a:solidFill>
+                    <a:schemeClr val="tx1"/>
+                  </a:solidFill>
+                  <a:latin typeface="+mn-lt"/>
+                  <a:ea typeface="+mn-ea"/>
+                  <a:cs typeface="+mn-cs"/>
+                </a:defRPr>
+              </a:lvl5pPr>
+              <a:lvl6pPr marL="2286000" algn="l" defTabSz="914400" rtl="0" eaLnBrk="1" latinLnBrk="0" hangingPunct="1">
+                <a:defRPr sz="1800" kern="1200">
+                  <a:solidFill>
+                    <a:schemeClr val="tx1"/>
+                  </a:solidFill>
+                  <a:latin typeface="+mn-lt"/>
+                  <a:ea typeface="+mn-ea"/>
+                  <a:cs typeface="+mn-cs"/>
+                </a:defRPr>
+              </a:lvl6pPr>
+              <a:lvl7pPr marL="2743200" algn="l" defTabSz="914400" rtl="0" eaLnBrk="1" latinLnBrk="0" hangingPunct="1">
+                <a:defRPr sz="1800" kern="1200">
+                  <a:solidFill>
+                    <a:schemeClr val="tx1"/>
+                  </a:solidFill>
+                  <a:latin typeface="+mn-lt"/>
+                  <a:ea typeface="+mn-ea"/>
+                  <a:cs typeface="+mn-cs"/>
+                </a:defRPr>
+              </a:lvl7pPr>
+              <a:lvl8pPr marL="3200400" algn="l" defTabSz="914400" rtl="0" eaLnBrk="1" latinLnBrk="0" hangingPunct="1">
+                <a:defRPr sz="1800" kern="1200">
+                  <a:solidFill>
+                    <a:schemeClr val="tx1"/>
+                  </a:solidFill>
+                  <a:latin typeface="+mn-lt"/>
+                  <a:ea typeface="+mn-ea"/>
+                  <a:cs typeface="+mn-cs"/>
+                </a:defRPr>
+              </a:lvl8pPr>
+              <a:lvl9pPr marL="3657600" algn="l" defTabSz="914400" rtl="0" eaLnBrk="1" latinLnBrk="0" hangingPunct="1">
+                <a:defRPr sz="1800" kern="1200">
+                  <a:solidFill>
+                    <a:schemeClr val="tx1"/>
+                  </a:solidFill>
+                  <a:latin typeface="+mn-lt"/>
+                  <a:ea typeface="+mn-ea"/>
+                  <a:cs typeface="+mn-cs"/>
+                </a:defRPr>
+              </a:lvl9pPr>
+            </a:lstStyle>
+            <a:p>
+              <a:endParaRPr lang="en-US" sz="1050">
+                <a:latin typeface="Arial" panose="020B0604020202020204" pitchFamily="34" charset="0"/>
+                <a:cs typeface="Arial" panose="020B0604020202020204" pitchFamily="34" charset="0"/>
+              </a:endParaRPr>
+            </a:p>
+          </p:txBody>
+        </p:sp>
+      </p:grpSp>
+      <p:grpSp>
+        <p:nvGrpSpPr>
+          <p:cNvPr id="94" name="Group 93"/>
+          <p:cNvGrpSpPr/>
+          <p:nvPr/>
+        </p:nvGrpSpPr>
+        <p:grpSpPr>
+          <a:xfrm>
+            <a:off x="1133228" y="1843268"/>
+            <a:ext cx="202245" cy="200280"/>
+            <a:chOff x="1929801" y="1616060"/>
+            <a:chExt cx="202245" cy="200280"/>
+          </a:xfrm>
+        </p:grpSpPr>
+        <p:sp>
+          <p:nvSpPr>
+            <p:cNvPr id="56" name="Rectangle 55"/>
+            <p:cNvSpPr>
+              <a:spLocks noChangeAspect="1"/>
+            </p:cNvSpPr>
+            <p:nvPr/>
+          </p:nvSpPr>
+          <p:spPr>
+            <a:xfrm>
+              <a:off x="1929801" y="1616060"/>
+              <a:ext cx="202245" cy="200280"/>
+            </a:xfrm>
+            <a:prstGeom prst="rect">
+              <a:avLst/>
+            </a:prstGeom>
+            <a:solidFill>
+              <a:srgbClr val="C0504D"/>
+            </a:solidFill>
+            <a:ln>
+              <a:noFill/>
+            </a:ln>
+            <a:effectLst/>
+          </p:spPr>
+          <p:style>
+            <a:lnRef idx="1">
+              <a:schemeClr val="accent1"/>
+            </a:lnRef>
+            <a:fillRef idx="3">
+              <a:schemeClr val="accent1"/>
+            </a:fillRef>
+            <a:effectRef idx="2">
+              <a:schemeClr val="accent1"/>
+            </a:effectRef>
+            <a:fontRef idx="minor">
+              <a:schemeClr val="lt1"/>
+            </a:fontRef>
+          </p:style>
+          <p:txBody>
+            <a:bodyPr rtlCol="0" anchor="ctr"/>
+            <a:lstStyle/>
+            <a:p>
+              <a:pPr algn="ctr"/>
+              <a:endParaRPr lang="en-US"/>
+            </a:p>
+          </p:txBody>
+        </p:sp>
+        <p:sp>
+          <p:nvSpPr>
+            <p:cNvPr id="53" name="Twitter Icon"/>
+            <p:cNvSpPr>
+              <a:spLocks noChangeAspect="1"/>
+            </p:cNvSpPr>
+            <p:nvPr/>
+          </p:nvSpPr>
+          <p:spPr bwMode="auto">
+            <a:xfrm>
+              <a:off x="1936888" y="1641749"/>
+              <a:ext cx="181596" cy="148819"/>
+            </a:xfrm>
+            <a:custGeom>
+              <a:avLst/>
+              <a:gdLst>
+                <a:gd name="T0" fmla="*/ 1509 w 1509"/>
+                <a:gd name="T1" fmla="*/ 166 h 1236"/>
+                <a:gd name="T2" fmla="*/ 1505 w 1509"/>
+                <a:gd name="T3" fmla="*/ 180 h 1236"/>
+                <a:gd name="T4" fmla="*/ 1361 w 1509"/>
+                <a:gd name="T5" fmla="*/ 333 h 1236"/>
+                <a:gd name="T6" fmla="*/ 1361 w 1509"/>
+                <a:gd name="T7" fmla="*/ 360 h 1236"/>
+                <a:gd name="T8" fmla="*/ 1281 w 1509"/>
+                <a:gd name="T9" fmla="*/ 727 h 1236"/>
+                <a:gd name="T10" fmla="*/ 961 w 1509"/>
+                <a:gd name="T11" fmla="*/ 1101 h 1236"/>
+                <a:gd name="T12" fmla="*/ 484 w 1509"/>
+                <a:gd name="T13" fmla="*/ 1236 h 1236"/>
+                <a:gd name="T14" fmla="*/ 82 w 1509"/>
+                <a:gd name="T15" fmla="*/ 1138 h 1236"/>
+                <a:gd name="T16" fmla="*/ 12 w 1509"/>
+                <a:gd name="T17" fmla="*/ 1098 h 1236"/>
+                <a:gd name="T18" fmla="*/ 0 w 1509"/>
+                <a:gd name="T19" fmla="*/ 1076 h 1236"/>
+                <a:gd name="T20" fmla="*/ 7 w 1509"/>
+                <a:gd name="T21" fmla="*/ 1058 h 1236"/>
+                <a:gd name="T22" fmla="*/ 25 w 1509"/>
+                <a:gd name="T23" fmla="*/ 1050 h 1236"/>
+                <a:gd name="T24" fmla="*/ 61 w 1509"/>
+                <a:gd name="T25" fmla="*/ 1052 h 1236"/>
+                <a:gd name="T26" fmla="*/ 97 w 1509"/>
+                <a:gd name="T27" fmla="*/ 1054 h 1236"/>
+                <a:gd name="T28" fmla="*/ 399 w 1509"/>
+                <a:gd name="T29" fmla="*/ 969 h 1236"/>
+                <a:gd name="T30" fmla="*/ 253 w 1509"/>
+                <a:gd name="T31" fmla="*/ 892 h 1236"/>
+                <a:gd name="T32" fmla="*/ 164 w 1509"/>
+                <a:gd name="T33" fmla="*/ 752 h 1236"/>
+                <a:gd name="T34" fmla="*/ 162 w 1509"/>
+                <a:gd name="T35" fmla="*/ 743 h 1236"/>
+                <a:gd name="T36" fmla="*/ 169 w 1509"/>
+                <a:gd name="T37" fmla="*/ 726 h 1236"/>
+                <a:gd name="T38" fmla="*/ 187 w 1509"/>
+                <a:gd name="T39" fmla="*/ 719 h 1236"/>
+                <a:gd name="T40" fmla="*/ 198 w 1509"/>
+                <a:gd name="T41" fmla="*/ 720 h 1236"/>
+                <a:gd name="T42" fmla="*/ 208 w 1509"/>
+                <a:gd name="T43" fmla="*/ 722 h 1236"/>
+                <a:gd name="T44" fmla="*/ 94 w 1509"/>
+                <a:gd name="T45" fmla="*/ 604 h 1236"/>
+                <a:gd name="T46" fmla="*/ 51 w 1509"/>
+                <a:gd name="T47" fmla="*/ 446 h 1236"/>
+                <a:gd name="T48" fmla="*/ 60 w 1509"/>
+                <a:gd name="T49" fmla="*/ 425 h 1236"/>
+                <a:gd name="T50" fmla="*/ 82 w 1509"/>
+                <a:gd name="T51" fmla="*/ 417 h 1236"/>
+                <a:gd name="T52" fmla="*/ 111 w 1509"/>
+                <a:gd name="T53" fmla="*/ 426 h 1236"/>
+                <a:gd name="T54" fmla="*/ 135 w 1509"/>
+                <a:gd name="T55" fmla="*/ 437 h 1236"/>
+                <a:gd name="T56" fmla="*/ 61 w 1509"/>
+                <a:gd name="T57" fmla="*/ 231 h 1236"/>
+                <a:gd name="T58" fmla="*/ 72 w 1509"/>
+                <a:gd name="T59" fmla="*/ 144 h 1236"/>
+                <a:gd name="T60" fmla="*/ 105 w 1509"/>
+                <a:gd name="T61" fmla="*/ 67 h 1236"/>
+                <a:gd name="T62" fmla="*/ 125 w 1509"/>
+                <a:gd name="T63" fmla="*/ 54 h 1236"/>
+                <a:gd name="T64" fmla="*/ 147 w 1509"/>
+                <a:gd name="T65" fmla="*/ 64 h 1236"/>
+                <a:gd name="T66" fmla="*/ 235 w 1509"/>
+                <a:gd name="T67" fmla="*/ 157 h 1236"/>
+                <a:gd name="T68" fmla="*/ 458 w 1509"/>
+                <a:gd name="T69" fmla="*/ 300 h 1236"/>
+                <a:gd name="T70" fmla="*/ 713 w 1509"/>
+                <a:gd name="T71" fmla="*/ 364 h 1236"/>
+                <a:gd name="T72" fmla="*/ 710 w 1509"/>
+                <a:gd name="T73" fmla="*/ 325 h 1236"/>
+                <a:gd name="T74" fmla="*/ 805 w 1509"/>
+                <a:gd name="T75" fmla="*/ 95 h 1236"/>
+                <a:gd name="T76" fmla="*/ 1035 w 1509"/>
+                <a:gd name="T77" fmla="*/ 0 h 1236"/>
+                <a:gd name="T78" fmla="*/ 1262 w 1509"/>
+                <a:gd name="T79" fmla="*/ 92 h 1236"/>
+                <a:gd name="T80" fmla="*/ 1430 w 1509"/>
+                <a:gd name="T81" fmla="*/ 26 h 1236"/>
+                <a:gd name="T82" fmla="*/ 1443 w 1509"/>
+                <a:gd name="T83" fmla="*/ 22 h 1236"/>
+                <a:gd name="T84" fmla="*/ 1461 w 1509"/>
+                <a:gd name="T85" fmla="*/ 29 h 1236"/>
+                <a:gd name="T86" fmla="*/ 1469 w 1509"/>
+                <a:gd name="T87" fmla="*/ 47 h 1236"/>
+                <a:gd name="T88" fmla="*/ 1446 w 1509"/>
+                <a:gd name="T89" fmla="*/ 106 h 1236"/>
+                <a:gd name="T90" fmla="*/ 1405 w 1509"/>
+                <a:gd name="T91" fmla="*/ 167 h 1236"/>
+                <a:gd name="T92" fmla="*/ 1429 w 1509"/>
+                <a:gd name="T93" fmla="*/ 159 h 1236"/>
+                <a:gd name="T94" fmla="*/ 1464 w 1509"/>
+                <a:gd name="T95" fmla="*/ 146 h 1236"/>
+                <a:gd name="T96" fmla="*/ 1483 w 1509"/>
+                <a:gd name="T97" fmla="*/ 140 h 1236"/>
+                <a:gd name="T98" fmla="*/ 1501 w 1509"/>
+                <a:gd name="T99" fmla="*/ 147 h 1236"/>
+                <a:gd name="T100" fmla="*/ 1509 w 1509"/>
+                <a:gd name="T101" fmla="*/ 166 h 1236"/>
+              </a:gdLst>
+              <a:ahLst/>
+              <a:cxnLst>
+                <a:cxn ang="0">
+                  <a:pos x="T0" y="T1"/>
+                </a:cxn>
+                <a:cxn ang="0">
+                  <a:pos x="T2" y="T3"/>
+                </a:cxn>
+                <a:cxn ang="0">
+                  <a:pos x="T4" y="T5"/>
+                </a:cxn>
+                <a:cxn ang="0">
+                  <a:pos x="T6" y="T7"/>
+                </a:cxn>
+                <a:cxn ang="0">
+                  <a:pos x="T8" y="T9"/>
+                </a:cxn>
+                <a:cxn ang="0">
+                  <a:pos x="T10" y="T11"/>
+                </a:cxn>
+                <a:cxn ang="0">
+                  <a:pos x="T12" y="T13"/>
+                </a:cxn>
+                <a:cxn ang="0">
+                  <a:pos x="T14" y="T15"/>
+                </a:cxn>
+                <a:cxn ang="0">
+                  <a:pos x="T16" y="T17"/>
+                </a:cxn>
+                <a:cxn ang="0">
+                  <a:pos x="T18" y="T19"/>
+                </a:cxn>
+                <a:cxn ang="0">
+                  <a:pos x="T20" y="T21"/>
+                </a:cxn>
+                <a:cxn ang="0">
+                  <a:pos x="T22" y="T23"/>
+                </a:cxn>
+                <a:cxn ang="0">
+                  <a:pos x="T24" y="T25"/>
+                </a:cxn>
+                <a:cxn ang="0">
+                  <a:pos x="T26" y="T27"/>
+                </a:cxn>
+                <a:cxn ang="0">
+                  <a:pos x="T28" y="T29"/>
+                </a:cxn>
+                <a:cxn ang="0">
+                  <a:pos x="T30" y="T31"/>
+                </a:cxn>
+                <a:cxn ang="0">
+                  <a:pos x="T32" y="T33"/>
+                </a:cxn>
+                <a:cxn ang="0">
+                  <a:pos x="T34" y="T35"/>
+                </a:cxn>
+                <a:cxn ang="0">
+                  <a:pos x="T36" y="T37"/>
+                </a:cxn>
+                <a:cxn ang="0">
+                  <a:pos x="T38" y="T39"/>
+                </a:cxn>
+                <a:cxn ang="0">
+                  <a:pos x="T40" y="T41"/>
+                </a:cxn>
+                <a:cxn ang="0">
+                  <a:pos x="T42" y="T43"/>
+                </a:cxn>
+                <a:cxn ang="0">
+                  <a:pos x="T44" y="T45"/>
+                </a:cxn>
+                <a:cxn ang="0">
+                  <a:pos x="T46" y="T47"/>
+                </a:cxn>
+                <a:cxn ang="0">
+                  <a:pos x="T48" y="T49"/>
+                </a:cxn>
+                <a:cxn ang="0">
+                  <a:pos x="T50" y="T51"/>
+                </a:cxn>
+                <a:cxn ang="0">
+                  <a:pos x="T52" y="T53"/>
+                </a:cxn>
+                <a:cxn ang="0">
+                  <a:pos x="T54" y="T55"/>
+                </a:cxn>
+                <a:cxn ang="0">
+                  <a:pos x="T56" y="T57"/>
+                </a:cxn>
+                <a:cxn ang="0">
+                  <a:pos x="T58" y="T59"/>
+                </a:cxn>
+                <a:cxn ang="0">
+                  <a:pos x="T60" y="T61"/>
+                </a:cxn>
+                <a:cxn ang="0">
+                  <a:pos x="T62" y="T63"/>
+                </a:cxn>
+                <a:cxn ang="0">
+                  <a:pos x="T64" y="T65"/>
+                </a:cxn>
+                <a:cxn ang="0">
+                  <a:pos x="T66" y="T67"/>
+                </a:cxn>
+                <a:cxn ang="0">
+                  <a:pos x="T68" y="T69"/>
+                </a:cxn>
+                <a:cxn ang="0">
+                  <a:pos x="T70" y="T71"/>
+                </a:cxn>
+                <a:cxn ang="0">
+                  <a:pos x="T72" y="T73"/>
+                </a:cxn>
+                <a:cxn ang="0">
+                  <a:pos x="T74" y="T75"/>
+                </a:cxn>
+                <a:cxn ang="0">
+                  <a:pos x="T76" y="T77"/>
+                </a:cxn>
+                <a:cxn ang="0">
+                  <a:pos x="T78" y="T79"/>
+                </a:cxn>
+                <a:cxn ang="0">
+                  <a:pos x="T80" y="T81"/>
+                </a:cxn>
+                <a:cxn ang="0">
+                  <a:pos x="T82" y="T83"/>
+                </a:cxn>
+                <a:cxn ang="0">
+                  <a:pos x="T84" y="T85"/>
+                </a:cxn>
+                <a:cxn ang="0">
+                  <a:pos x="T86" y="T87"/>
+                </a:cxn>
+                <a:cxn ang="0">
+                  <a:pos x="T88" y="T89"/>
+                </a:cxn>
+                <a:cxn ang="0">
+                  <a:pos x="T90" y="T91"/>
+                </a:cxn>
+                <a:cxn ang="0">
+                  <a:pos x="T92" y="T93"/>
+                </a:cxn>
+                <a:cxn ang="0">
+                  <a:pos x="T94" y="T95"/>
+                </a:cxn>
+                <a:cxn ang="0">
+                  <a:pos x="T96" y="T97"/>
+                </a:cxn>
+                <a:cxn ang="0">
+                  <a:pos x="T98" y="T99"/>
+                </a:cxn>
+                <a:cxn ang="0">
+                  <a:pos x="T100" y="T101"/>
+                </a:cxn>
+              </a:cxnLst>
+              <a:rect l="0" t="0" r="r" b="b"/>
+              <a:pathLst>
+                <a:path w="1509" h="1236">
+                  <a:moveTo>
+                    <a:pt x="1509" y="166"/>
+                  </a:moveTo>
+                  <a:cubicBezTo>
+                    <a:pt x="1509" y="171"/>
+                    <a:pt x="1508" y="176"/>
+                    <a:pt x="1505" y="180"/>
+                  </a:cubicBezTo>
+                  <a:cubicBezTo>
+                    <a:pt x="1471" y="236"/>
+                    <a:pt x="1423" y="287"/>
+                    <a:pt x="1361" y="333"/>
+                  </a:cubicBezTo>
+                  <a:lnTo>
+                    <a:pt x="1361" y="360"/>
+                  </a:lnTo>
+                  <a:cubicBezTo>
+                    <a:pt x="1363" y="481"/>
+                    <a:pt x="1336" y="604"/>
+                    <a:pt x="1281" y="727"/>
+                  </a:cubicBezTo>
+                  <a:cubicBezTo>
+                    <a:pt x="1209" y="887"/>
+                    <a:pt x="1102" y="1011"/>
+                    <a:pt x="961" y="1101"/>
+                  </a:cubicBezTo>
+                  <a:cubicBezTo>
+                    <a:pt x="819" y="1191"/>
+                    <a:pt x="660" y="1236"/>
+                    <a:pt x="484" y="1236"/>
+                  </a:cubicBezTo>
+                  <a:cubicBezTo>
+                    <a:pt x="342" y="1236"/>
+                    <a:pt x="208" y="1204"/>
+                    <a:pt x="82" y="1138"/>
+                  </a:cubicBezTo>
+                  <a:cubicBezTo>
+                    <a:pt x="47" y="1120"/>
+                    <a:pt x="24" y="1107"/>
+                    <a:pt x="12" y="1098"/>
+                  </a:cubicBezTo>
+                  <a:cubicBezTo>
+                    <a:pt x="4" y="1091"/>
+                    <a:pt x="0" y="1084"/>
+                    <a:pt x="0" y="1076"/>
+                  </a:cubicBezTo>
+                  <a:cubicBezTo>
+                    <a:pt x="0" y="1069"/>
+                    <a:pt x="2" y="1063"/>
+                    <a:pt x="7" y="1058"/>
+                  </a:cubicBezTo>
+                  <a:cubicBezTo>
+                    <a:pt x="12" y="1053"/>
+                    <a:pt x="18" y="1050"/>
+                    <a:pt x="25" y="1050"/>
+                  </a:cubicBezTo>
+                  <a:cubicBezTo>
+                    <a:pt x="33" y="1050"/>
+                    <a:pt x="45" y="1051"/>
+                    <a:pt x="61" y="1052"/>
+                  </a:cubicBezTo>
+                  <a:cubicBezTo>
+                    <a:pt x="77" y="1054"/>
+                    <a:pt x="89" y="1054"/>
+                    <a:pt x="97" y="1054"/>
+                  </a:cubicBezTo>
+                  <a:cubicBezTo>
+                    <a:pt x="207" y="1054"/>
+                    <a:pt x="307" y="1026"/>
+                    <a:pt x="399" y="969"/>
+                  </a:cubicBezTo>
+                  <a:cubicBezTo>
+                    <a:pt x="344" y="956"/>
+                    <a:pt x="295" y="930"/>
+                    <a:pt x="253" y="892"/>
+                  </a:cubicBezTo>
+                  <a:cubicBezTo>
+                    <a:pt x="211" y="853"/>
+                    <a:pt x="182" y="807"/>
+                    <a:pt x="164" y="752"/>
+                  </a:cubicBezTo>
+                  <a:cubicBezTo>
+                    <a:pt x="163" y="748"/>
+                    <a:pt x="162" y="745"/>
+                    <a:pt x="162" y="743"/>
+                  </a:cubicBezTo>
+                  <a:cubicBezTo>
+                    <a:pt x="162" y="737"/>
+                    <a:pt x="165" y="731"/>
+                    <a:pt x="169" y="726"/>
+                  </a:cubicBezTo>
+                  <a:cubicBezTo>
+                    <a:pt x="174" y="721"/>
+                    <a:pt x="180" y="719"/>
+                    <a:pt x="187" y="719"/>
+                  </a:cubicBezTo>
+                  <a:cubicBezTo>
+                    <a:pt x="190" y="719"/>
+                    <a:pt x="194" y="719"/>
+                    <a:pt x="198" y="720"/>
+                  </a:cubicBezTo>
+                  <a:cubicBezTo>
+                    <a:pt x="203" y="721"/>
+                    <a:pt x="206" y="722"/>
+                    <a:pt x="208" y="722"/>
+                  </a:cubicBezTo>
+                  <a:cubicBezTo>
+                    <a:pt x="160" y="692"/>
+                    <a:pt x="122" y="653"/>
+                    <a:pt x="94" y="604"/>
+                  </a:cubicBezTo>
+                  <a:cubicBezTo>
+                    <a:pt x="65" y="554"/>
+                    <a:pt x="51" y="502"/>
+                    <a:pt x="51" y="446"/>
+                  </a:cubicBezTo>
+                  <a:cubicBezTo>
+                    <a:pt x="51" y="438"/>
+                    <a:pt x="54" y="431"/>
+                    <a:pt x="60" y="425"/>
+                  </a:cubicBezTo>
+                  <a:cubicBezTo>
+                    <a:pt x="67" y="420"/>
+                    <a:pt x="74" y="417"/>
+                    <a:pt x="82" y="417"/>
+                  </a:cubicBezTo>
+                  <a:cubicBezTo>
+                    <a:pt x="88" y="417"/>
+                    <a:pt x="97" y="420"/>
+                    <a:pt x="111" y="426"/>
+                  </a:cubicBezTo>
+                  <a:cubicBezTo>
+                    <a:pt x="124" y="432"/>
+                    <a:pt x="132" y="436"/>
+                    <a:pt x="135" y="437"/>
+                  </a:cubicBezTo>
+                  <a:cubicBezTo>
+                    <a:pt x="85" y="378"/>
+                    <a:pt x="61" y="309"/>
+                    <a:pt x="61" y="231"/>
+                  </a:cubicBezTo>
+                  <a:cubicBezTo>
+                    <a:pt x="61" y="203"/>
+                    <a:pt x="65" y="174"/>
+                    <a:pt x="72" y="144"/>
+                  </a:cubicBezTo>
+                  <a:cubicBezTo>
+                    <a:pt x="80" y="113"/>
+                    <a:pt x="91" y="88"/>
+                    <a:pt x="105" y="67"/>
+                  </a:cubicBezTo>
+                  <a:cubicBezTo>
+                    <a:pt x="110" y="59"/>
+                    <a:pt x="117" y="54"/>
+                    <a:pt x="125" y="54"/>
+                  </a:cubicBezTo>
+                  <a:cubicBezTo>
+                    <a:pt x="134" y="54"/>
+                    <a:pt x="141" y="58"/>
+                    <a:pt x="147" y="64"/>
+                  </a:cubicBezTo>
+                  <a:cubicBezTo>
+                    <a:pt x="188" y="109"/>
+                    <a:pt x="217" y="140"/>
+                    <a:pt x="235" y="157"/>
+                  </a:cubicBezTo>
+                  <a:cubicBezTo>
+                    <a:pt x="301" y="216"/>
+                    <a:pt x="376" y="264"/>
+                    <a:pt x="458" y="300"/>
+                  </a:cubicBezTo>
+                  <a:cubicBezTo>
+                    <a:pt x="540" y="335"/>
+                    <a:pt x="625" y="357"/>
+                    <a:pt x="713" y="364"/>
+                  </a:cubicBezTo>
+                  <a:cubicBezTo>
+                    <a:pt x="711" y="353"/>
+                    <a:pt x="710" y="340"/>
+                    <a:pt x="710" y="325"/>
+                  </a:cubicBezTo>
+                  <a:cubicBezTo>
+                    <a:pt x="710" y="235"/>
+                    <a:pt x="741" y="159"/>
+                    <a:pt x="805" y="95"/>
+                  </a:cubicBezTo>
+                  <a:cubicBezTo>
+                    <a:pt x="869" y="32"/>
+                    <a:pt x="945" y="0"/>
+                    <a:pt x="1035" y="0"/>
+                  </a:cubicBezTo>
+                  <a:cubicBezTo>
+                    <a:pt x="1122" y="0"/>
+                    <a:pt x="1198" y="30"/>
+                    <a:pt x="1262" y="92"/>
+                  </a:cubicBezTo>
+                  <a:cubicBezTo>
+                    <a:pt x="1313" y="81"/>
+                    <a:pt x="1369" y="59"/>
+                    <a:pt x="1430" y="26"/>
+                  </a:cubicBezTo>
+                  <a:cubicBezTo>
+                    <a:pt x="1434" y="23"/>
+                    <a:pt x="1439" y="22"/>
+                    <a:pt x="1443" y="22"/>
+                  </a:cubicBezTo>
+                  <a:cubicBezTo>
+                    <a:pt x="1450" y="22"/>
+                    <a:pt x="1456" y="24"/>
+                    <a:pt x="1461" y="29"/>
+                  </a:cubicBezTo>
+                  <a:cubicBezTo>
+                    <a:pt x="1466" y="34"/>
+                    <a:pt x="1469" y="40"/>
+                    <a:pt x="1469" y="47"/>
+                  </a:cubicBezTo>
+                  <a:cubicBezTo>
+                    <a:pt x="1469" y="60"/>
+                    <a:pt x="1461" y="80"/>
+                    <a:pt x="1446" y="106"/>
+                  </a:cubicBezTo>
+                  <a:cubicBezTo>
+                    <a:pt x="1431" y="132"/>
+                    <a:pt x="1418" y="153"/>
+                    <a:pt x="1405" y="167"/>
+                  </a:cubicBezTo>
+                  <a:cubicBezTo>
+                    <a:pt x="1409" y="166"/>
+                    <a:pt x="1417" y="163"/>
+                    <a:pt x="1429" y="159"/>
+                  </a:cubicBezTo>
+                  <a:cubicBezTo>
+                    <a:pt x="1442" y="154"/>
+                    <a:pt x="1453" y="150"/>
+                    <a:pt x="1464" y="146"/>
+                  </a:cubicBezTo>
+                  <a:cubicBezTo>
+                    <a:pt x="1475" y="142"/>
+                    <a:pt x="1481" y="140"/>
+                    <a:pt x="1483" y="140"/>
+                  </a:cubicBezTo>
+                  <a:cubicBezTo>
+                    <a:pt x="1490" y="140"/>
+                    <a:pt x="1496" y="142"/>
+                    <a:pt x="1501" y="147"/>
+                  </a:cubicBezTo>
+                  <a:cubicBezTo>
+                    <a:pt x="1507" y="153"/>
+                    <a:pt x="1509" y="159"/>
+                    <a:pt x="1509" y="166"/>
+                  </a:cubicBezTo>
+                  <a:close/>
+                </a:path>
+              </a:pathLst>
+            </a:custGeom>
+            <a:solidFill>
+              <a:srgbClr val="FFFFFF"/>
+            </a:solidFill>
+            <a:ln w="0">
+              <a:noFill/>
+              <a:prstDash val="solid"/>
+              <a:round/>
+              <a:headEnd/>
+              <a:tailEnd/>
+            </a:ln>
+          </p:spPr>
+          <p:txBody>
+            <a:bodyPr vert="horz" wrap="square" lIns="91440" tIns="45720" rIns="91440" bIns="45720" numCol="1" anchor="t" anchorCtr="0" compatLnSpc="1">
+              <a:prstTxWarp prst="textNoShape">
+                <a:avLst/>
+              </a:prstTxWarp>
+            </a:bodyPr>
+            <a:lstStyle>
+              <a:defPPr>
+                <a:defRPr lang="en-US"/>
+              </a:defPPr>
+              <a:lvl1pPr marL="0" algn="l" defTabSz="914400" rtl="0" eaLnBrk="1" latinLnBrk="0" hangingPunct="1">
+                <a:defRPr sz="1800" kern="1200">
+                  <a:solidFill>
+                    <a:schemeClr val="tx1"/>
+                  </a:solidFill>
+                  <a:latin typeface="+mn-lt"/>
+                  <a:ea typeface="+mn-ea"/>
+                  <a:cs typeface="+mn-cs"/>
+                </a:defRPr>
+              </a:lvl1pPr>
+              <a:lvl2pPr marL="457200" algn="l" defTabSz="914400" rtl="0" eaLnBrk="1" latinLnBrk="0" hangingPunct="1">
+                <a:defRPr sz="1800" kern="1200">
+                  <a:solidFill>
+                    <a:schemeClr val="tx1"/>
+                  </a:solidFill>
+                  <a:latin typeface="+mn-lt"/>
+                  <a:ea typeface="+mn-ea"/>
+                  <a:cs typeface="+mn-cs"/>
+                </a:defRPr>
+              </a:lvl2pPr>
+              <a:lvl3pPr marL="914400" algn="l" defTabSz="914400" rtl="0" eaLnBrk="1" latinLnBrk="0" hangingPunct="1">
+                <a:defRPr sz="1800" kern="1200">
+                  <a:solidFill>
+                    <a:schemeClr val="tx1"/>
+                  </a:solidFill>
+                  <a:latin typeface="+mn-lt"/>
+                  <a:ea typeface="+mn-ea"/>
+                  <a:cs typeface="+mn-cs"/>
+                </a:defRPr>
+              </a:lvl3pPr>
+              <a:lvl4pPr marL="1371600" algn="l" defTabSz="914400" rtl="0" eaLnBrk="1" latinLnBrk="0" hangingPunct="1">
+                <a:defRPr sz="1800" kern="1200">
+                  <a:solidFill>
+                    <a:schemeClr val="tx1"/>
+                  </a:solidFill>
+                  <a:latin typeface="+mn-lt"/>
+                  <a:ea typeface="+mn-ea"/>
+                  <a:cs typeface="+mn-cs"/>
+                </a:defRPr>
+              </a:lvl4pPr>
+              <a:lvl5pPr marL="1828800" algn="l" defTabSz="914400" rtl="0" eaLnBrk="1" latinLnBrk="0" hangingPunct="1">
+                <a:defRPr sz="1800" kern="1200">
+                  <a:solidFill>
+                    <a:schemeClr val="tx1"/>
+                  </a:solidFill>
+                  <a:latin typeface="+mn-lt"/>
+                  <a:ea typeface="+mn-ea"/>
+                  <a:cs typeface="+mn-cs"/>
+                </a:defRPr>
+              </a:lvl5pPr>
+              <a:lvl6pPr marL="2286000" algn="l" defTabSz="914400" rtl="0" eaLnBrk="1" latinLnBrk="0" hangingPunct="1">
+                <a:defRPr sz="1800" kern="1200">
+                  <a:solidFill>
+                    <a:schemeClr val="tx1"/>
+                  </a:solidFill>
+                  <a:latin typeface="+mn-lt"/>
+                  <a:ea typeface="+mn-ea"/>
+                  <a:cs typeface="+mn-cs"/>
+                </a:defRPr>
+              </a:lvl6pPr>
+              <a:lvl7pPr marL="2743200" algn="l" defTabSz="914400" rtl="0" eaLnBrk="1" latinLnBrk="0" hangingPunct="1">
+                <a:defRPr sz="1800" kern="1200">
+                  <a:solidFill>
+                    <a:schemeClr val="tx1"/>
+                  </a:solidFill>
+                  <a:latin typeface="+mn-lt"/>
+                  <a:ea typeface="+mn-ea"/>
+                  <a:cs typeface="+mn-cs"/>
+                </a:defRPr>
+              </a:lvl7pPr>
+              <a:lvl8pPr marL="3200400" algn="l" defTabSz="914400" rtl="0" eaLnBrk="1" latinLnBrk="0" hangingPunct="1">
+                <a:defRPr sz="1800" kern="1200">
+                  <a:solidFill>
+                    <a:schemeClr val="tx1"/>
+                  </a:solidFill>
+                  <a:latin typeface="+mn-lt"/>
+                  <a:ea typeface="+mn-ea"/>
+                  <a:cs typeface="+mn-cs"/>
+                </a:defRPr>
+              </a:lvl8pPr>
+              <a:lvl9pPr marL="3657600" algn="l" defTabSz="914400" rtl="0" eaLnBrk="1" latinLnBrk="0" hangingPunct="1">
+                <a:defRPr sz="1800" kern="1200">
+                  <a:solidFill>
+                    <a:schemeClr val="tx1"/>
+                  </a:solidFill>
+                  <a:latin typeface="+mn-lt"/>
+                  <a:ea typeface="+mn-ea"/>
+                  <a:cs typeface="+mn-cs"/>
+                </a:defRPr>
+              </a:lvl9pPr>
+            </a:lstStyle>
+            <a:p>
+              <a:endParaRPr lang="en-US" sz="1050">
+                <a:latin typeface="Arial" panose="020B0604020202020204" pitchFamily="34" charset="0"/>
+                <a:cs typeface="Arial" panose="020B0604020202020204" pitchFamily="34" charset="0"/>
+              </a:endParaRPr>
+            </a:p>
+          </p:txBody>
+        </p:sp>
+      </p:grpSp>
+      <p:grpSp>
+        <p:nvGrpSpPr>
+          <p:cNvPr id="64" name="Thumbnail"/>
+          <p:cNvGrpSpPr>
+            <a:grpSpLocks noChangeAspect="1"/>
+          </p:cNvGrpSpPr>
+          <p:nvPr/>
+        </p:nvGrpSpPr>
+        <p:grpSpPr>
+          <a:xfrm>
+            <a:off x="26877" y="1039669"/>
+            <a:ext cx="1003878" cy="1003879"/>
+            <a:chOff x="732365" y="2901950"/>
+            <a:chExt cx="1900932" cy="1793458"/>
+          </a:xfrm>
+          <a:solidFill>
+            <a:schemeClr val="bg1">
+              <a:lumMod val="65000"/>
+            </a:schemeClr>
+          </a:solidFill>
+        </p:grpSpPr>
+        <p:sp>
+          <p:nvSpPr>
+            <p:cNvPr id="65" name="Thumbnail Outer"/>
+            <p:cNvSpPr/>
+            <p:nvPr/>
+          </p:nvSpPr>
+          <p:spPr>
+            <a:xfrm>
+              <a:off x="732365" y="2901950"/>
+              <a:ext cx="1900932" cy="1793458"/>
+            </a:xfrm>
+            <a:prstGeom prst="roundRect">
+              <a:avLst>
+                <a:gd name="adj" fmla="val 1796"/>
+              </a:avLst>
+            </a:prstGeom>
+            <a:grpFill/>
+            <a:ln w="9525">
+              <a:solidFill>
+                <a:srgbClr val="FFFFFF"/>
+              </a:solidFill>
+            </a:ln>
+          </p:spPr>
+          <p:style>
+            <a:lnRef idx="2">
+              <a:schemeClr val="accent1">
+                <a:shade val="50000"/>
+              </a:schemeClr>
+            </a:lnRef>
+            <a:fillRef idx="1">
+              <a:schemeClr val="accent1"/>
+            </a:fillRef>
+            <a:effectRef idx="0">
+              <a:schemeClr val="accent1"/>
+            </a:effectRef>
+            <a:fontRef idx="minor">
+              <a:schemeClr val="lt1"/>
+            </a:fontRef>
+          </p:style>
+          <p:txBody>
+            <a:bodyPr rot="0" spcFirstLastPara="0" vertOverflow="overflow" horzOverflow="overflow" vert="horz" wrap="square" lIns="91440" tIns="45720" rIns="91440" bIns="45720" numCol="1" spcCol="0" rtlCol="0" fromWordArt="0" anchor="ctr" anchorCtr="0" forceAA="0" compatLnSpc="1">
+              <a:prstTxWarp prst="textNoShape">
+                <a:avLst/>
+              </a:prstTxWarp>
+              <a:noAutofit/>
+            </a:bodyPr>
+            <a:lstStyle/>
+            <a:p>
+              <a:pPr algn="ctr"/>
+              <a:endParaRPr lang="en-US" sz="1050" dirty="0" smtClean="0">
+                <a:solidFill>
+                  <a:srgbClr val="FFFFFF"/>
+                </a:solidFill>
+                <a:latin typeface="Arial" panose="020B0604020202020204" pitchFamily="34" charset="0"/>
+                <a:cs typeface="Arial" panose="020B0604020202020204" pitchFamily="34" charset="0"/>
+              </a:endParaRPr>
+            </a:p>
+          </p:txBody>
+        </p:sp>
+        <p:sp>
+          <p:nvSpPr>
+            <p:cNvPr id="66" name="Thumbnail Inner"/>
+            <p:cNvSpPr/>
+            <p:nvPr/>
+          </p:nvSpPr>
+          <p:spPr>
+            <a:xfrm>
+              <a:off x="784306" y="2950954"/>
+              <a:ext cx="1797050" cy="1695450"/>
+            </a:xfrm>
+            <a:prstGeom prst="rect">
+              <a:avLst/>
+            </a:prstGeom>
+            <a:grpFill/>
+            <a:ln w="9525">
+              <a:solidFill>
+                <a:srgbClr val="FFFFFF"/>
+              </a:solidFill>
+            </a:ln>
+          </p:spPr>
+          <p:style>
+            <a:lnRef idx="2">
+              <a:schemeClr val="accent1">
+                <a:shade val="50000"/>
+              </a:schemeClr>
+            </a:lnRef>
+            <a:fillRef idx="1">
+              <a:schemeClr val="accent1"/>
+            </a:fillRef>
+            <a:effectRef idx="0">
+              <a:schemeClr val="accent1"/>
+            </a:effectRef>
+            <a:fontRef idx="minor">
+              <a:schemeClr val="lt1"/>
+            </a:fontRef>
+          </p:style>
+          <p:txBody>
+            <a:bodyPr rot="0" spcFirstLastPara="0" vertOverflow="overflow" horzOverflow="overflow" vert="horz" wrap="square" lIns="91440" tIns="45720" rIns="91440" bIns="45720" numCol="1" spcCol="0" rtlCol="0" fromWordArt="0" anchor="ctr" anchorCtr="0" forceAA="0" compatLnSpc="1">
+              <a:prstTxWarp prst="textNoShape">
+                <a:avLst/>
+              </a:prstTxWarp>
+              <a:noAutofit/>
+            </a:bodyPr>
+            <a:lstStyle/>
+            <a:p>
+              <a:pPr algn="ctr"/>
+              <a:endParaRPr lang="en-US" sz="1050" dirty="0" smtClean="0">
+                <a:solidFill>
+                  <a:srgbClr val="FFFFFF"/>
+                </a:solidFill>
+                <a:latin typeface="Arial" panose="020B0604020202020204" pitchFamily="34" charset="0"/>
+                <a:cs typeface="Arial" panose="020B0604020202020204" pitchFamily="34" charset="0"/>
+              </a:endParaRPr>
+            </a:p>
+          </p:txBody>
+        </p:sp>
+        <p:cxnSp>
+          <p:nvCxnSpPr>
+            <p:cNvPr id="67" name="Thumbnail Line 2"/>
+            <p:cNvCxnSpPr/>
+            <p:nvPr/>
+          </p:nvCxnSpPr>
+          <p:spPr>
+            <a:xfrm>
+              <a:off x="784306" y="2950954"/>
+              <a:ext cx="1797050" cy="1695450"/>
+            </a:xfrm>
+            <a:prstGeom prst="line">
+              <a:avLst/>
+            </a:prstGeom>
+            <a:grpFill/>
+            <a:ln w="9525">
+              <a:solidFill>
+                <a:srgbClr val="FFFFFF"/>
+              </a:solidFill>
+            </a:ln>
+          </p:spPr>
+          <p:style>
+            <a:lnRef idx="1">
+              <a:schemeClr val="accent1"/>
+            </a:lnRef>
+            <a:fillRef idx="0">
+              <a:schemeClr val="accent1"/>
+            </a:fillRef>
+            <a:effectRef idx="0">
+              <a:schemeClr val="accent1"/>
+            </a:effectRef>
+            <a:fontRef idx="minor">
+              <a:schemeClr val="tx1"/>
+            </a:fontRef>
+          </p:style>
+        </p:cxnSp>
+        <p:cxnSp>
+          <p:nvCxnSpPr>
+            <p:cNvPr id="68" name="Thumbnail Line 1"/>
+            <p:cNvCxnSpPr/>
+            <p:nvPr/>
+          </p:nvCxnSpPr>
+          <p:spPr>
+            <a:xfrm flipV="1">
+              <a:off x="784306" y="2950954"/>
+              <a:ext cx="1797050" cy="1692756"/>
+            </a:xfrm>
+            <a:prstGeom prst="line">
+              <a:avLst/>
+            </a:prstGeom>
+            <a:grpFill/>
+            <a:ln w="9525">
+              <a:solidFill>
+                <a:srgbClr val="FFFFFF"/>
+              </a:solidFill>
+            </a:ln>
+          </p:spPr>
+          <p:style>
+            <a:lnRef idx="1">
+              <a:schemeClr val="accent1"/>
+            </a:lnRef>
+            <a:fillRef idx="0">
+              <a:schemeClr val="accent1"/>
+            </a:fillRef>
+            <a:effectRef idx="0">
+              <a:schemeClr val="accent1"/>
+            </a:effectRef>
+            <a:fontRef idx="minor">
+              <a:schemeClr val="tx1"/>
+            </a:fontRef>
+          </p:style>
+        </p:cxnSp>
+      </p:grpSp>
       <p:sp>
         <p:nvSpPr>
-          <p:cNvPr id="12" name="Rectangle 11"/>
+          <p:cNvPr id="70" name="Reorder Icon"/>
+          <p:cNvSpPr>
+            <a:spLocks noEditPoints="1"/>
+          </p:cNvSpPr>
+          <p:nvPr/>
+        </p:nvSpPr>
+        <p:spPr bwMode="auto">
+          <a:xfrm>
+            <a:off x="556681" y="671073"/>
+            <a:ext cx="133244" cy="108000"/>
+          </a:xfrm>
+          <a:custGeom>
+            <a:avLst/>
+            <a:gdLst>
+              <a:gd name="T0" fmla="*/ 1237 w 1237"/>
+              <a:gd name="T1" fmla="*/ 876 h 1030"/>
+              <a:gd name="T2" fmla="*/ 1237 w 1237"/>
+              <a:gd name="T3" fmla="*/ 979 h 1030"/>
+              <a:gd name="T4" fmla="*/ 1221 w 1237"/>
+              <a:gd name="T5" fmla="*/ 1015 h 1030"/>
+              <a:gd name="T6" fmla="*/ 1185 w 1237"/>
+              <a:gd name="T7" fmla="*/ 1030 h 1030"/>
+              <a:gd name="T8" fmla="*/ 51 w 1237"/>
+              <a:gd name="T9" fmla="*/ 1030 h 1030"/>
+              <a:gd name="T10" fmla="*/ 15 w 1237"/>
+              <a:gd name="T11" fmla="*/ 1015 h 1030"/>
+              <a:gd name="T12" fmla="*/ 0 w 1237"/>
+              <a:gd name="T13" fmla="*/ 979 h 1030"/>
+              <a:gd name="T14" fmla="*/ 0 w 1237"/>
+              <a:gd name="T15" fmla="*/ 876 h 1030"/>
+              <a:gd name="T16" fmla="*/ 15 w 1237"/>
+              <a:gd name="T17" fmla="*/ 839 h 1030"/>
+              <a:gd name="T18" fmla="*/ 51 w 1237"/>
+              <a:gd name="T19" fmla="*/ 824 h 1030"/>
+              <a:gd name="T20" fmla="*/ 1185 w 1237"/>
+              <a:gd name="T21" fmla="*/ 824 h 1030"/>
+              <a:gd name="T22" fmla="*/ 1221 w 1237"/>
+              <a:gd name="T23" fmla="*/ 839 h 1030"/>
+              <a:gd name="T24" fmla="*/ 1237 w 1237"/>
+              <a:gd name="T25" fmla="*/ 876 h 1030"/>
+              <a:gd name="T26" fmla="*/ 1237 w 1237"/>
+              <a:gd name="T27" fmla="*/ 463 h 1030"/>
+              <a:gd name="T28" fmla="*/ 1237 w 1237"/>
+              <a:gd name="T29" fmla="*/ 567 h 1030"/>
+              <a:gd name="T30" fmla="*/ 1221 w 1237"/>
+              <a:gd name="T31" fmla="*/ 603 h 1030"/>
+              <a:gd name="T32" fmla="*/ 1185 w 1237"/>
+              <a:gd name="T33" fmla="*/ 618 h 1030"/>
+              <a:gd name="T34" fmla="*/ 51 w 1237"/>
+              <a:gd name="T35" fmla="*/ 618 h 1030"/>
+              <a:gd name="T36" fmla="*/ 15 w 1237"/>
+              <a:gd name="T37" fmla="*/ 603 h 1030"/>
+              <a:gd name="T38" fmla="*/ 0 w 1237"/>
+              <a:gd name="T39" fmla="*/ 567 h 1030"/>
+              <a:gd name="T40" fmla="*/ 0 w 1237"/>
+              <a:gd name="T41" fmla="*/ 463 h 1030"/>
+              <a:gd name="T42" fmla="*/ 15 w 1237"/>
+              <a:gd name="T43" fmla="*/ 427 h 1030"/>
+              <a:gd name="T44" fmla="*/ 51 w 1237"/>
+              <a:gd name="T45" fmla="*/ 412 h 1030"/>
+              <a:gd name="T46" fmla="*/ 1185 w 1237"/>
+              <a:gd name="T47" fmla="*/ 412 h 1030"/>
+              <a:gd name="T48" fmla="*/ 1221 w 1237"/>
+              <a:gd name="T49" fmla="*/ 427 h 1030"/>
+              <a:gd name="T50" fmla="*/ 1237 w 1237"/>
+              <a:gd name="T51" fmla="*/ 463 h 1030"/>
+              <a:gd name="T52" fmla="*/ 1237 w 1237"/>
+              <a:gd name="T53" fmla="*/ 51 h 1030"/>
+              <a:gd name="T54" fmla="*/ 1237 w 1237"/>
+              <a:gd name="T55" fmla="*/ 154 h 1030"/>
+              <a:gd name="T56" fmla="*/ 1221 w 1237"/>
+              <a:gd name="T57" fmla="*/ 191 h 1030"/>
+              <a:gd name="T58" fmla="*/ 1185 w 1237"/>
+              <a:gd name="T59" fmla="*/ 206 h 1030"/>
+              <a:gd name="T60" fmla="*/ 51 w 1237"/>
+              <a:gd name="T61" fmla="*/ 206 h 1030"/>
+              <a:gd name="T62" fmla="*/ 15 w 1237"/>
+              <a:gd name="T63" fmla="*/ 191 h 1030"/>
+              <a:gd name="T64" fmla="*/ 0 w 1237"/>
+              <a:gd name="T65" fmla="*/ 154 h 1030"/>
+              <a:gd name="T66" fmla="*/ 0 w 1237"/>
+              <a:gd name="T67" fmla="*/ 51 h 1030"/>
+              <a:gd name="T68" fmla="*/ 15 w 1237"/>
+              <a:gd name="T69" fmla="*/ 15 h 1030"/>
+              <a:gd name="T70" fmla="*/ 51 w 1237"/>
+              <a:gd name="T71" fmla="*/ 0 h 1030"/>
+              <a:gd name="T72" fmla="*/ 1185 w 1237"/>
+              <a:gd name="T73" fmla="*/ 0 h 1030"/>
+              <a:gd name="T74" fmla="*/ 1221 w 1237"/>
+              <a:gd name="T75" fmla="*/ 15 h 1030"/>
+              <a:gd name="T76" fmla="*/ 1237 w 1237"/>
+              <a:gd name="T77" fmla="*/ 51 h 1030"/>
+            </a:gdLst>
+            <a:ahLst/>
+            <a:cxnLst>
+              <a:cxn ang="0">
+                <a:pos x="T0" y="T1"/>
+              </a:cxn>
+              <a:cxn ang="0">
+                <a:pos x="T2" y="T3"/>
+              </a:cxn>
+              <a:cxn ang="0">
+                <a:pos x="T4" y="T5"/>
+              </a:cxn>
+              <a:cxn ang="0">
+                <a:pos x="T6" y="T7"/>
+              </a:cxn>
+              <a:cxn ang="0">
+                <a:pos x="T8" y="T9"/>
+              </a:cxn>
+              <a:cxn ang="0">
+                <a:pos x="T10" y="T11"/>
+              </a:cxn>
+              <a:cxn ang="0">
+                <a:pos x="T12" y="T13"/>
+              </a:cxn>
+              <a:cxn ang="0">
+                <a:pos x="T14" y="T15"/>
+              </a:cxn>
+              <a:cxn ang="0">
+                <a:pos x="T16" y="T17"/>
+              </a:cxn>
+              <a:cxn ang="0">
+                <a:pos x="T18" y="T19"/>
+              </a:cxn>
+              <a:cxn ang="0">
+                <a:pos x="T20" y="T21"/>
+              </a:cxn>
+              <a:cxn ang="0">
+                <a:pos x="T22" y="T23"/>
+              </a:cxn>
+              <a:cxn ang="0">
+                <a:pos x="T24" y="T25"/>
+              </a:cxn>
+              <a:cxn ang="0">
+                <a:pos x="T26" y="T27"/>
+              </a:cxn>
+              <a:cxn ang="0">
+                <a:pos x="T28" y="T29"/>
+              </a:cxn>
+              <a:cxn ang="0">
+                <a:pos x="T30" y="T31"/>
+              </a:cxn>
+              <a:cxn ang="0">
+                <a:pos x="T32" y="T33"/>
+              </a:cxn>
+              <a:cxn ang="0">
+                <a:pos x="T34" y="T35"/>
+              </a:cxn>
+              <a:cxn ang="0">
+                <a:pos x="T36" y="T37"/>
+              </a:cxn>
+              <a:cxn ang="0">
+                <a:pos x="T38" y="T39"/>
+              </a:cxn>
+              <a:cxn ang="0">
+                <a:pos x="T40" y="T41"/>
+              </a:cxn>
+              <a:cxn ang="0">
+                <a:pos x="T42" y="T43"/>
+              </a:cxn>
+              <a:cxn ang="0">
+                <a:pos x="T44" y="T45"/>
+              </a:cxn>
+              <a:cxn ang="0">
+                <a:pos x="T46" y="T47"/>
+              </a:cxn>
+              <a:cxn ang="0">
+                <a:pos x="T48" y="T49"/>
+              </a:cxn>
+              <a:cxn ang="0">
+                <a:pos x="T50" y="T51"/>
+              </a:cxn>
+              <a:cxn ang="0">
+                <a:pos x="T52" y="T53"/>
+              </a:cxn>
+              <a:cxn ang="0">
+                <a:pos x="T54" y="T55"/>
+              </a:cxn>
+              <a:cxn ang="0">
+                <a:pos x="T56" y="T57"/>
+              </a:cxn>
+              <a:cxn ang="0">
+                <a:pos x="T58" y="T59"/>
+              </a:cxn>
+              <a:cxn ang="0">
+                <a:pos x="T60" y="T61"/>
+              </a:cxn>
+              <a:cxn ang="0">
+                <a:pos x="T62" y="T63"/>
+              </a:cxn>
+              <a:cxn ang="0">
+                <a:pos x="T64" y="T65"/>
+              </a:cxn>
+              <a:cxn ang="0">
+                <a:pos x="T66" y="T67"/>
+              </a:cxn>
+              <a:cxn ang="0">
+                <a:pos x="T68" y="T69"/>
+              </a:cxn>
+              <a:cxn ang="0">
+                <a:pos x="T70" y="T71"/>
+              </a:cxn>
+              <a:cxn ang="0">
+                <a:pos x="T72" y="T73"/>
+              </a:cxn>
+              <a:cxn ang="0">
+                <a:pos x="T74" y="T75"/>
+              </a:cxn>
+              <a:cxn ang="0">
+                <a:pos x="T76" y="T77"/>
+              </a:cxn>
+            </a:cxnLst>
+            <a:rect l="0" t="0" r="r" b="b"/>
+            <a:pathLst>
+              <a:path w="1237" h="1030">
+                <a:moveTo>
+                  <a:pt x="1237" y="876"/>
+                </a:moveTo>
+                <a:lnTo>
+                  <a:pt x="1237" y="979"/>
+                </a:lnTo>
+                <a:cubicBezTo>
+                  <a:pt x="1237" y="993"/>
+                  <a:pt x="1231" y="1005"/>
+                  <a:pt x="1221" y="1015"/>
+                </a:cubicBezTo>
+                <a:cubicBezTo>
+                  <a:pt x="1211" y="1025"/>
+                  <a:pt x="1199" y="1030"/>
+                  <a:pt x="1185" y="1030"/>
+                </a:cubicBezTo>
+                <a:lnTo>
+                  <a:pt x="51" y="1030"/>
+                </a:lnTo>
+                <a:cubicBezTo>
+                  <a:pt x="38" y="1030"/>
+                  <a:pt x="25" y="1025"/>
+                  <a:pt x="15" y="1015"/>
+                </a:cubicBezTo>
+                <a:cubicBezTo>
+                  <a:pt x="5" y="1005"/>
+                  <a:pt x="0" y="993"/>
+                  <a:pt x="0" y="979"/>
+                </a:cubicBezTo>
+                <a:lnTo>
+                  <a:pt x="0" y="876"/>
+                </a:lnTo>
+                <a:cubicBezTo>
+                  <a:pt x="0" y="862"/>
+                  <a:pt x="5" y="850"/>
+                  <a:pt x="15" y="839"/>
+                </a:cubicBezTo>
+                <a:cubicBezTo>
+                  <a:pt x="25" y="829"/>
+                  <a:pt x="38" y="824"/>
+                  <a:pt x="51" y="824"/>
+                </a:cubicBezTo>
+                <a:lnTo>
+                  <a:pt x="1185" y="824"/>
+                </a:lnTo>
+                <a:cubicBezTo>
+                  <a:pt x="1199" y="824"/>
+                  <a:pt x="1211" y="829"/>
+                  <a:pt x="1221" y="839"/>
+                </a:cubicBezTo>
+                <a:cubicBezTo>
+                  <a:pt x="1231" y="850"/>
+                  <a:pt x="1237" y="862"/>
+                  <a:pt x="1237" y="876"/>
+                </a:cubicBezTo>
+                <a:close/>
+                <a:moveTo>
+                  <a:pt x="1237" y="463"/>
+                </a:moveTo>
+                <a:lnTo>
+                  <a:pt x="1237" y="567"/>
+                </a:lnTo>
+                <a:cubicBezTo>
+                  <a:pt x="1237" y="580"/>
+                  <a:pt x="1231" y="593"/>
+                  <a:pt x="1221" y="603"/>
+                </a:cubicBezTo>
+                <a:cubicBezTo>
+                  <a:pt x="1211" y="613"/>
+                  <a:pt x="1199" y="618"/>
+                  <a:pt x="1185" y="618"/>
+                </a:cubicBezTo>
+                <a:lnTo>
+                  <a:pt x="51" y="618"/>
+                </a:lnTo>
+                <a:cubicBezTo>
+                  <a:pt x="38" y="618"/>
+                  <a:pt x="25" y="613"/>
+                  <a:pt x="15" y="603"/>
+                </a:cubicBezTo>
+                <a:cubicBezTo>
+                  <a:pt x="5" y="593"/>
+                  <a:pt x="0" y="580"/>
+                  <a:pt x="0" y="567"/>
+                </a:cubicBezTo>
+                <a:lnTo>
+                  <a:pt x="0" y="463"/>
+                </a:lnTo>
+                <a:cubicBezTo>
+                  <a:pt x="0" y="450"/>
+                  <a:pt x="5" y="437"/>
+                  <a:pt x="15" y="427"/>
+                </a:cubicBezTo>
+                <a:cubicBezTo>
+                  <a:pt x="25" y="417"/>
+                  <a:pt x="38" y="412"/>
+                  <a:pt x="51" y="412"/>
+                </a:cubicBezTo>
+                <a:lnTo>
+                  <a:pt x="1185" y="412"/>
+                </a:lnTo>
+                <a:cubicBezTo>
+                  <a:pt x="1199" y="412"/>
+                  <a:pt x="1211" y="417"/>
+                  <a:pt x="1221" y="427"/>
+                </a:cubicBezTo>
+                <a:cubicBezTo>
+                  <a:pt x="1231" y="437"/>
+                  <a:pt x="1237" y="450"/>
+                  <a:pt x="1237" y="463"/>
+                </a:cubicBezTo>
+                <a:close/>
+                <a:moveTo>
+                  <a:pt x="1237" y="51"/>
+                </a:moveTo>
+                <a:lnTo>
+                  <a:pt x="1237" y="154"/>
+                </a:lnTo>
+                <a:cubicBezTo>
+                  <a:pt x="1237" y="168"/>
+                  <a:pt x="1231" y="180"/>
+                  <a:pt x="1221" y="191"/>
+                </a:cubicBezTo>
+                <a:cubicBezTo>
+                  <a:pt x="1211" y="201"/>
+                  <a:pt x="1199" y="206"/>
+                  <a:pt x="1185" y="206"/>
+                </a:cubicBezTo>
+                <a:lnTo>
+                  <a:pt x="51" y="206"/>
+                </a:lnTo>
+                <a:cubicBezTo>
+                  <a:pt x="38" y="206"/>
+                  <a:pt x="25" y="201"/>
+                  <a:pt x="15" y="191"/>
+                </a:cubicBezTo>
+                <a:cubicBezTo>
+                  <a:pt x="5" y="180"/>
+                  <a:pt x="0" y="168"/>
+                  <a:pt x="0" y="154"/>
+                </a:cubicBezTo>
+                <a:lnTo>
+                  <a:pt x="0" y="51"/>
+                </a:lnTo>
+                <a:cubicBezTo>
+                  <a:pt x="0" y="37"/>
+                  <a:pt x="5" y="25"/>
+                  <a:pt x="15" y="15"/>
+                </a:cubicBezTo>
+                <a:cubicBezTo>
+                  <a:pt x="25" y="5"/>
+                  <a:pt x="38" y="0"/>
+                  <a:pt x="51" y="0"/>
+                </a:cubicBezTo>
+                <a:lnTo>
+                  <a:pt x="1185" y="0"/>
+                </a:lnTo>
+                <a:cubicBezTo>
+                  <a:pt x="1199" y="0"/>
+                  <a:pt x="1211" y="5"/>
+                  <a:pt x="1221" y="15"/>
+                </a:cubicBezTo>
+                <a:cubicBezTo>
+                  <a:pt x="1231" y="25"/>
+                  <a:pt x="1237" y="37"/>
+                  <a:pt x="1237" y="51"/>
+                </a:cubicBezTo>
+                <a:close/>
+              </a:path>
+            </a:pathLst>
+          </a:custGeom>
+          <a:solidFill>
+            <a:schemeClr val="accent2"/>
+          </a:solidFill>
+          <a:ln w="0">
+            <a:noFill/>
+            <a:prstDash val="solid"/>
+            <a:round/>
+            <a:headEnd/>
+            <a:tailEnd/>
+          </a:ln>
+        </p:spPr>
+        <p:txBody>
+          <a:bodyPr vert="horz" wrap="square" lIns="91440" tIns="45720" rIns="91440" bIns="45720" numCol="1" anchor="t" anchorCtr="0" compatLnSpc="1">
+            <a:prstTxWarp prst="textNoShape">
+              <a:avLst/>
+            </a:prstTxWarp>
+          </a:bodyPr>
+          <a:lstStyle/>
+          <a:p>
+            <a:endParaRPr lang="en-US" sz="1050">
+              <a:latin typeface="Arial" panose="020B0604020202020204" pitchFamily="34" charset="0"/>
+              <a:cs typeface="Arial" panose="020B0604020202020204" pitchFamily="34" charset="0"/>
+            </a:endParaRPr>
+          </a:p>
+        </p:txBody>
+      </p:sp>
+      <p:sp>
+        <p:nvSpPr>
+          <p:cNvPr id="74" name="Reorder Icon"/>
+          <p:cNvSpPr>
+            <a:spLocks noEditPoints="1"/>
+          </p:cNvSpPr>
+          <p:nvPr/>
+        </p:nvSpPr>
+        <p:spPr bwMode="auto">
+          <a:xfrm>
+            <a:off x="1276340" y="671073"/>
+            <a:ext cx="133244" cy="108000"/>
+          </a:xfrm>
+          <a:custGeom>
+            <a:avLst/>
+            <a:gdLst>
+              <a:gd name="T0" fmla="*/ 1237 w 1237"/>
+              <a:gd name="T1" fmla="*/ 876 h 1030"/>
+              <a:gd name="T2" fmla="*/ 1237 w 1237"/>
+              <a:gd name="T3" fmla="*/ 979 h 1030"/>
+              <a:gd name="T4" fmla="*/ 1221 w 1237"/>
+              <a:gd name="T5" fmla="*/ 1015 h 1030"/>
+              <a:gd name="T6" fmla="*/ 1185 w 1237"/>
+              <a:gd name="T7" fmla="*/ 1030 h 1030"/>
+              <a:gd name="T8" fmla="*/ 51 w 1237"/>
+              <a:gd name="T9" fmla="*/ 1030 h 1030"/>
+              <a:gd name="T10" fmla="*/ 15 w 1237"/>
+              <a:gd name="T11" fmla="*/ 1015 h 1030"/>
+              <a:gd name="T12" fmla="*/ 0 w 1237"/>
+              <a:gd name="T13" fmla="*/ 979 h 1030"/>
+              <a:gd name="T14" fmla="*/ 0 w 1237"/>
+              <a:gd name="T15" fmla="*/ 876 h 1030"/>
+              <a:gd name="T16" fmla="*/ 15 w 1237"/>
+              <a:gd name="T17" fmla="*/ 839 h 1030"/>
+              <a:gd name="T18" fmla="*/ 51 w 1237"/>
+              <a:gd name="T19" fmla="*/ 824 h 1030"/>
+              <a:gd name="T20" fmla="*/ 1185 w 1237"/>
+              <a:gd name="T21" fmla="*/ 824 h 1030"/>
+              <a:gd name="T22" fmla="*/ 1221 w 1237"/>
+              <a:gd name="T23" fmla="*/ 839 h 1030"/>
+              <a:gd name="T24" fmla="*/ 1237 w 1237"/>
+              <a:gd name="T25" fmla="*/ 876 h 1030"/>
+              <a:gd name="T26" fmla="*/ 1237 w 1237"/>
+              <a:gd name="T27" fmla="*/ 463 h 1030"/>
+              <a:gd name="T28" fmla="*/ 1237 w 1237"/>
+              <a:gd name="T29" fmla="*/ 567 h 1030"/>
+              <a:gd name="T30" fmla="*/ 1221 w 1237"/>
+              <a:gd name="T31" fmla="*/ 603 h 1030"/>
+              <a:gd name="T32" fmla="*/ 1185 w 1237"/>
+              <a:gd name="T33" fmla="*/ 618 h 1030"/>
+              <a:gd name="T34" fmla="*/ 51 w 1237"/>
+              <a:gd name="T35" fmla="*/ 618 h 1030"/>
+              <a:gd name="T36" fmla="*/ 15 w 1237"/>
+              <a:gd name="T37" fmla="*/ 603 h 1030"/>
+              <a:gd name="T38" fmla="*/ 0 w 1237"/>
+              <a:gd name="T39" fmla="*/ 567 h 1030"/>
+              <a:gd name="T40" fmla="*/ 0 w 1237"/>
+              <a:gd name="T41" fmla="*/ 463 h 1030"/>
+              <a:gd name="T42" fmla="*/ 15 w 1237"/>
+              <a:gd name="T43" fmla="*/ 427 h 1030"/>
+              <a:gd name="T44" fmla="*/ 51 w 1237"/>
+              <a:gd name="T45" fmla="*/ 412 h 1030"/>
+              <a:gd name="T46" fmla="*/ 1185 w 1237"/>
+              <a:gd name="T47" fmla="*/ 412 h 1030"/>
+              <a:gd name="T48" fmla="*/ 1221 w 1237"/>
+              <a:gd name="T49" fmla="*/ 427 h 1030"/>
+              <a:gd name="T50" fmla="*/ 1237 w 1237"/>
+              <a:gd name="T51" fmla="*/ 463 h 1030"/>
+              <a:gd name="T52" fmla="*/ 1237 w 1237"/>
+              <a:gd name="T53" fmla="*/ 51 h 1030"/>
+              <a:gd name="T54" fmla="*/ 1237 w 1237"/>
+              <a:gd name="T55" fmla="*/ 154 h 1030"/>
+              <a:gd name="T56" fmla="*/ 1221 w 1237"/>
+              <a:gd name="T57" fmla="*/ 191 h 1030"/>
+              <a:gd name="T58" fmla="*/ 1185 w 1237"/>
+              <a:gd name="T59" fmla="*/ 206 h 1030"/>
+              <a:gd name="T60" fmla="*/ 51 w 1237"/>
+              <a:gd name="T61" fmla="*/ 206 h 1030"/>
+              <a:gd name="T62" fmla="*/ 15 w 1237"/>
+              <a:gd name="T63" fmla="*/ 191 h 1030"/>
+              <a:gd name="T64" fmla="*/ 0 w 1237"/>
+              <a:gd name="T65" fmla="*/ 154 h 1030"/>
+              <a:gd name="T66" fmla="*/ 0 w 1237"/>
+              <a:gd name="T67" fmla="*/ 51 h 1030"/>
+              <a:gd name="T68" fmla="*/ 15 w 1237"/>
+              <a:gd name="T69" fmla="*/ 15 h 1030"/>
+              <a:gd name="T70" fmla="*/ 51 w 1237"/>
+              <a:gd name="T71" fmla="*/ 0 h 1030"/>
+              <a:gd name="T72" fmla="*/ 1185 w 1237"/>
+              <a:gd name="T73" fmla="*/ 0 h 1030"/>
+              <a:gd name="T74" fmla="*/ 1221 w 1237"/>
+              <a:gd name="T75" fmla="*/ 15 h 1030"/>
+              <a:gd name="T76" fmla="*/ 1237 w 1237"/>
+              <a:gd name="T77" fmla="*/ 51 h 1030"/>
+            </a:gdLst>
+            <a:ahLst/>
+            <a:cxnLst>
+              <a:cxn ang="0">
+                <a:pos x="T0" y="T1"/>
+              </a:cxn>
+              <a:cxn ang="0">
+                <a:pos x="T2" y="T3"/>
+              </a:cxn>
+              <a:cxn ang="0">
+                <a:pos x="T4" y="T5"/>
+              </a:cxn>
+              <a:cxn ang="0">
+                <a:pos x="T6" y="T7"/>
+              </a:cxn>
+              <a:cxn ang="0">
+                <a:pos x="T8" y="T9"/>
+              </a:cxn>
+              <a:cxn ang="0">
+                <a:pos x="T10" y="T11"/>
+              </a:cxn>
+              <a:cxn ang="0">
+                <a:pos x="T12" y="T13"/>
+              </a:cxn>
+              <a:cxn ang="0">
+                <a:pos x="T14" y="T15"/>
+              </a:cxn>
+              <a:cxn ang="0">
+                <a:pos x="T16" y="T17"/>
+              </a:cxn>
+              <a:cxn ang="0">
+                <a:pos x="T18" y="T19"/>
+              </a:cxn>
+              <a:cxn ang="0">
+                <a:pos x="T20" y="T21"/>
+              </a:cxn>
+              <a:cxn ang="0">
+                <a:pos x="T22" y="T23"/>
+              </a:cxn>
+              <a:cxn ang="0">
+                <a:pos x="T24" y="T25"/>
+              </a:cxn>
+              <a:cxn ang="0">
+                <a:pos x="T26" y="T27"/>
+              </a:cxn>
+              <a:cxn ang="0">
+                <a:pos x="T28" y="T29"/>
+              </a:cxn>
+              <a:cxn ang="0">
+                <a:pos x="T30" y="T31"/>
+              </a:cxn>
+              <a:cxn ang="0">
+                <a:pos x="T32" y="T33"/>
+              </a:cxn>
+              <a:cxn ang="0">
+                <a:pos x="T34" y="T35"/>
+              </a:cxn>
+              <a:cxn ang="0">
+                <a:pos x="T36" y="T37"/>
+              </a:cxn>
+              <a:cxn ang="0">
+                <a:pos x="T38" y="T39"/>
+              </a:cxn>
+              <a:cxn ang="0">
+                <a:pos x="T40" y="T41"/>
+              </a:cxn>
+              <a:cxn ang="0">
+                <a:pos x="T42" y="T43"/>
+              </a:cxn>
+              <a:cxn ang="0">
+                <a:pos x="T44" y="T45"/>
+              </a:cxn>
+              <a:cxn ang="0">
+                <a:pos x="T46" y="T47"/>
+              </a:cxn>
+              <a:cxn ang="0">
+                <a:pos x="T48" y="T49"/>
+              </a:cxn>
+              <a:cxn ang="0">
+                <a:pos x="T50" y="T51"/>
+              </a:cxn>
+              <a:cxn ang="0">
+                <a:pos x="T52" y="T53"/>
+              </a:cxn>
+              <a:cxn ang="0">
+                <a:pos x="T54" y="T55"/>
+              </a:cxn>
+              <a:cxn ang="0">
+                <a:pos x="T56" y="T57"/>
+              </a:cxn>
+              <a:cxn ang="0">
+                <a:pos x="T58" y="T59"/>
+              </a:cxn>
+              <a:cxn ang="0">
+                <a:pos x="T60" y="T61"/>
+              </a:cxn>
+              <a:cxn ang="0">
+                <a:pos x="T62" y="T63"/>
+              </a:cxn>
+              <a:cxn ang="0">
+                <a:pos x="T64" y="T65"/>
+              </a:cxn>
+              <a:cxn ang="0">
+                <a:pos x="T66" y="T67"/>
+              </a:cxn>
+              <a:cxn ang="0">
+                <a:pos x="T68" y="T69"/>
+              </a:cxn>
+              <a:cxn ang="0">
+                <a:pos x="T70" y="T71"/>
+              </a:cxn>
+              <a:cxn ang="0">
+                <a:pos x="T72" y="T73"/>
+              </a:cxn>
+              <a:cxn ang="0">
+                <a:pos x="T74" y="T75"/>
+              </a:cxn>
+              <a:cxn ang="0">
+                <a:pos x="T76" y="T77"/>
+              </a:cxn>
+            </a:cxnLst>
+            <a:rect l="0" t="0" r="r" b="b"/>
+            <a:pathLst>
+              <a:path w="1237" h="1030">
+                <a:moveTo>
+                  <a:pt x="1237" y="876"/>
+                </a:moveTo>
+                <a:lnTo>
+                  <a:pt x="1237" y="979"/>
+                </a:lnTo>
+                <a:cubicBezTo>
+                  <a:pt x="1237" y="993"/>
+                  <a:pt x="1231" y="1005"/>
+                  <a:pt x="1221" y="1015"/>
+                </a:cubicBezTo>
+                <a:cubicBezTo>
+                  <a:pt x="1211" y="1025"/>
+                  <a:pt x="1199" y="1030"/>
+                  <a:pt x="1185" y="1030"/>
+                </a:cubicBezTo>
+                <a:lnTo>
+                  <a:pt x="51" y="1030"/>
+                </a:lnTo>
+                <a:cubicBezTo>
+                  <a:pt x="38" y="1030"/>
+                  <a:pt x="25" y="1025"/>
+                  <a:pt x="15" y="1015"/>
+                </a:cubicBezTo>
+                <a:cubicBezTo>
+                  <a:pt x="5" y="1005"/>
+                  <a:pt x="0" y="993"/>
+                  <a:pt x="0" y="979"/>
+                </a:cubicBezTo>
+                <a:lnTo>
+                  <a:pt x="0" y="876"/>
+                </a:lnTo>
+                <a:cubicBezTo>
+                  <a:pt x="0" y="862"/>
+                  <a:pt x="5" y="850"/>
+                  <a:pt x="15" y="839"/>
+                </a:cubicBezTo>
+                <a:cubicBezTo>
+                  <a:pt x="25" y="829"/>
+                  <a:pt x="38" y="824"/>
+                  <a:pt x="51" y="824"/>
+                </a:cubicBezTo>
+                <a:lnTo>
+                  <a:pt x="1185" y="824"/>
+                </a:lnTo>
+                <a:cubicBezTo>
+                  <a:pt x="1199" y="824"/>
+                  <a:pt x="1211" y="829"/>
+                  <a:pt x="1221" y="839"/>
+                </a:cubicBezTo>
+                <a:cubicBezTo>
+                  <a:pt x="1231" y="850"/>
+                  <a:pt x="1237" y="862"/>
+                  <a:pt x="1237" y="876"/>
+                </a:cubicBezTo>
+                <a:close/>
+                <a:moveTo>
+                  <a:pt x="1237" y="463"/>
+                </a:moveTo>
+                <a:lnTo>
+                  <a:pt x="1237" y="567"/>
+                </a:lnTo>
+                <a:cubicBezTo>
+                  <a:pt x="1237" y="580"/>
+                  <a:pt x="1231" y="593"/>
+                  <a:pt x="1221" y="603"/>
+                </a:cubicBezTo>
+                <a:cubicBezTo>
+                  <a:pt x="1211" y="613"/>
+                  <a:pt x="1199" y="618"/>
+                  <a:pt x="1185" y="618"/>
+                </a:cubicBezTo>
+                <a:lnTo>
+                  <a:pt x="51" y="618"/>
+                </a:lnTo>
+                <a:cubicBezTo>
+                  <a:pt x="38" y="618"/>
+                  <a:pt x="25" y="613"/>
+                  <a:pt x="15" y="603"/>
+                </a:cubicBezTo>
+                <a:cubicBezTo>
+                  <a:pt x="5" y="593"/>
+                  <a:pt x="0" y="580"/>
+                  <a:pt x="0" y="567"/>
+                </a:cubicBezTo>
+                <a:lnTo>
+                  <a:pt x="0" y="463"/>
+                </a:lnTo>
+                <a:cubicBezTo>
+                  <a:pt x="0" y="450"/>
+                  <a:pt x="5" y="437"/>
+                  <a:pt x="15" y="427"/>
+                </a:cubicBezTo>
+                <a:cubicBezTo>
+                  <a:pt x="25" y="417"/>
+                  <a:pt x="38" y="412"/>
+                  <a:pt x="51" y="412"/>
+                </a:cubicBezTo>
+                <a:lnTo>
+                  <a:pt x="1185" y="412"/>
+                </a:lnTo>
+                <a:cubicBezTo>
+                  <a:pt x="1199" y="412"/>
+                  <a:pt x="1211" y="417"/>
+                  <a:pt x="1221" y="427"/>
+                </a:cubicBezTo>
+                <a:cubicBezTo>
+                  <a:pt x="1231" y="437"/>
+                  <a:pt x="1237" y="450"/>
+                  <a:pt x="1237" y="463"/>
+                </a:cubicBezTo>
+                <a:close/>
+                <a:moveTo>
+                  <a:pt x="1237" y="51"/>
+                </a:moveTo>
+                <a:lnTo>
+                  <a:pt x="1237" y="154"/>
+                </a:lnTo>
+                <a:cubicBezTo>
+                  <a:pt x="1237" y="168"/>
+                  <a:pt x="1231" y="180"/>
+                  <a:pt x="1221" y="191"/>
+                </a:cubicBezTo>
+                <a:cubicBezTo>
+                  <a:pt x="1211" y="201"/>
+                  <a:pt x="1199" y="206"/>
+                  <a:pt x="1185" y="206"/>
+                </a:cubicBezTo>
+                <a:lnTo>
+                  <a:pt x="51" y="206"/>
+                </a:lnTo>
+                <a:cubicBezTo>
+                  <a:pt x="38" y="206"/>
+                  <a:pt x="25" y="201"/>
+                  <a:pt x="15" y="191"/>
+                </a:cubicBezTo>
+                <a:cubicBezTo>
+                  <a:pt x="5" y="180"/>
+                  <a:pt x="0" y="168"/>
+                  <a:pt x="0" y="154"/>
+                </a:cubicBezTo>
+                <a:lnTo>
+                  <a:pt x="0" y="51"/>
+                </a:lnTo>
+                <a:cubicBezTo>
+                  <a:pt x="0" y="37"/>
+                  <a:pt x="5" y="25"/>
+                  <a:pt x="15" y="15"/>
+                </a:cubicBezTo>
+                <a:cubicBezTo>
+                  <a:pt x="25" y="5"/>
+                  <a:pt x="38" y="0"/>
+                  <a:pt x="51" y="0"/>
+                </a:cubicBezTo>
+                <a:lnTo>
+                  <a:pt x="1185" y="0"/>
+                </a:lnTo>
+                <a:cubicBezTo>
+                  <a:pt x="1199" y="0"/>
+                  <a:pt x="1211" y="5"/>
+                  <a:pt x="1221" y="15"/>
+                </a:cubicBezTo>
+                <a:cubicBezTo>
+                  <a:pt x="1231" y="25"/>
+                  <a:pt x="1237" y="37"/>
+                  <a:pt x="1237" y="51"/>
+                </a:cubicBezTo>
+                <a:close/>
+              </a:path>
+            </a:pathLst>
+          </a:custGeom>
+          <a:solidFill>
+            <a:schemeClr val="accent2"/>
+          </a:solidFill>
+          <a:ln w="0">
+            <a:noFill/>
+            <a:prstDash val="solid"/>
+            <a:round/>
+            <a:headEnd/>
+            <a:tailEnd/>
+          </a:ln>
+        </p:spPr>
+        <p:txBody>
+          <a:bodyPr vert="horz" wrap="square" lIns="91440" tIns="45720" rIns="91440" bIns="45720" numCol="1" anchor="t" anchorCtr="0" compatLnSpc="1">
+            <a:prstTxWarp prst="textNoShape">
+              <a:avLst/>
+            </a:prstTxWarp>
+          </a:bodyPr>
+          <a:lstStyle/>
+          <a:p>
+            <a:endParaRPr lang="en-US" sz="1050">
+              <a:latin typeface="Arial" panose="020B0604020202020204" pitchFamily="34" charset="0"/>
+              <a:cs typeface="Arial" panose="020B0604020202020204" pitchFamily="34" charset="0"/>
+            </a:endParaRPr>
+          </a:p>
+        </p:txBody>
+      </p:sp>
+      <p:sp>
+        <p:nvSpPr>
+          <p:cNvPr id="75" name="Reorder Icon"/>
+          <p:cNvSpPr>
+            <a:spLocks noEditPoints="1"/>
+          </p:cNvSpPr>
+          <p:nvPr/>
+        </p:nvSpPr>
+        <p:spPr bwMode="auto">
+          <a:xfrm>
+            <a:off x="1995999" y="671073"/>
+            <a:ext cx="133244" cy="108000"/>
+          </a:xfrm>
+          <a:custGeom>
+            <a:avLst/>
+            <a:gdLst>
+              <a:gd name="T0" fmla="*/ 1237 w 1237"/>
+              <a:gd name="T1" fmla="*/ 876 h 1030"/>
+              <a:gd name="T2" fmla="*/ 1237 w 1237"/>
+              <a:gd name="T3" fmla="*/ 979 h 1030"/>
+              <a:gd name="T4" fmla="*/ 1221 w 1237"/>
+              <a:gd name="T5" fmla="*/ 1015 h 1030"/>
+              <a:gd name="T6" fmla="*/ 1185 w 1237"/>
+              <a:gd name="T7" fmla="*/ 1030 h 1030"/>
+              <a:gd name="T8" fmla="*/ 51 w 1237"/>
+              <a:gd name="T9" fmla="*/ 1030 h 1030"/>
+              <a:gd name="T10" fmla="*/ 15 w 1237"/>
+              <a:gd name="T11" fmla="*/ 1015 h 1030"/>
+              <a:gd name="T12" fmla="*/ 0 w 1237"/>
+              <a:gd name="T13" fmla="*/ 979 h 1030"/>
+              <a:gd name="T14" fmla="*/ 0 w 1237"/>
+              <a:gd name="T15" fmla="*/ 876 h 1030"/>
+              <a:gd name="T16" fmla="*/ 15 w 1237"/>
+              <a:gd name="T17" fmla="*/ 839 h 1030"/>
+              <a:gd name="T18" fmla="*/ 51 w 1237"/>
+              <a:gd name="T19" fmla="*/ 824 h 1030"/>
+              <a:gd name="T20" fmla="*/ 1185 w 1237"/>
+              <a:gd name="T21" fmla="*/ 824 h 1030"/>
+              <a:gd name="T22" fmla="*/ 1221 w 1237"/>
+              <a:gd name="T23" fmla="*/ 839 h 1030"/>
+              <a:gd name="T24" fmla="*/ 1237 w 1237"/>
+              <a:gd name="T25" fmla="*/ 876 h 1030"/>
+              <a:gd name="T26" fmla="*/ 1237 w 1237"/>
+              <a:gd name="T27" fmla="*/ 463 h 1030"/>
+              <a:gd name="T28" fmla="*/ 1237 w 1237"/>
+              <a:gd name="T29" fmla="*/ 567 h 1030"/>
+              <a:gd name="T30" fmla="*/ 1221 w 1237"/>
+              <a:gd name="T31" fmla="*/ 603 h 1030"/>
+              <a:gd name="T32" fmla="*/ 1185 w 1237"/>
+              <a:gd name="T33" fmla="*/ 618 h 1030"/>
+              <a:gd name="T34" fmla="*/ 51 w 1237"/>
+              <a:gd name="T35" fmla="*/ 618 h 1030"/>
+              <a:gd name="T36" fmla="*/ 15 w 1237"/>
+              <a:gd name="T37" fmla="*/ 603 h 1030"/>
+              <a:gd name="T38" fmla="*/ 0 w 1237"/>
+              <a:gd name="T39" fmla="*/ 567 h 1030"/>
+              <a:gd name="T40" fmla="*/ 0 w 1237"/>
+              <a:gd name="T41" fmla="*/ 463 h 1030"/>
+              <a:gd name="T42" fmla="*/ 15 w 1237"/>
+              <a:gd name="T43" fmla="*/ 427 h 1030"/>
+              <a:gd name="T44" fmla="*/ 51 w 1237"/>
+              <a:gd name="T45" fmla="*/ 412 h 1030"/>
+              <a:gd name="T46" fmla="*/ 1185 w 1237"/>
+              <a:gd name="T47" fmla="*/ 412 h 1030"/>
+              <a:gd name="T48" fmla="*/ 1221 w 1237"/>
+              <a:gd name="T49" fmla="*/ 427 h 1030"/>
+              <a:gd name="T50" fmla="*/ 1237 w 1237"/>
+              <a:gd name="T51" fmla="*/ 463 h 1030"/>
+              <a:gd name="T52" fmla="*/ 1237 w 1237"/>
+              <a:gd name="T53" fmla="*/ 51 h 1030"/>
+              <a:gd name="T54" fmla="*/ 1237 w 1237"/>
+              <a:gd name="T55" fmla="*/ 154 h 1030"/>
+              <a:gd name="T56" fmla="*/ 1221 w 1237"/>
+              <a:gd name="T57" fmla="*/ 191 h 1030"/>
+              <a:gd name="T58" fmla="*/ 1185 w 1237"/>
+              <a:gd name="T59" fmla="*/ 206 h 1030"/>
+              <a:gd name="T60" fmla="*/ 51 w 1237"/>
+              <a:gd name="T61" fmla="*/ 206 h 1030"/>
+              <a:gd name="T62" fmla="*/ 15 w 1237"/>
+              <a:gd name="T63" fmla="*/ 191 h 1030"/>
+              <a:gd name="T64" fmla="*/ 0 w 1237"/>
+              <a:gd name="T65" fmla="*/ 154 h 1030"/>
+              <a:gd name="T66" fmla="*/ 0 w 1237"/>
+              <a:gd name="T67" fmla="*/ 51 h 1030"/>
+              <a:gd name="T68" fmla="*/ 15 w 1237"/>
+              <a:gd name="T69" fmla="*/ 15 h 1030"/>
+              <a:gd name="T70" fmla="*/ 51 w 1237"/>
+              <a:gd name="T71" fmla="*/ 0 h 1030"/>
+              <a:gd name="T72" fmla="*/ 1185 w 1237"/>
+              <a:gd name="T73" fmla="*/ 0 h 1030"/>
+              <a:gd name="T74" fmla="*/ 1221 w 1237"/>
+              <a:gd name="T75" fmla="*/ 15 h 1030"/>
+              <a:gd name="T76" fmla="*/ 1237 w 1237"/>
+              <a:gd name="T77" fmla="*/ 51 h 1030"/>
+            </a:gdLst>
+            <a:ahLst/>
+            <a:cxnLst>
+              <a:cxn ang="0">
+                <a:pos x="T0" y="T1"/>
+              </a:cxn>
+              <a:cxn ang="0">
+                <a:pos x="T2" y="T3"/>
+              </a:cxn>
+              <a:cxn ang="0">
+                <a:pos x="T4" y="T5"/>
+              </a:cxn>
+              <a:cxn ang="0">
+                <a:pos x="T6" y="T7"/>
+              </a:cxn>
+              <a:cxn ang="0">
+                <a:pos x="T8" y="T9"/>
+              </a:cxn>
+              <a:cxn ang="0">
+                <a:pos x="T10" y="T11"/>
+              </a:cxn>
+              <a:cxn ang="0">
+                <a:pos x="T12" y="T13"/>
+              </a:cxn>
+              <a:cxn ang="0">
+                <a:pos x="T14" y="T15"/>
+              </a:cxn>
+              <a:cxn ang="0">
+                <a:pos x="T16" y="T17"/>
+              </a:cxn>
+              <a:cxn ang="0">
+                <a:pos x="T18" y="T19"/>
+              </a:cxn>
+              <a:cxn ang="0">
+                <a:pos x="T20" y="T21"/>
+              </a:cxn>
+              <a:cxn ang="0">
+                <a:pos x="T22" y="T23"/>
+              </a:cxn>
+              <a:cxn ang="0">
+                <a:pos x="T24" y="T25"/>
+              </a:cxn>
+              <a:cxn ang="0">
+                <a:pos x="T26" y="T27"/>
+              </a:cxn>
+              <a:cxn ang="0">
+                <a:pos x="T28" y="T29"/>
+              </a:cxn>
+              <a:cxn ang="0">
+                <a:pos x="T30" y="T31"/>
+              </a:cxn>
+              <a:cxn ang="0">
+                <a:pos x="T32" y="T33"/>
+              </a:cxn>
+              <a:cxn ang="0">
+                <a:pos x="T34" y="T35"/>
+              </a:cxn>
+              <a:cxn ang="0">
+                <a:pos x="T36" y="T37"/>
+              </a:cxn>
+              <a:cxn ang="0">
+                <a:pos x="T38" y="T39"/>
+              </a:cxn>
+              <a:cxn ang="0">
+                <a:pos x="T40" y="T41"/>
+              </a:cxn>
+              <a:cxn ang="0">
+                <a:pos x="T42" y="T43"/>
+              </a:cxn>
+              <a:cxn ang="0">
+                <a:pos x="T44" y="T45"/>
+              </a:cxn>
+              <a:cxn ang="0">
+                <a:pos x="T46" y="T47"/>
+              </a:cxn>
+              <a:cxn ang="0">
+                <a:pos x="T48" y="T49"/>
+              </a:cxn>
+              <a:cxn ang="0">
+                <a:pos x="T50" y="T51"/>
+              </a:cxn>
+              <a:cxn ang="0">
+                <a:pos x="T52" y="T53"/>
+              </a:cxn>
+              <a:cxn ang="0">
+                <a:pos x="T54" y="T55"/>
+              </a:cxn>
+              <a:cxn ang="0">
+                <a:pos x="T56" y="T57"/>
+              </a:cxn>
+              <a:cxn ang="0">
+                <a:pos x="T58" y="T59"/>
+              </a:cxn>
+              <a:cxn ang="0">
+                <a:pos x="T60" y="T61"/>
+              </a:cxn>
+              <a:cxn ang="0">
+                <a:pos x="T62" y="T63"/>
+              </a:cxn>
+              <a:cxn ang="0">
+                <a:pos x="T64" y="T65"/>
+              </a:cxn>
+              <a:cxn ang="0">
+                <a:pos x="T66" y="T67"/>
+              </a:cxn>
+              <a:cxn ang="0">
+                <a:pos x="T68" y="T69"/>
+              </a:cxn>
+              <a:cxn ang="0">
+                <a:pos x="T70" y="T71"/>
+              </a:cxn>
+              <a:cxn ang="0">
+                <a:pos x="T72" y="T73"/>
+              </a:cxn>
+              <a:cxn ang="0">
+                <a:pos x="T74" y="T75"/>
+              </a:cxn>
+              <a:cxn ang="0">
+                <a:pos x="T76" y="T77"/>
+              </a:cxn>
+            </a:cxnLst>
+            <a:rect l="0" t="0" r="r" b="b"/>
+            <a:pathLst>
+              <a:path w="1237" h="1030">
+                <a:moveTo>
+                  <a:pt x="1237" y="876"/>
+                </a:moveTo>
+                <a:lnTo>
+                  <a:pt x="1237" y="979"/>
+                </a:lnTo>
+                <a:cubicBezTo>
+                  <a:pt x="1237" y="993"/>
+                  <a:pt x="1231" y="1005"/>
+                  <a:pt x="1221" y="1015"/>
+                </a:cubicBezTo>
+                <a:cubicBezTo>
+                  <a:pt x="1211" y="1025"/>
+                  <a:pt x="1199" y="1030"/>
+                  <a:pt x="1185" y="1030"/>
+                </a:cubicBezTo>
+                <a:lnTo>
+                  <a:pt x="51" y="1030"/>
+                </a:lnTo>
+                <a:cubicBezTo>
+                  <a:pt x="38" y="1030"/>
+                  <a:pt x="25" y="1025"/>
+                  <a:pt x="15" y="1015"/>
+                </a:cubicBezTo>
+                <a:cubicBezTo>
+                  <a:pt x="5" y="1005"/>
+                  <a:pt x="0" y="993"/>
+                  <a:pt x="0" y="979"/>
+                </a:cubicBezTo>
+                <a:lnTo>
+                  <a:pt x="0" y="876"/>
+                </a:lnTo>
+                <a:cubicBezTo>
+                  <a:pt x="0" y="862"/>
+                  <a:pt x="5" y="850"/>
+                  <a:pt x="15" y="839"/>
+                </a:cubicBezTo>
+                <a:cubicBezTo>
+                  <a:pt x="25" y="829"/>
+                  <a:pt x="38" y="824"/>
+                  <a:pt x="51" y="824"/>
+                </a:cubicBezTo>
+                <a:lnTo>
+                  <a:pt x="1185" y="824"/>
+                </a:lnTo>
+                <a:cubicBezTo>
+                  <a:pt x="1199" y="824"/>
+                  <a:pt x="1211" y="829"/>
+                  <a:pt x="1221" y="839"/>
+                </a:cubicBezTo>
+                <a:cubicBezTo>
+                  <a:pt x="1231" y="850"/>
+                  <a:pt x="1237" y="862"/>
+                  <a:pt x="1237" y="876"/>
+                </a:cubicBezTo>
+                <a:close/>
+                <a:moveTo>
+                  <a:pt x="1237" y="463"/>
+                </a:moveTo>
+                <a:lnTo>
+                  <a:pt x="1237" y="567"/>
+                </a:lnTo>
+                <a:cubicBezTo>
+                  <a:pt x="1237" y="580"/>
+                  <a:pt x="1231" y="593"/>
+                  <a:pt x="1221" y="603"/>
+                </a:cubicBezTo>
+                <a:cubicBezTo>
+                  <a:pt x="1211" y="613"/>
+                  <a:pt x="1199" y="618"/>
+                  <a:pt x="1185" y="618"/>
+                </a:cubicBezTo>
+                <a:lnTo>
+                  <a:pt x="51" y="618"/>
+                </a:lnTo>
+                <a:cubicBezTo>
+                  <a:pt x="38" y="618"/>
+                  <a:pt x="25" y="613"/>
+                  <a:pt x="15" y="603"/>
+                </a:cubicBezTo>
+                <a:cubicBezTo>
+                  <a:pt x="5" y="593"/>
+                  <a:pt x="0" y="580"/>
+                  <a:pt x="0" y="567"/>
+                </a:cubicBezTo>
+                <a:lnTo>
+                  <a:pt x="0" y="463"/>
+                </a:lnTo>
+                <a:cubicBezTo>
+                  <a:pt x="0" y="450"/>
+                  <a:pt x="5" y="437"/>
+                  <a:pt x="15" y="427"/>
+                </a:cubicBezTo>
+                <a:cubicBezTo>
+                  <a:pt x="25" y="417"/>
+                  <a:pt x="38" y="412"/>
+                  <a:pt x="51" y="412"/>
+                </a:cubicBezTo>
+                <a:lnTo>
+                  <a:pt x="1185" y="412"/>
+                </a:lnTo>
+                <a:cubicBezTo>
+                  <a:pt x="1199" y="412"/>
+                  <a:pt x="1211" y="417"/>
+                  <a:pt x="1221" y="427"/>
+                </a:cubicBezTo>
+                <a:cubicBezTo>
+                  <a:pt x="1231" y="437"/>
+                  <a:pt x="1237" y="450"/>
+                  <a:pt x="1237" y="463"/>
+                </a:cubicBezTo>
+                <a:close/>
+                <a:moveTo>
+                  <a:pt x="1237" y="51"/>
+                </a:moveTo>
+                <a:lnTo>
+                  <a:pt x="1237" y="154"/>
+                </a:lnTo>
+                <a:cubicBezTo>
+                  <a:pt x="1237" y="168"/>
+                  <a:pt x="1231" y="180"/>
+                  <a:pt x="1221" y="191"/>
+                </a:cubicBezTo>
+                <a:cubicBezTo>
+                  <a:pt x="1211" y="201"/>
+                  <a:pt x="1199" y="206"/>
+                  <a:pt x="1185" y="206"/>
+                </a:cubicBezTo>
+                <a:lnTo>
+                  <a:pt x="51" y="206"/>
+                </a:lnTo>
+                <a:cubicBezTo>
+                  <a:pt x="38" y="206"/>
+                  <a:pt x="25" y="201"/>
+                  <a:pt x="15" y="191"/>
+                </a:cubicBezTo>
+                <a:cubicBezTo>
+                  <a:pt x="5" y="180"/>
+                  <a:pt x="0" y="168"/>
+                  <a:pt x="0" y="154"/>
+                </a:cubicBezTo>
+                <a:lnTo>
+                  <a:pt x="0" y="51"/>
+                </a:lnTo>
+                <a:cubicBezTo>
+                  <a:pt x="0" y="37"/>
+                  <a:pt x="5" y="25"/>
+                  <a:pt x="15" y="15"/>
+                </a:cubicBezTo>
+                <a:cubicBezTo>
+                  <a:pt x="25" y="5"/>
+                  <a:pt x="38" y="0"/>
+                  <a:pt x="51" y="0"/>
+                </a:cubicBezTo>
+                <a:lnTo>
+                  <a:pt x="1185" y="0"/>
+                </a:lnTo>
+                <a:cubicBezTo>
+                  <a:pt x="1199" y="0"/>
+                  <a:pt x="1211" y="5"/>
+                  <a:pt x="1221" y="15"/>
+                </a:cubicBezTo>
+                <a:cubicBezTo>
+                  <a:pt x="1231" y="25"/>
+                  <a:pt x="1237" y="37"/>
+                  <a:pt x="1237" y="51"/>
+                </a:cubicBezTo>
+                <a:close/>
+              </a:path>
+            </a:pathLst>
+          </a:custGeom>
+          <a:solidFill>
+            <a:schemeClr val="accent2"/>
+          </a:solidFill>
+          <a:ln w="0">
+            <a:noFill/>
+            <a:prstDash val="solid"/>
+            <a:round/>
+            <a:headEnd/>
+            <a:tailEnd/>
+          </a:ln>
+        </p:spPr>
+        <p:txBody>
+          <a:bodyPr vert="horz" wrap="square" lIns="91440" tIns="45720" rIns="91440" bIns="45720" numCol="1" anchor="t" anchorCtr="0" compatLnSpc="1">
+            <a:prstTxWarp prst="textNoShape">
+              <a:avLst/>
+            </a:prstTxWarp>
+          </a:bodyPr>
+          <a:lstStyle/>
+          <a:p>
+            <a:endParaRPr lang="en-US" sz="1050">
+              <a:latin typeface="Arial" panose="020B0604020202020204" pitchFamily="34" charset="0"/>
+              <a:cs typeface="Arial" panose="020B0604020202020204" pitchFamily="34" charset="0"/>
+            </a:endParaRPr>
+          </a:p>
+        </p:txBody>
+      </p:sp>
+      <p:sp>
+        <p:nvSpPr>
+          <p:cNvPr id="76" name="Reorder Icon"/>
+          <p:cNvSpPr>
+            <a:spLocks noEditPoints="1"/>
+          </p:cNvSpPr>
+          <p:nvPr/>
+        </p:nvSpPr>
+        <p:spPr bwMode="auto">
+          <a:xfrm>
+            <a:off x="2715658" y="671073"/>
+            <a:ext cx="133244" cy="108000"/>
+          </a:xfrm>
+          <a:custGeom>
+            <a:avLst/>
+            <a:gdLst>
+              <a:gd name="T0" fmla="*/ 1237 w 1237"/>
+              <a:gd name="T1" fmla="*/ 876 h 1030"/>
+              <a:gd name="T2" fmla="*/ 1237 w 1237"/>
+              <a:gd name="T3" fmla="*/ 979 h 1030"/>
+              <a:gd name="T4" fmla="*/ 1221 w 1237"/>
+              <a:gd name="T5" fmla="*/ 1015 h 1030"/>
+              <a:gd name="T6" fmla="*/ 1185 w 1237"/>
+              <a:gd name="T7" fmla="*/ 1030 h 1030"/>
+              <a:gd name="T8" fmla="*/ 51 w 1237"/>
+              <a:gd name="T9" fmla="*/ 1030 h 1030"/>
+              <a:gd name="T10" fmla="*/ 15 w 1237"/>
+              <a:gd name="T11" fmla="*/ 1015 h 1030"/>
+              <a:gd name="T12" fmla="*/ 0 w 1237"/>
+              <a:gd name="T13" fmla="*/ 979 h 1030"/>
+              <a:gd name="T14" fmla="*/ 0 w 1237"/>
+              <a:gd name="T15" fmla="*/ 876 h 1030"/>
+              <a:gd name="T16" fmla="*/ 15 w 1237"/>
+              <a:gd name="T17" fmla="*/ 839 h 1030"/>
+              <a:gd name="T18" fmla="*/ 51 w 1237"/>
+              <a:gd name="T19" fmla="*/ 824 h 1030"/>
+              <a:gd name="T20" fmla="*/ 1185 w 1237"/>
+              <a:gd name="T21" fmla="*/ 824 h 1030"/>
+              <a:gd name="T22" fmla="*/ 1221 w 1237"/>
+              <a:gd name="T23" fmla="*/ 839 h 1030"/>
+              <a:gd name="T24" fmla="*/ 1237 w 1237"/>
+              <a:gd name="T25" fmla="*/ 876 h 1030"/>
+              <a:gd name="T26" fmla="*/ 1237 w 1237"/>
+              <a:gd name="T27" fmla="*/ 463 h 1030"/>
+              <a:gd name="T28" fmla="*/ 1237 w 1237"/>
+              <a:gd name="T29" fmla="*/ 567 h 1030"/>
+              <a:gd name="T30" fmla="*/ 1221 w 1237"/>
+              <a:gd name="T31" fmla="*/ 603 h 1030"/>
+              <a:gd name="T32" fmla="*/ 1185 w 1237"/>
+              <a:gd name="T33" fmla="*/ 618 h 1030"/>
+              <a:gd name="T34" fmla="*/ 51 w 1237"/>
+              <a:gd name="T35" fmla="*/ 618 h 1030"/>
+              <a:gd name="T36" fmla="*/ 15 w 1237"/>
+              <a:gd name="T37" fmla="*/ 603 h 1030"/>
+              <a:gd name="T38" fmla="*/ 0 w 1237"/>
+              <a:gd name="T39" fmla="*/ 567 h 1030"/>
+              <a:gd name="T40" fmla="*/ 0 w 1237"/>
+              <a:gd name="T41" fmla="*/ 463 h 1030"/>
+              <a:gd name="T42" fmla="*/ 15 w 1237"/>
+              <a:gd name="T43" fmla="*/ 427 h 1030"/>
+              <a:gd name="T44" fmla="*/ 51 w 1237"/>
+              <a:gd name="T45" fmla="*/ 412 h 1030"/>
+              <a:gd name="T46" fmla="*/ 1185 w 1237"/>
+              <a:gd name="T47" fmla="*/ 412 h 1030"/>
+              <a:gd name="T48" fmla="*/ 1221 w 1237"/>
+              <a:gd name="T49" fmla="*/ 427 h 1030"/>
+              <a:gd name="T50" fmla="*/ 1237 w 1237"/>
+              <a:gd name="T51" fmla="*/ 463 h 1030"/>
+              <a:gd name="T52" fmla="*/ 1237 w 1237"/>
+              <a:gd name="T53" fmla="*/ 51 h 1030"/>
+              <a:gd name="T54" fmla="*/ 1237 w 1237"/>
+              <a:gd name="T55" fmla="*/ 154 h 1030"/>
+              <a:gd name="T56" fmla="*/ 1221 w 1237"/>
+              <a:gd name="T57" fmla="*/ 191 h 1030"/>
+              <a:gd name="T58" fmla="*/ 1185 w 1237"/>
+              <a:gd name="T59" fmla="*/ 206 h 1030"/>
+              <a:gd name="T60" fmla="*/ 51 w 1237"/>
+              <a:gd name="T61" fmla="*/ 206 h 1030"/>
+              <a:gd name="T62" fmla="*/ 15 w 1237"/>
+              <a:gd name="T63" fmla="*/ 191 h 1030"/>
+              <a:gd name="T64" fmla="*/ 0 w 1237"/>
+              <a:gd name="T65" fmla="*/ 154 h 1030"/>
+              <a:gd name="T66" fmla="*/ 0 w 1237"/>
+              <a:gd name="T67" fmla="*/ 51 h 1030"/>
+              <a:gd name="T68" fmla="*/ 15 w 1237"/>
+              <a:gd name="T69" fmla="*/ 15 h 1030"/>
+              <a:gd name="T70" fmla="*/ 51 w 1237"/>
+              <a:gd name="T71" fmla="*/ 0 h 1030"/>
+              <a:gd name="T72" fmla="*/ 1185 w 1237"/>
+              <a:gd name="T73" fmla="*/ 0 h 1030"/>
+              <a:gd name="T74" fmla="*/ 1221 w 1237"/>
+              <a:gd name="T75" fmla="*/ 15 h 1030"/>
+              <a:gd name="T76" fmla="*/ 1237 w 1237"/>
+              <a:gd name="T77" fmla="*/ 51 h 1030"/>
+            </a:gdLst>
+            <a:ahLst/>
+            <a:cxnLst>
+              <a:cxn ang="0">
+                <a:pos x="T0" y="T1"/>
+              </a:cxn>
+              <a:cxn ang="0">
+                <a:pos x="T2" y="T3"/>
+              </a:cxn>
+              <a:cxn ang="0">
+                <a:pos x="T4" y="T5"/>
+              </a:cxn>
+              <a:cxn ang="0">
+                <a:pos x="T6" y="T7"/>
+              </a:cxn>
+              <a:cxn ang="0">
+                <a:pos x="T8" y="T9"/>
+              </a:cxn>
+              <a:cxn ang="0">
+                <a:pos x="T10" y="T11"/>
+              </a:cxn>
+              <a:cxn ang="0">
+                <a:pos x="T12" y="T13"/>
+              </a:cxn>
+              <a:cxn ang="0">
+                <a:pos x="T14" y="T15"/>
+              </a:cxn>
+              <a:cxn ang="0">
+                <a:pos x="T16" y="T17"/>
+              </a:cxn>
+              <a:cxn ang="0">
+                <a:pos x="T18" y="T19"/>
+              </a:cxn>
+              <a:cxn ang="0">
+                <a:pos x="T20" y="T21"/>
+              </a:cxn>
+              <a:cxn ang="0">
+                <a:pos x="T22" y="T23"/>
+              </a:cxn>
+              <a:cxn ang="0">
+                <a:pos x="T24" y="T25"/>
+              </a:cxn>
+              <a:cxn ang="0">
+                <a:pos x="T26" y="T27"/>
+              </a:cxn>
+              <a:cxn ang="0">
+                <a:pos x="T28" y="T29"/>
+              </a:cxn>
+              <a:cxn ang="0">
+                <a:pos x="T30" y="T31"/>
+              </a:cxn>
+              <a:cxn ang="0">
+                <a:pos x="T32" y="T33"/>
+              </a:cxn>
+              <a:cxn ang="0">
+                <a:pos x="T34" y="T35"/>
+              </a:cxn>
+              <a:cxn ang="0">
+                <a:pos x="T36" y="T37"/>
+              </a:cxn>
+              <a:cxn ang="0">
+                <a:pos x="T38" y="T39"/>
+              </a:cxn>
+              <a:cxn ang="0">
+                <a:pos x="T40" y="T41"/>
+              </a:cxn>
+              <a:cxn ang="0">
+                <a:pos x="T42" y="T43"/>
+              </a:cxn>
+              <a:cxn ang="0">
+                <a:pos x="T44" y="T45"/>
+              </a:cxn>
+              <a:cxn ang="0">
+                <a:pos x="T46" y="T47"/>
+              </a:cxn>
+              <a:cxn ang="0">
+                <a:pos x="T48" y="T49"/>
+              </a:cxn>
+              <a:cxn ang="0">
+                <a:pos x="T50" y="T51"/>
+              </a:cxn>
+              <a:cxn ang="0">
+                <a:pos x="T52" y="T53"/>
+              </a:cxn>
+              <a:cxn ang="0">
+                <a:pos x="T54" y="T55"/>
+              </a:cxn>
+              <a:cxn ang="0">
+                <a:pos x="T56" y="T57"/>
+              </a:cxn>
+              <a:cxn ang="0">
+                <a:pos x="T58" y="T59"/>
+              </a:cxn>
+              <a:cxn ang="0">
+                <a:pos x="T60" y="T61"/>
+              </a:cxn>
+              <a:cxn ang="0">
+                <a:pos x="T62" y="T63"/>
+              </a:cxn>
+              <a:cxn ang="0">
+                <a:pos x="T64" y="T65"/>
+              </a:cxn>
+              <a:cxn ang="0">
+                <a:pos x="T66" y="T67"/>
+              </a:cxn>
+              <a:cxn ang="0">
+                <a:pos x="T68" y="T69"/>
+              </a:cxn>
+              <a:cxn ang="0">
+                <a:pos x="T70" y="T71"/>
+              </a:cxn>
+              <a:cxn ang="0">
+                <a:pos x="T72" y="T73"/>
+              </a:cxn>
+              <a:cxn ang="0">
+                <a:pos x="T74" y="T75"/>
+              </a:cxn>
+              <a:cxn ang="0">
+                <a:pos x="T76" y="T77"/>
+              </a:cxn>
+            </a:cxnLst>
+            <a:rect l="0" t="0" r="r" b="b"/>
+            <a:pathLst>
+              <a:path w="1237" h="1030">
+                <a:moveTo>
+                  <a:pt x="1237" y="876"/>
+                </a:moveTo>
+                <a:lnTo>
+                  <a:pt x="1237" y="979"/>
+                </a:lnTo>
+                <a:cubicBezTo>
+                  <a:pt x="1237" y="993"/>
+                  <a:pt x="1231" y="1005"/>
+                  <a:pt x="1221" y="1015"/>
+                </a:cubicBezTo>
+                <a:cubicBezTo>
+                  <a:pt x="1211" y="1025"/>
+                  <a:pt x="1199" y="1030"/>
+                  <a:pt x="1185" y="1030"/>
+                </a:cubicBezTo>
+                <a:lnTo>
+                  <a:pt x="51" y="1030"/>
+                </a:lnTo>
+                <a:cubicBezTo>
+                  <a:pt x="38" y="1030"/>
+                  <a:pt x="25" y="1025"/>
+                  <a:pt x="15" y="1015"/>
+                </a:cubicBezTo>
+                <a:cubicBezTo>
+                  <a:pt x="5" y="1005"/>
+                  <a:pt x="0" y="993"/>
+                  <a:pt x="0" y="979"/>
+                </a:cubicBezTo>
+                <a:lnTo>
+                  <a:pt x="0" y="876"/>
+                </a:lnTo>
+                <a:cubicBezTo>
+                  <a:pt x="0" y="862"/>
+                  <a:pt x="5" y="850"/>
+                  <a:pt x="15" y="839"/>
+                </a:cubicBezTo>
+                <a:cubicBezTo>
+                  <a:pt x="25" y="829"/>
+                  <a:pt x="38" y="824"/>
+                  <a:pt x="51" y="824"/>
+                </a:cubicBezTo>
+                <a:lnTo>
+                  <a:pt x="1185" y="824"/>
+                </a:lnTo>
+                <a:cubicBezTo>
+                  <a:pt x="1199" y="824"/>
+                  <a:pt x="1211" y="829"/>
+                  <a:pt x="1221" y="839"/>
+                </a:cubicBezTo>
+                <a:cubicBezTo>
+                  <a:pt x="1231" y="850"/>
+                  <a:pt x="1237" y="862"/>
+                  <a:pt x="1237" y="876"/>
+                </a:cubicBezTo>
+                <a:close/>
+                <a:moveTo>
+                  <a:pt x="1237" y="463"/>
+                </a:moveTo>
+                <a:lnTo>
+                  <a:pt x="1237" y="567"/>
+                </a:lnTo>
+                <a:cubicBezTo>
+                  <a:pt x="1237" y="580"/>
+                  <a:pt x="1231" y="593"/>
+                  <a:pt x="1221" y="603"/>
+                </a:cubicBezTo>
+                <a:cubicBezTo>
+                  <a:pt x="1211" y="613"/>
+                  <a:pt x="1199" y="618"/>
+                  <a:pt x="1185" y="618"/>
+                </a:cubicBezTo>
+                <a:lnTo>
+                  <a:pt x="51" y="618"/>
+                </a:lnTo>
+                <a:cubicBezTo>
+                  <a:pt x="38" y="618"/>
+                  <a:pt x="25" y="613"/>
+                  <a:pt x="15" y="603"/>
+                </a:cubicBezTo>
+                <a:cubicBezTo>
+                  <a:pt x="5" y="593"/>
+                  <a:pt x="0" y="580"/>
+                  <a:pt x="0" y="567"/>
+                </a:cubicBezTo>
+                <a:lnTo>
+                  <a:pt x="0" y="463"/>
+                </a:lnTo>
+                <a:cubicBezTo>
+                  <a:pt x="0" y="450"/>
+                  <a:pt x="5" y="437"/>
+                  <a:pt x="15" y="427"/>
+                </a:cubicBezTo>
+                <a:cubicBezTo>
+                  <a:pt x="25" y="417"/>
+                  <a:pt x="38" y="412"/>
+                  <a:pt x="51" y="412"/>
+                </a:cubicBezTo>
+                <a:lnTo>
+                  <a:pt x="1185" y="412"/>
+                </a:lnTo>
+                <a:cubicBezTo>
+                  <a:pt x="1199" y="412"/>
+                  <a:pt x="1211" y="417"/>
+                  <a:pt x="1221" y="427"/>
+                </a:cubicBezTo>
+                <a:cubicBezTo>
+                  <a:pt x="1231" y="437"/>
+                  <a:pt x="1237" y="450"/>
+                  <a:pt x="1237" y="463"/>
+                </a:cubicBezTo>
+                <a:close/>
+                <a:moveTo>
+                  <a:pt x="1237" y="51"/>
+                </a:moveTo>
+                <a:lnTo>
+                  <a:pt x="1237" y="154"/>
+                </a:lnTo>
+                <a:cubicBezTo>
+                  <a:pt x="1237" y="168"/>
+                  <a:pt x="1231" y="180"/>
+                  <a:pt x="1221" y="191"/>
+                </a:cubicBezTo>
+                <a:cubicBezTo>
+                  <a:pt x="1211" y="201"/>
+                  <a:pt x="1199" y="206"/>
+                  <a:pt x="1185" y="206"/>
+                </a:cubicBezTo>
+                <a:lnTo>
+                  <a:pt x="51" y="206"/>
+                </a:lnTo>
+                <a:cubicBezTo>
+                  <a:pt x="38" y="206"/>
+                  <a:pt x="25" y="201"/>
+                  <a:pt x="15" y="191"/>
+                </a:cubicBezTo>
+                <a:cubicBezTo>
+                  <a:pt x="5" y="180"/>
+                  <a:pt x="0" y="168"/>
+                  <a:pt x="0" y="154"/>
+                </a:cubicBezTo>
+                <a:lnTo>
+                  <a:pt x="0" y="51"/>
+                </a:lnTo>
+                <a:cubicBezTo>
+                  <a:pt x="0" y="37"/>
+                  <a:pt x="5" y="25"/>
+                  <a:pt x="15" y="15"/>
+                </a:cubicBezTo>
+                <a:cubicBezTo>
+                  <a:pt x="25" y="5"/>
+                  <a:pt x="38" y="0"/>
+                  <a:pt x="51" y="0"/>
+                </a:cubicBezTo>
+                <a:lnTo>
+                  <a:pt x="1185" y="0"/>
+                </a:lnTo>
+                <a:cubicBezTo>
+                  <a:pt x="1199" y="0"/>
+                  <a:pt x="1211" y="5"/>
+                  <a:pt x="1221" y="15"/>
+                </a:cubicBezTo>
+                <a:cubicBezTo>
+                  <a:pt x="1231" y="25"/>
+                  <a:pt x="1237" y="37"/>
+                  <a:pt x="1237" y="51"/>
+                </a:cubicBezTo>
+                <a:close/>
+              </a:path>
+            </a:pathLst>
+          </a:custGeom>
+          <a:solidFill>
+            <a:schemeClr val="accent2"/>
+          </a:solidFill>
+          <a:ln w="0">
+            <a:noFill/>
+            <a:prstDash val="solid"/>
+            <a:round/>
+            <a:headEnd/>
+            <a:tailEnd/>
+          </a:ln>
+        </p:spPr>
+        <p:txBody>
+          <a:bodyPr vert="horz" wrap="square" lIns="91440" tIns="45720" rIns="91440" bIns="45720" numCol="1" anchor="t" anchorCtr="0" compatLnSpc="1">
+            <a:prstTxWarp prst="textNoShape">
+              <a:avLst/>
+            </a:prstTxWarp>
+          </a:bodyPr>
+          <a:lstStyle/>
+          <a:p>
+            <a:endParaRPr lang="en-US" sz="1050">
+              <a:latin typeface="Arial" panose="020B0604020202020204" pitchFamily="34" charset="0"/>
+              <a:cs typeface="Arial" panose="020B0604020202020204" pitchFamily="34" charset="0"/>
+            </a:endParaRPr>
+          </a:p>
+        </p:txBody>
+      </p:sp>
+      <p:sp>
+        <p:nvSpPr>
+          <p:cNvPr id="77" name="Reorder Icon"/>
+          <p:cNvSpPr>
+            <a:spLocks noEditPoints="1"/>
+          </p:cNvSpPr>
+          <p:nvPr/>
+        </p:nvSpPr>
+        <p:spPr bwMode="auto">
+          <a:xfrm>
+            <a:off x="3435317" y="671073"/>
+            <a:ext cx="133244" cy="108000"/>
+          </a:xfrm>
+          <a:custGeom>
+            <a:avLst/>
+            <a:gdLst>
+              <a:gd name="T0" fmla="*/ 1237 w 1237"/>
+              <a:gd name="T1" fmla="*/ 876 h 1030"/>
+              <a:gd name="T2" fmla="*/ 1237 w 1237"/>
+              <a:gd name="T3" fmla="*/ 979 h 1030"/>
+              <a:gd name="T4" fmla="*/ 1221 w 1237"/>
+              <a:gd name="T5" fmla="*/ 1015 h 1030"/>
+              <a:gd name="T6" fmla="*/ 1185 w 1237"/>
+              <a:gd name="T7" fmla="*/ 1030 h 1030"/>
+              <a:gd name="T8" fmla="*/ 51 w 1237"/>
+              <a:gd name="T9" fmla="*/ 1030 h 1030"/>
+              <a:gd name="T10" fmla="*/ 15 w 1237"/>
+              <a:gd name="T11" fmla="*/ 1015 h 1030"/>
+              <a:gd name="T12" fmla="*/ 0 w 1237"/>
+              <a:gd name="T13" fmla="*/ 979 h 1030"/>
+              <a:gd name="T14" fmla="*/ 0 w 1237"/>
+              <a:gd name="T15" fmla="*/ 876 h 1030"/>
+              <a:gd name="T16" fmla="*/ 15 w 1237"/>
+              <a:gd name="T17" fmla="*/ 839 h 1030"/>
+              <a:gd name="T18" fmla="*/ 51 w 1237"/>
+              <a:gd name="T19" fmla="*/ 824 h 1030"/>
+              <a:gd name="T20" fmla="*/ 1185 w 1237"/>
+              <a:gd name="T21" fmla="*/ 824 h 1030"/>
+              <a:gd name="T22" fmla="*/ 1221 w 1237"/>
+              <a:gd name="T23" fmla="*/ 839 h 1030"/>
+              <a:gd name="T24" fmla="*/ 1237 w 1237"/>
+              <a:gd name="T25" fmla="*/ 876 h 1030"/>
+              <a:gd name="T26" fmla="*/ 1237 w 1237"/>
+              <a:gd name="T27" fmla="*/ 463 h 1030"/>
+              <a:gd name="T28" fmla="*/ 1237 w 1237"/>
+              <a:gd name="T29" fmla="*/ 567 h 1030"/>
+              <a:gd name="T30" fmla="*/ 1221 w 1237"/>
+              <a:gd name="T31" fmla="*/ 603 h 1030"/>
+              <a:gd name="T32" fmla="*/ 1185 w 1237"/>
+              <a:gd name="T33" fmla="*/ 618 h 1030"/>
+              <a:gd name="T34" fmla="*/ 51 w 1237"/>
+              <a:gd name="T35" fmla="*/ 618 h 1030"/>
+              <a:gd name="T36" fmla="*/ 15 w 1237"/>
+              <a:gd name="T37" fmla="*/ 603 h 1030"/>
+              <a:gd name="T38" fmla="*/ 0 w 1237"/>
+              <a:gd name="T39" fmla="*/ 567 h 1030"/>
+              <a:gd name="T40" fmla="*/ 0 w 1237"/>
+              <a:gd name="T41" fmla="*/ 463 h 1030"/>
+              <a:gd name="T42" fmla="*/ 15 w 1237"/>
+              <a:gd name="T43" fmla="*/ 427 h 1030"/>
+              <a:gd name="T44" fmla="*/ 51 w 1237"/>
+              <a:gd name="T45" fmla="*/ 412 h 1030"/>
+              <a:gd name="T46" fmla="*/ 1185 w 1237"/>
+              <a:gd name="T47" fmla="*/ 412 h 1030"/>
+              <a:gd name="T48" fmla="*/ 1221 w 1237"/>
+              <a:gd name="T49" fmla="*/ 427 h 1030"/>
+              <a:gd name="T50" fmla="*/ 1237 w 1237"/>
+              <a:gd name="T51" fmla="*/ 463 h 1030"/>
+              <a:gd name="T52" fmla="*/ 1237 w 1237"/>
+              <a:gd name="T53" fmla="*/ 51 h 1030"/>
+              <a:gd name="T54" fmla="*/ 1237 w 1237"/>
+              <a:gd name="T55" fmla="*/ 154 h 1030"/>
+              <a:gd name="T56" fmla="*/ 1221 w 1237"/>
+              <a:gd name="T57" fmla="*/ 191 h 1030"/>
+              <a:gd name="T58" fmla="*/ 1185 w 1237"/>
+              <a:gd name="T59" fmla="*/ 206 h 1030"/>
+              <a:gd name="T60" fmla="*/ 51 w 1237"/>
+              <a:gd name="T61" fmla="*/ 206 h 1030"/>
+              <a:gd name="T62" fmla="*/ 15 w 1237"/>
+              <a:gd name="T63" fmla="*/ 191 h 1030"/>
+              <a:gd name="T64" fmla="*/ 0 w 1237"/>
+              <a:gd name="T65" fmla="*/ 154 h 1030"/>
+              <a:gd name="T66" fmla="*/ 0 w 1237"/>
+              <a:gd name="T67" fmla="*/ 51 h 1030"/>
+              <a:gd name="T68" fmla="*/ 15 w 1237"/>
+              <a:gd name="T69" fmla="*/ 15 h 1030"/>
+              <a:gd name="T70" fmla="*/ 51 w 1237"/>
+              <a:gd name="T71" fmla="*/ 0 h 1030"/>
+              <a:gd name="T72" fmla="*/ 1185 w 1237"/>
+              <a:gd name="T73" fmla="*/ 0 h 1030"/>
+              <a:gd name="T74" fmla="*/ 1221 w 1237"/>
+              <a:gd name="T75" fmla="*/ 15 h 1030"/>
+              <a:gd name="T76" fmla="*/ 1237 w 1237"/>
+              <a:gd name="T77" fmla="*/ 51 h 1030"/>
+            </a:gdLst>
+            <a:ahLst/>
+            <a:cxnLst>
+              <a:cxn ang="0">
+                <a:pos x="T0" y="T1"/>
+              </a:cxn>
+              <a:cxn ang="0">
+                <a:pos x="T2" y="T3"/>
+              </a:cxn>
+              <a:cxn ang="0">
+                <a:pos x="T4" y="T5"/>
+              </a:cxn>
+              <a:cxn ang="0">
+                <a:pos x="T6" y="T7"/>
+              </a:cxn>
+              <a:cxn ang="0">
+                <a:pos x="T8" y="T9"/>
+              </a:cxn>
+              <a:cxn ang="0">
+                <a:pos x="T10" y="T11"/>
+              </a:cxn>
+              <a:cxn ang="0">
+                <a:pos x="T12" y="T13"/>
+              </a:cxn>
+              <a:cxn ang="0">
+                <a:pos x="T14" y="T15"/>
+              </a:cxn>
+              <a:cxn ang="0">
+                <a:pos x="T16" y="T17"/>
+              </a:cxn>
+              <a:cxn ang="0">
+                <a:pos x="T18" y="T19"/>
+              </a:cxn>
+              <a:cxn ang="0">
+                <a:pos x="T20" y="T21"/>
+              </a:cxn>
+              <a:cxn ang="0">
+                <a:pos x="T22" y="T23"/>
+              </a:cxn>
+              <a:cxn ang="0">
+                <a:pos x="T24" y="T25"/>
+              </a:cxn>
+              <a:cxn ang="0">
+                <a:pos x="T26" y="T27"/>
+              </a:cxn>
+              <a:cxn ang="0">
+                <a:pos x="T28" y="T29"/>
+              </a:cxn>
+              <a:cxn ang="0">
+                <a:pos x="T30" y="T31"/>
+              </a:cxn>
+              <a:cxn ang="0">
+                <a:pos x="T32" y="T33"/>
+              </a:cxn>
+              <a:cxn ang="0">
+                <a:pos x="T34" y="T35"/>
+              </a:cxn>
+              <a:cxn ang="0">
+                <a:pos x="T36" y="T37"/>
+              </a:cxn>
+              <a:cxn ang="0">
+                <a:pos x="T38" y="T39"/>
+              </a:cxn>
+              <a:cxn ang="0">
+                <a:pos x="T40" y="T41"/>
+              </a:cxn>
+              <a:cxn ang="0">
+                <a:pos x="T42" y="T43"/>
+              </a:cxn>
+              <a:cxn ang="0">
+                <a:pos x="T44" y="T45"/>
+              </a:cxn>
+              <a:cxn ang="0">
+                <a:pos x="T46" y="T47"/>
+              </a:cxn>
+              <a:cxn ang="0">
+                <a:pos x="T48" y="T49"/>
+              </a:cxn>
+              <a:cxn ang="0">
+                <a:pos x="T50" y="T51"/>
+              </a:cxn>
+              <a:cxn ang="0">
+                <a:pos x="T52" y="T53"/>
+              </a:cxn>
+              <a:cxn ang="0">
+                <a:pos x="T54" y="T55"/>
+              </a:cxn>
+              <a:cxn ang="0">
+                <a:pos x="T56" y="T57"/>
+              </a:cxn>
+              <a:cxn ang="0">
+                <a:pos x="T58" y="T59"/>
+              </a:cxn>
+              <a:cxn ang="0">
+                <a:pos x="T60" y="T61"/>
+              </a:cxn>
+              <a:cxn ang="0">
+                <a:pos x="T62" y="T63"/>
+              </a:cxn>
+              <a:cxn ang="0">
+                <a:pos x="T64" y="T65"/>
+              </a:cxn>
+              <a:cxn ang="0">
+                <a:pos x="T66" y="T67"/>
+              </a:cxn>
+              <a:cxn ang="0">
+                <a:pos x="T68" y="T69"/>
+              </a:cxn>
+              <a:cxn ang="0">
+                <a:pos x="T70" y="T71"/>
+              </a:cxn>
+              <a:cxn ang="0">
+                <a:pos x="T72" y="T73"/>
+              </a:cxn>
+              <a:cxn ang="0">
+                <a:pos x="T74" y="T75"/>
+              </a:cxn>
+              <a:cxn ang="0">
+                <a:pos x="T76" y="T77"/>
+              </a:cxn>
+            </a:cxnLst>
+            <a:rect l="0" t="0" r="r" b="b"/>
+            <a:pathLst>
+              <a:path w="1237" h="1030">
+                <a:moveTo>
+                  <a:pt x="1237" y="876"/>
+                </a:moveTo>
+                <a:lnTo>
+                  <a:pt x="1237" y="979"/>
+                </a:lnTo>
+                <a:cubicBezTo>
+                  <a:pt x="1237" y="993"/>
+                  <a:pt x="1231" y="1005"/>
+                  <a:pt x="1221" y="1015"/>
+                </a:cubicBezTo>
+                <a:cubicBezTo>
+                  <a:pt x="1211" y="1025"/>
+                  <a:pt x="1199" y="1030"/>
+                  <a:pt x="1185" y="1030"/>
+                </a:cubicBezTo>
+                <a:lnTo>
+                  <a:pt x="51" y="1030"/>
+                </a:lnTo>
+                <a:cubicBezTo>
+                  <a:pt x="38" y="1030"/>
+                  <a:pt x="25" y="1025"/>
+                  <a:pt x="15" y="1015"/>
+                </a:cubicBezTo>
+                <a:cubicBezTo>
+                  <a:pt x="5" y="1005"/>
+                  <a:pt x="0" y="993"/>
+                  <a:pt x="0" y="979"/>
+                </a:cubicBezTo>
+                <a:lnTo>
+                  <a:pt x="0" y="876"/>
+                </a:lnTo>
+                <a:cubicBezTo>
+                  <a:pt x="0" y="862"/>
+                  <a:pt x="5" y="850"/>
+                  <a:pt x="15" y="839"/>
+                </a:cubicBezTo>
+                <a:cubicBezTo>
+                  <a:pt x="25" y="829"/>
+                  <a:pt x="38" y="824"/>
+                  <a:pt x="51" y="824"/>
+                </a:cubicBezTo>
+                <a:lnTo>
+                  <a:pt x="1185" y="824"/>
+                </a:lnTo>
+                <a:cubicBezTo>
+                  <a:pt x="1199" y="824"/>
+                  <a:pt x="1211" y="829"/>
+                  <a:pt x="1221" y="839"/>
+                </a:cubicBezTo>
+                <a:cubicBezTo>
+                  <a:pt x="1231" y="850"/>
+                  <a:pt x="1237" y="862"/>
+                  <a:pt x="1237" y="876"/>
+                </a:cubicBezTo>
+                <a:close/>
+                <a:moveTo>
+                  <a:pt x="1237" y="463"/>
+                </a:moveTo>
+                <a:lnTo>
+                  <a:pt x="1237" y="567"/>
+                </a:lnTo>
+                <a:cubicBezTo>
+                  <a:pt x="1237" y="580"/>
+                  <a:pt x="1231" y="593"/>
+                  <a:pt x="1221" y="603"/>
+                </a:cubicBezTo>
+                <a:cubicBezTo>
+                  <a:pt x="1211" y="613"/>
+                  <a:pt x="1199" y="618"/>
+                  <a:pt x="1185" y="618"/>
+                </a:cubicBezTo>
+                <a:lnTo>
+                  <a:pt x="51" y="618"/>
+                </a:lnTo>
+                <a:cubicBezTo>
+                  <a:pt x="38" y="618"/>
+                  <a:pt x="25" y="613"/>
+                  <a:pt x="15" y="603"/>
+                </a:cubicBezTo>
+                <a:cubicBezTo>
+                  <a:pt x="5" y="593"/>
+                  <a:pt x="0" y="580"/>
+                  <a:pt x="0" y="567"/>
+                </a:cubicBezTo>
+                <a:lnTo>
+                  <a:pt x="0" y="463"/>
+                </a:lnTo>
+                <a:cubicBezTo>
+                  <a:pt x="0" y="450"/>
+                  <a:pt x="5" y="437"/>
+                  <a:pt x="15" y="427"/>
+                </a:cubicBezTo>
+                <a:cubicBezTo>
+                  <a:pt x="25" y="417"/>
+                  <a:pt x="38" y="412"/>
+                  <a:pt x="51" y="412"/>
+                </a:cubicBezTo>
+                <a:lnTo>
+                  <a:pt x="1185" y="412"/>
+                </a:lnTo>
+                <a:cubicBezTo>
+                  <a:pt x="1199" y="412"/>
+                  <a:pt x="1211" y="417"/>
+                  <a:pt x="1221" y="427"/>
+                </a:cubicBezTo>
+                <a:cubicBezTo>
+                  <a:pt x="1231" y="437"/>
+                  <a:pt x="1237" y="450"/>
+                  <a:pt x="1237" y="463"/>
+                </a:cubicBezTo>
+                <a:close/>
+                <a:moveTo>
+                  <a:pt x="1237" y="51"/>
+                </a:moveTo>
+                <a:lnTo>
+                  <a:pt x="1237" y="154"/>
+                </a:lnTo>
+                <a:cubicBezTo>
+                  <a:pt x="1237" y="168"/>
+                  <a:pt x="1231" y="180"/>
+                  <a:pt x="1221" y="191"/>
+                </a:cubicBezTo>
+                <a:cubicBezTo>
+                  <a:pt x="1211" y="201"/>
+                  <a:pt x="1199" y="206"/>
+                  <a:pt x="1185" y="206"/>
+                </a:cubicBezTo>
+                <a:lnTo>
+                  <a:pt x="51" y="206"/>
+                </a:lnTo>
+                <a:cubicBezTo>
+                  <a:pt x="38" y="206"/>
+                  <a:pt x="25" y="201"/>
+                  <a:pt x="15" y="191"/>
+                </a:cubicBezTo>
+                <a:cubicBezTo>
+                  <a:pt x="5" y="180"/>
+                  <a:pt x="0" y="168"/>
+                  <a:pt x="0" y="154"/>
+                </a:cubicBezTo>
+                <a:lnTo>
+                  <a:pt x="0" y="51"/>
+                </a:lnTo>
+                <a:cubicBezTo>
+                  <a:pt x="0" y="37"/>
+                  <a:pt x="5" y="25"/>
+                  <a:pt x="15" y="15"/>
+                </a:cubicBezTo>
+                <a:cubicBezTo>
+                  <a:pt x="25" y="5"/>
+                  <a:pt x="38" y="0"/>
+                  <a:pt x="51" y="0"/>
+                </a:cubicBezTo>
+                <a:lnTo>
+                  <a:pt x="1185" y="0"/>
+                </a:lnTo>
+                <a:cubicBezTo>
+                  <a:pt x="1199" y="0"/>
+                  <a:pt x="1211" y="5"/>
+                  <a:pt x="1221" y="15"/>
+                </a:cubicBezTo>
+                <a:cubicBezTo>
+                  <a:pt x="1231" y="25"/>
+                  <a:pt x="1237" y="37"/>
+                  <a:pt x="1237" y="51"/>
+                </a:cubicBezTo>
+                <a:close/>
+              </a:path>
+            </a:pathLst>
+          </a:custGeom>
+          <a:solidFill>
+            <a:schemeClr val="accent2"/>
+          </a:solidFill>
+          <a:ln w="0">
+            <a:noFill/>
+            <a:prstDash val="solid"/>
+            <a:round/>
+            <a:headEnd/>
+            <a:tailEnd/>
+          </a:ln>
+        </p:spPr>
+        <p:txBody>
+          <a:bodyPr vert="horz" wrap="square" lIns="91440" tIns="45720" rIns="91440" bIns="45720" numCol="1" anchor="t" anchorCtr="0" compatLnSpc="1">
+            <a:prstTxWarp prst="textNoShape">
+              <a:avLst/>
+            </a:prstTxWarp>
+          </a:bodyPr>
+          <a:lstStyle/>
+          <a:p>
+            <a:endParaRPr lang="en-US" sz="1050">
+              <a:latin typeface="Arial" panose="020B0604020202020204" pitchFamily="34" charset="0"/>
+              <a:cs typeface="Arial" panose="020B0604020202020204" pitchFamily="34" charset="0"/>
+            </a:endParaRPr>
+          </a:p>
+        </p:txBody>
+      </p:sp>
+      <p:grpSp>
+        <p:nvGrpSpPr>
+          <p:cNvPr id="95" name="Group 94"/>
+          <p:cNvGrpSpPr/>
+          <p:nvPr/>
+        </p:nvGrpSpPr>
+        <p:grpSpPr>
+          <a:xfrm>
+            <a:off x="1133228" y="1564472"/>
+            <a:ext cx="202245" cy="200280"/>
+            <a:chOff x="1926998" y="1874121"/>
+            <a:chExt cx="202245" cy="200280"/>
+          </a:xfrm>
+        </p:grpSpPr>
+        <p:sp>
+          <p:nvSpPr>
+            <p:cNvPr id="89" name="Rectangle 88"/>
+            <p:cNvSpPr>
+              <a:spLocks noChangeAspect="1"/>
+            </p:cNvSpPr>
+            <p:nvPr/>
+          </p:nvSpPr>
+          <p:spPr>
+            <a:xfrm>
+              <a:off x="1926998" y="1874121"/>
+              <a:ext cx="202245" cy="200280"/>
+            </a:xfrm>
+            <a:prstGeom prst="rect">
+              <a:avLst/>
+            </a:prstGeom>
+            <a:solidFill>
+              <a:srgbClr val="C0504D"/>
+            </a:solidFill>
+            <a:ln>
+              <a:noFill/>
+            </a:ln>
+            <a:effectLst/>
+          </p:spPr>
+          <p:style>
+            <a:lnRef idx="1">
+              <a:schemeClr val="accent1"/>
+            </a:lnRef>
+            <a:fillRef idx="3">
+              <a:schemeClr val="accent1"/>
+            </a:fillRef>
+            <a:effectRef idx="2">
+              <a:schemeClr val="accent1"/>
+            </a:effectRef>
+            <a:fontRef idx="minor">
+              <a:schemeClr val="lt1"/>
+            </a:fontRef>
+          </p:style>
+          <p:txBody>
+            <a:bodyPr rtlCol="0" anchor="ctr"/>
+            <a:lstStyle/>
+            <a:p>
+              <a:pPr algn="ctr"/>
+              <a:endParaRPr lang="en-US"/>
+            </a:p>
+          </p:txBody>
+        </p:sp>
+        <p:sp>
+          <p:nvSpPr>
+            <p:cNvPr id="88" name="Link Icon"/>
+            <p:cNvSpPr>
+              <a:spLocks noChangeAspect="1" noEditPoints="1"/>
+            </p:cNvSpPr>
+            <p:nvPr/>
+          </p:nvSpPr>
+          <p:spPr bwMode="auto">
+            <a:xfrm>
+              <a:off x="1948715" y="1897944"/>
+              <a:ext cx="146255" cy="146255"/>
+            </a:xfrm>
+            <a:custGeom>
+              <a:avLst/>
+              <a:gdLst>
+                <a:gd name="T0" fmla="*/ 1137 w 1314"/>
+                <a:gd name="T1" fmla="*/ 911 h 1314"/>
+                <a:gd name="T2" fmla="*/ 914 w 1314"/>
+                <a:gd name="T3" fmla="*/ 721 h 1314"/>
+                <a:gd name="T4" fmla="*/ 872 w 1314"/>
+                <a:gd name="T5" fmla="*/ 762 h 1314"/>
+                <a:gd name="T6" fmla="*/ 901 w 1314"/>
+                <a:gd name="T7" fmla="*/ 795 h 1314"/>
+                <a:gd name="T8" fmla="*/ 914 w 1314"/>
+                <a:gd name="T9" fmla="*/ 837 h 1314"/>
+                <a:gd name="T10" fmla="*/ 837 w 1314"/>
+                <a:gd name="T11" fmla="*/ 915 h 1314"/>
+                <a:gd name="T12" fmla="*/ 794 w 1314"/>
+                <a:gd name="T13" fmla="*/ 901 h 1314"/>
+                <a:gd name="T14" fmla="*/ 762 w 1314"/>
+                <a:gd name="T15" fmla="*/ 872 h 1314"/>
+                <a:gd name="T16" fmla="*/ 720 w 1314"/>
+                <a:gd name="T17" fmla="*/ 915 h 1314"/>
+                <a:gd name="T18" fmla="*/ 909 w 1314"/>
+                <a:gd name="T19" fmla="*/ 1137 h 1314"/>
+                <a:gd name="T20" fmla="*/ 1018 w 1314"/>
+                <a:gd name="T21" fmla="*/ 1138 h 1314"/>
+                <a:gd name="T22" fmla="*/ 1159 w 1314"/>
+                <a:gd name="T23" fmla="*/ 966 h 1314"/>
+                <a:gd name="T24" fmla="*/ 571 w 1314"/>
+                <a:gd name="T25" fmla="*/ 344 h 1314"/>
+                <a:gd name="T26" fmla="*/ 350 w 1314"/>
+                <a:gd name="T27" fmla="*/ 155 h 1314"/>
+                <a:gd name="T28" fmla="*/ 177 w 1314"/>
+                <a:gd name="T29" fmla="*/ 294 h 1314"/>
+                <a:gd name="T30" fmla="*/ 177 w 1314"/>
+                <a:gd name="T31" fmla="*/ 403 h 1314"/>
+                <a:gd name="T32" fmla="*/ 399 w 1314"/>
+                <a:gd name="T33" fmla="*/ 592 h 1314"/>
+                <a:gd name="T34" fmla="*/ 442 w 1314"/>
+                <a:gd name="T35" fmla="*/ 552 h 1314"/>
+                <a:gd name="T36" fmla="*/ 412 w 1314"/>
+                <a:gd name="T37" fmla="*/ 519 h 1314"/>
+                <a:gd name="T38" fmla="*/ 399 w 1314"/>
+                <a:gd name="T39" fmla="*/ 477 h 1314"/>
+                <a:gd name="T40" fmla="*/ 476 w 1314"/>
+                <a:gd name="T41" fmla="*/ 399 h 1314"/>
+                <a:gd name="T42" fmla="*/ 519 w 1314"/>
+                <a:gd name="T43" fmla="*/ 413 h 1314"/>
+                <a:gd name="T44" fmla="*/ 552 w 1314"/>
+                <a:gd name="T45" fmla="*/ 442 h 1314"/>
+                <a:gd name="T46" fmla="*/ 593 w 1314"/>
+                <a:gd name="T47" fmla="*/ 399 h 1314"/>
+                <a:gd name="T48" fmla="*/ 1245 w 1314"/>
+                <a:gd name="T49" fmla="*/ 1130 h 1314"/>
+                <a:gd name="T50" fmla="*/ 964 w 1314"/>
+                <a:gd name="T51" fmla="*/ 1314 h 1314"/>
+                <a:gd name="T52" fmla="*/ 633 w 1314"/>
+                <a:gd name="T53" fmla="*/ 1079 h 1314"/>
+                <a:gd name="T54" fmla="*/ 637 w 1314"/>
+                <a:gd name="T55" fmla="*/ 747 h 1314"/>
+                <a:gd name="T56" fmla="*/ 399 w 1314"/>
+                <a:gd name="T57" fmla="*/ 747 h 1314"/>
+                <a:gd name="T58" fmla="*/ 68 w 1314"/>
+                <a:gd name="T59" fmla="*/ 512 h 1314"/>
+                <a:gd name="T60" fmla="*/ 68 w 1314"/>
+                <a:gd name="T61" fmla="*/ 184 h 1314"/>
+                <a:gd name="T62" fmla="*/ 350 w 1314"/>
+                <a:gd name="T63" fmla="*/ 0 h 1314"/>
+                <a:gd name="T64" fmla="*/ 680 w 1314"/>
+                <a:gd name="T65" fmla="*/ 235 h 1314"/>
+                <a:gd name="T66" fmla="*/ 676 w 1314"/>
+                <a:gd name="T67" fmla="*/ 567 h 1314"/>
+                <a:gd name="T68" fmla="*/ 914 w 1314"/>
+                <a:gd name="T69" fmla="*/ 567 h 1314"/>
+                <a:gd name="T70" fmla="*/ 1246 w 1314"/>
+                <a:gd name="T71" fmla="*/ 802 h 1314"/>
+              </a:gdLst>
+              <a:ahLst/>
+              <a:cxnLst>
+                <a:cxn ang="0">
+                  <a:pos x="T0" y="T1"/>
+                </a:cxn>
+                <a:cxn ang="0">
+                  <a:pos x="T2" y="T3"/>
+                </a:cxn>
+                <a:cxn ang="0">
+                  <a:pos x="T4" y="T5"/>
+                </a:cxn>
+                <a:cxn ang="0">
+                  <a:pos x="T6" y="T7"/>
+                </a:cxn>
+                <a:cxn ang="0">
+                  <a:pos x="T8" y="T9"/>
+                </a:cxn>
+                <a:cxn ang="0">
+                  <a:pos x="T10" y="T11"/>
+                </a:cxn>
+                <a:cxn ang="0">
+                  <a:pos x="T12" y="T13"/>
+                </a:cxn>
+                <a:cxn ang="0">
+                  <a:pos x="T14" y="T15"/>
+                </a:cxn>
+                <a:cxn ang="0">
+                  <a:pos x="T16" y="T17"/>
+                </a:cxn>
+                <a:cxn ang="0">
+                  <a:pos x="T18" y="T19"/>
+                </a:cxn>
+                <a:cxn ang="0">
+                  <a:pos x="T20" y="T21"/>
+                </a:cxn>
+                <a:cxn ang="0">
+                  <a:pos x="T22" y="T23"/>
+                </a:cxn>
+                <a:cxn ang="0">
+                  <a:pos x="T24" y="T25"/>
+                </a:cxn>
+                <a:cxn ang="0">
+                  <a:pos x="T26" y="T27"/>
+                </a:cxn>
+                <a:cxn ang="0">
+                  <a:pos x="T28" y="T29"/>
+                </a:cxn>
+                <a:cxn ang="0">
+                  <a:pos x="T30" y="T31"/>
+                </a:cxn>
+                <a:cxn ang="0">
+                  <a:pos x="T32" y="T33"/>
+                </a:cxn>
+                <a:cxn ang="0">
+                  <a:pos x="T34" y="T35"/>
+                </a:cxn>
+                <a:cxn ang="0">
+                  <a:pos x="T36" y="T37"/>
+                </a:cxn>
+                <a:cxn ang="0">
+                  <a:pos x="T38" y="T39"/>
+                </a:cxn>
+                <a:cxn ang="0">
+                  <a:pos x="T40" y="T41"/>
+                </a:cxn>
+                <a:cxn ang="0">
+                  <a:pos x="T42" y="T43"/>
+                </a:cxn>
+                <a:cxn ang="0">
+                  <a:pos x="T44" y="T45"/>
+                </a:cxn>
+                <a:cxn ang="0">
+                  <a:pos x="T46" y="T47"/>
+                </a:cxn>
+                <a:cxn ang="0">
+                  <a:pos x="T48" y="T49"/>
+                </a:cxn>
+                <a:cxn ang="0">
+                  <a:pos x="T50" y="T51"/>
+                </a:cxn>
+                <a:cxn ang="0">
+                  <a:pos x="T52" y="T53"/>
+                </a:cxn>
+                <a:cxn ang="0">
+                  <a:pos x="T54" y="T55"/>
+                </a:cxn>
+                <a:cxn ang="0">
+                  <a:pos x="T56" y="T57"/>
+                </a:cxn>
+                <a:cxn ang="0">
+                  <a:pos x="T58" y="T59"/>
+                </a:cxn>
+                <a:cxn ang="0">
+                  <a:pos x="T60" y="T61"/>
+                </a:cxn>
+                <a:cxn ang="0">
+                  <a:pos x="T62" y="T63"/>
+                </a:cxn>
+                <a:cxn ang="0">
+                  <a:pos x="T64" y="T65"/>
+                </a:cxn>
+                <a:cxn ang="0">
+                  <a:pos x="T66" y="T67"/>
+                </a:cxn>
+                <a:cxn ang="0">
+                  <a:pos x="T68" y="T69"/>
+                </a:cxn>
+                <a:cxn ang="0">
+                  <a:pos x="T70" y="T71"/>
+                </a:cxn>
+              </a:cxnLst>
+              <a:rect l="0" t="0" r="r" b="b"/>
+              <a:pathLst>
+                <a:path w="1314" h="1314">
+                  <a:moveTo>
+                    <a:pt x="1159" y="966"/>
+                  </a:moveTo>
+                  <a:cubicBezTo>
+                    <a:pt x="1159" y="945"/>
+                    <a:pt x="1152" y="926"/>
+                    <a:pt x="1137" y="911"/>
+                  </a:cubicBezTo>
+                  <a:lnTo>
+                    <a:pt x="969" y="744"/>
+                  </a:lnTo>
+                  <a:cubicBezTo>
+                    <a:pt x="954" y="729"/>
+                    <a:pt x="936" y="721"/>
+                    <a:pt x="914" y="721"/>
+                  </a:cubicBezTo>
+                  <a:cubicBezTo>
+                    <a:pt x="892" y="721"/>
+                    <a:pt x="873" y="730"/>
+                    <a:pt x="856" y="747"/>
+                  </a:cubicBezTo>
+                  <a:cubicBezTo>
+                    <a:pt x="858" y="749"/>
+                    <a:pt x="863" y="754"/>
+                    <a:pt x="872" y="762"/>
+                  </a:cubicBezTo>
+                  <a:cubicBezTo>
+                    <a:pt x="880" y="770"/>
+                    <a:pt x="886" y="776"/>
+                    <a:pt x="889" y="779"/>
+                  </a:cubicBezTo>
+                  <a:cubicBezTo>
+                    <a:pt x="892" y="783"/>
+                    <a:pt x="896" y="788"/>
+                    <a:pt x="901" y="795"/>
+                  </a:cubicBezTo>
+                  <a:cubicBezTo>
+                    <a:pt x="906" y="802"/>
+                    <a:pt x="910" y="808"/>
+                    <a:pt x="912" y="815"/>
+                  </a:cubicBezTo>
+                  <a:cubicBezTo>
+                    <a:pt x="914" y="822"/>
+                    <a:pt x="914" y="829"/>
+                    <a:pt x="914" y="837"/>
+                  </a:cubicBezTo>
+                  <a:cubicBezTo>
+                    <a:pt x="914" y="859"/>
+                    <a:pt x="907" y="877"/>
+                    <a:pt x="892" y="892"/>
+                  </a:cubicBezTo>
+                  <a:cubicBezTo>
+                    <a:pt x="877" y="907"/>
+                    <a:pt x="859" y="915"/>
+                    <a:pt x="837" y="915"/>
+                  </a:cubicBezTo>
+                  <a:cubicBezTo>
+                    <a:pt x="829" y="915"/>
+                    <a:pt x="822" y="914"/>
+                    <a:pt x="815" y="912"/>
+                  </a:cubicBezTo>
+                  <a:cubicBezTo>
+                    <a:pt x="808" y="910"/>
+                    <a:pt x="801" y="906"/>
+                    <a:pt x="794" y="901"/>
+                  </a:cubicBezTo>
+                  <a:cubicBezTo>
+                    <a:pt x="788" y="896"/>
+                    <a:pt x="782" y="892"/>
+                    <a:pt x="779" y="889"/>
+                  </a:cubicBezTo>
+                  <a:cubicBezTo>
+                    <a:pt x="776" y="886"/>
+                    <a:pt x="770" y="881"/>
+                    <a:pt x="762" y="872"/>
+                  </a:cubicBezTo>
+                  <a:cubicBezTo>
+                    <a:pt x="754" y="863"/>
+                    <a:pt x="749" y="858"/>
+                    <a:pt x="747" y="857"/>
+                  </a:cubicBezTo>
+                  <a:cubicBezTo>
+                    <a:pt x="729" y="873"/>
+                    <a:pt x="720" y="893"/>
+                    <a:pt x="720" y="915"/>
+                  </a:cubicBezTo>
+                  <a:cubicBezTo>
+                    <a:pt x="720" y="937"/>
+                    <a:pt x="728" y="955"/>
+                    <a:pt x="743" y="970"/>
+                  </a:cubicBezTo>
+                  <a:lnTo>
+                    <a:pt x="909" y="1137"/>
+                  </a:lnTo>
+                  <a:cubicBezTo>
+                    <a:pt x="923" y="1151"/>
+                    <a:pt x="942" y="1159"/>
+                    <a:pt x="964" y="1159"/>
+                  </a:cubicBezTo>
+                  <a:cubicBezTo>
+                    <a:pt x="985" y="1159"/>
+                    <a:pt x="1003" y="1152"/>
+                    <a:pt x="1018" y="1138"/>
+                  </a:cubicBezTo>
+                  <a:lnTo>
+                    <a:pt x="1137" y="1020"/>
+                  </a:lnTo>
+                  <a:cubicBezTo>
+                    <a:pt x="1152" y="1005"/>
+                    <a:pt x="1159" y="987"/>
+                    <a:pt x="1159" y="966"/>
+                  </a:cubicBezTo>
+                  <a:close/>
+                  <a:moveTo>
+                    <a:pt x="593" y="399"/>
+                  </a:moveTo>
+                  <a:cubicBezTo>
+                    <a:pt x="593" y="377"/>
+                    <a:pt x="586" y="359"/>
+                    <a:pt x="571" y="344"/>
+                  </a:cubicBezTo>
+                  <a:lnTo>
+                    <a:pt x="405" y="177"/>
+                  </a:lnTo>
+                  <a:cubicBezTo>
+                    <a:pt x="390" y="162"/>
+                    <a:pt x="372" y="155"/>
+                    <a:pt x="350" y="155"/>
+                  </a:cubicBezTo>
+                  <a:cubicBezTo>
+                    <a:pt x="329" y="155"/>
+                    <a:pt x="311" y="162"/>
+                    <a:pt x="295" y="176"/>
+                  </a:cubicBezTo>
+                  <a:lnTo>
+                    <a:pt x="177" y="294"/>
+                  </a:lnTo>
+                  <a:cubicBezTo>
+                    <a:pt x="162" y="309"/>
+                    <a:pt x="154" y="327"/>
+                    <a:pt x="154" y="348"/>
+                  </a:cubicBezTo>
+                  <a:cubicBezTo>
+                    <a:pt x="154" y="369"/>
+                    <a:pt x="162" y="388"/>
+                    <a:pt x="177" y="403"/>
+                  </a:cubicBezTo>
+                  <a:lnTo>
+                    <a:pt x="344" y="570"/>
+                  </a:lnTo>
+                  <a:cubicBezTo>
+                    <a:pt x="359" y="585"/>
+                    <a:pt x="377" y="592"/>
+                    <a:pt x="399" y="592"/>
+                  </a:cubicBezTo>
+                  <a:cubicBezTo>
+                    <a:pt x="422" y="592"/>
+                    <a:pt x="441" y="583"/>
+                    <a:pt x="457" y="567"/>
+                  </a:cubicBezTo>
+                  <a:cubicBezTo>
+                    <a:pt x="455" y="565"/>
+                    <a:pt x="450" y="560"/>
+                    <a:pt x="442" y="552"/>
+                  </a:cubicBezTo>
+                  <a:cubicBezTo>
+                    <a:pt x="433" y="544"/>
+                    <a:pt x="428" y="538"/>
+                    <a:pt x="425" y="535"/>
+                  </a:cubicBezTo>
+                  <a:cubicBezTo>
+                    <a:pt x="422" y="531"/>
+                    <a:pt x="418" y="526"/>
+                    <a:pt x="412" y="519"/>
+                  </a:cubicBezTo>
+                  <a:cubicBezTo>
+                    <a:pt x="407" y="512"/>
+                    <a:pt x="404" y="506"/>
+                    <a:pt x="402" y="499"/>
+                  </a:cubicBezTo>
+                  <a:cubicBezTo>
+                    <a:pt x="400" y="492"/>
+                    <a:pt x="399" y="485"/>
+                    <a:pt x="399" y="477"/>
+                  </a:cubicBezTo>
+                  <a:cubicBezTo>
+                    <a:pt x="399" y="455"/>
+                    <a:pt x="407" y="437"/>
+                    <a:pt x="422" y="422"/>
+                  </a:cubicBezTo>
+                  <a:cubicBezTo>
+                    <a:pt x="437" y="407"/>
+                    <a:pt x="455" y="399"/>
+                    <a:pt x="476" y="399"/>
+                  </a:cubicBezTo>
+                  <a:cubicBezTo>
+                    <a:pt x="485" y="399"/>
+                    <a:pt x="492" y="400"/>
+                    <a:pt x="499" y="402"/>
+                  </a:cubicBezTo>
+                  <a:cubicBezTo>
+                    <a:pt x="505" y="404"/>
+                    <a:pt x="512" y="408"/>
+                    <a:pt x="519" y="413"/>
+                  </a:cubicBezTo>
+                  <a:cubicBezTo>
+                    <a:pt x="526" y="418"/>
+                    <a:pt x="531" y="422"/>
+                    <a:pt x="534" y="425"/>
+                  </a:cubicBezTo>
+                  <a:cubicBezTo>
+                    <a:pt x="538" y="428"/>
+                    <a:pt x="543" y="433"/>
+                    <a:pt x="552" y="442"/>
+                  </a:cubicBezTo>
+                  <a:cubicBezTo>
+                    <a:pt x="560" y="451"/>
+                    <a:pt x="565" y="456"/>
+                    <a:pt x="567" y="457"/>
+                  </a:cubicBezTo>
+                  <a:cubicBezTo>
+                    <a:pt x="584" y="441"/>
+                    <a:pt x="593" y="421"/>
+                    <a:pt x="593" y="399"/>
+                  </a:cubicBezTo>
+                  <a:close/>
+                  <a:moveTo>
+                    <a:pt x="1314" y="966"/>
+                  </a:moveTo>
+                  <a:cubicBezTo>
+                    <a:pt x="1314" y="1031"/>
+                    <a:pt x="1291" y="1085"/>
+                    <a:pt x="1245" y="1130"/>
+                  </a:cubicBezTo>
+                  <a:lnTo>
+                    <a:pt x="1127" y="1247"/>
+                  </a:lnTo>
+                  <a:cubicBezTo>
+                    <a:pt x="1082" y="1292"/>
+                    <a:pt x="1028" y="1314"/>
+                    <a:pt x="964" y="1314"/>
+                  </a:cubicBezTo>
+                  <a:cubicBezTo>
+                    <a:pt x="899" y="1314"/>
+                    <a:pt x="844" y="1291"/>
+                    <a:pt x="799" y="1246"/>
+                  </a:cubicBezTo>
+                  <a:lnTo>
+                    <a:pt x="633" y="1079"/>
+                  </a:lnTo>
+                  <a:cubicBezTo>
+                    <a:pt x="589" y="1034"/>
+                    <a:pt x="567" y="980"/>
+                    <a:pt x="567" y="915"/>
+                  </a:cubicBezTo>
+                  <a:cubicBezTo>
+                    <a:pt x="567" y="849"/>
+                    <a:pt x="590" y="793"/>
+                    <a:pt x="637" y="747"/>
+                  </a:cubicBezTo>
+                  <a:lnTo>
+                    <a:pt x="567" y="676"/>
+                  </a:lnTo>
+                  <a:cubicBezTo>
+                    <a:pt x="521" y="724"/>
+                    <a:pt x="465" y="747"/>
+                    <a:pt x="399" y="747"/>
+                  </a:cubicBezTo>
+                  <a:cubicBezTo>
+                    <a:pt x="335" y="747"/>
+                    <a:pt x="280" y="725"/>
+                    <a:pt x="235" y="680"/>
+                  </a:cubicBezTo>
+                  <a:lnTo>
+                    <a:pt x="68" y="512"/>
+                  </a:lnTo>
+                  <a:cubicBezTo>
+                    <a:pt x="22" y="467"/>
+                    <a:pt x="0" y="412"/>
+                    <a:pt x="0" y="348"/>
+                  </a:cubicBezTo>
+                  <a:cubicBezTo>
+                    <a:pt x="0" y="283"/>
+                    <a:pt x="23" y="229"/>
+                    <a:pt x="68" y="184"/>
+                  </a:cubicBezTo>
+                  <a:lnTo>
+                    <a:pt x="187" y="67"/>
+                  </a:lnTo>
+                  <a:cubicBezTo>
+                    <a:pt x="231" y="22"/>
+                    <a:pt x="286" y="0"/>
+                    <a:pt x="350" y="0"/>
+                  </a:cubicBezTo>
+                  <a:cubicBezTo>
+                    <a:pt x="415" y="0"/>
+                    <a:pt x="470" y="23"/>
+                    <a:pt x="514" y="68"/>
+                  </a:cubicBezTo>
+                  <a:lnTo>
+                    <a:pt x="680" y="235"/>
+                  </a:lnTo>
+                  <a:cubicBezTo>
+                    <a:pt x="725" y="280"/>
+                    <a:pt x="747" y="334"/>
+                    <a:pt x="747" y="399"/>
+                  </a:cubicBezTo>
+                  <a:cubicBezTo>
+                    <a:pt x="747" y="465"/>
+                    <a:pt x="723" y="521"/>
+                    <a:pt x="676" y="567"/>
+                  </a:cubicBezTo>
+                  <a:lnTo>
+                    <a:pt x="747" y="638"/>
+                  </a:lnTo>
+                  <a:cubicBezTo>
+                    <a:pt x="793" y="590"/>
+                    <a:pt x="849" y="567"/>
+                    <a:pt x="914" y="567"/>
+                  </a:cubicBezTo>
+                  <a:cubicBezTo>
+                    <a:pt x="979" y="567"/>
+                    <a:pt x="1034" y="589"/>
+                    <a:pt x="1079" y="634"/>
+                  </a:cubicBezTo>
+                  <a:lnTo>
+                    <a:pt x="1246" y="802"/>
+                  </a:lnTo>
+                  <a:cubicBezTo>
+                    <a:pt x="1291" y="847"/>
+                    <a:pt x="1314" y="902"/>
+                    <a:pt x="1314" y="966"/>
+                  </a:cubicBezTo>
+                  <a:close/>
+                </a:path>
+              </a:pathLst>
+            </a:custGeom>
+            <a:solidFill>
+              <a:schemeClr val="bg1"/>
+            </a:solidFill>
+            <a:ln w="0">
+              <a:noFill/>
+              <a:prstDash val="solid"/>
+              <a:round/>
+              <a:headEnd/>
+              <a:tailEnd/>
+            </a:ln>
+          </p:spPr>
+          <p:txBody>
+            <a:bodyPr vert="horz" wrap="square" lIns="91440" tIns="45720" rIns="91440" bIns="45720" numCol="1" anchor="t" anchorCtr="0" compatLnSpc="1">
+              <a:prstTxWarp prst="textNoShape">
+                <a:avLst/>
+              </a:prstTxWarp>
+            </a:bodyPr>
+            <a:lstStyle/>
+            <a:p>
+              <a:endParaRPr lang="en-US" sz="1050">
+                <a:latin typeface="Arial" panose="020B0604020202020204" pitchFamily="34" charset="0"/>
+                <a:cs typeface="Arial" panose="020B0604020202020204" pitchFamily="34" charset="0"/>
+              </a:endParaRPr>
+            </a:p>
+          </p:txBody>
+        </p:sp>
+      </p:grpSp>
+      <p:sp>
+        <p:nvSpPr>
+          <p:cNvPr id="96" name="Rectangle 95"/>
           <p:cNvSpPr/>
           <p:nvPr/>
         </p:nvSpPr>
         <p:spPr>
           <a:xfrm>
-            <a:off x="0" y="627128"/>
-            <a:ext cx="720000" cy="185671"/>
+            <a:off x="1404734" y="1039669"/>
+            <a:ext cx="2113165" cy="200280"/>
           </a:xfrm>
           <a:prstGeom prst="rect">
             <a:avLst/>
           </a:prstGeom>
           <a:solidFill>
-            <a:srgbClr val="EC0000"/>
+            <a:schemeClr val="accent2">
+              <a:lumMod val="40000"/>
+              <a:lumOff val="60000"/>
+            </a:schemeClr>
           </a:solidFill>
           <a:ln>
-            <a:solidFill>
-              <a:schemeClr val="tx1"/>
-            </a:solidFill>
+            <a:noFill/>
           </a:ln>
           <a:effectLst/>
         </p:spPr>
@@ -4458,47 +9855,51 @@
           </a:fontRef>
         </p:style>
         <p:txBody>
-          <a:bodyPr lIns="0" rIns="0" rtlCol="0" anchor="b"/>
+          <a:bodyPr lIns="36000" rIns="36000" rtlCol="0" anchor="b"/>
           <a:lstStyle/>
           <a:p>
-            <a:pPr algn="ctr"/>
             <a:r>
               <a:rPr lang="en-US" sz="900" dirty="0" smtClean="0">
                 <a:solidFill>
-                  <a:schemeClr val="bg1"/>
+                  <a:schemeClr val="accent2"/>
                 </a:solidFill>
+                <a:latin typeface="Century Gothic"/>
+                <a:cs typeface="Century Gothic"/>
               </a:rPr>
-              <a:t>Home</a:t>
+              <a:t>01234 567 890</a:t>
             </a:r>
             <a:endParaRPr lang="en-US" sz="900" dirty="0">
               <a:solidFill>
-                <a:schemeClr val="bg1"/>
+                <a:schemeClr val="accent2"/>
               </a:solidFill>
+              <a:latin typeface="Century Gothic"/>
+              <a:cs typeface="Century Gothic"/>
             </a:endParaRPr>
           </a:p>
         </p:txBody>
       </p:sp>
       <p:sp>
         <p:nvSpPr>
-          <p:cNvPr id="13" name="Rectangle 12"/>
+          <p:cNvPr id="98" name="Rectangle 97"/>
           <p:cNvSpPr/>
           <p:nvPr/>
         </p:nvSpPr>
         <p:spPr>
           <a:xfrm>
-            <a:off x="720000" y="627128"/>
-            <a:ext cx="720000" cy="185671"/>
+            <a:off x="1404734" y="1304781"/>
+            <a:ext cx="2113165" cy="200280"/>
           </a:xfrm>
           <a:prstGeom prst="rect">
             <a:avLst/>
           </a:prstGeom>
           <a:solidFill>
-            <a:srgbClr val="EC0000"/>
+            <a:schemeClr val="accent2">
+              <a:lumMod val="40000"/>
+              <a:lumOff val="60000"/>
+            </a:schemeClr>
           </a:solidFill>
           <a:ln>
-            <a:solidFill>
-              <a:schemeClr val="tx1"/>
-            </a:solidFill>
+            <a:noFill/>
           </a:ln>
           <a:effectLst/>
         </p:spPr>
@@ -4517,47 +9918,51 @@
           </a:fontRef>
         </p:style>
         <p:txBody>
-          <a:bodyPr lIns="0" rIns="0" rtlCol="0" anchor="b"/>
+          <a:bodyPr lIns="36000" rIns="36000" rtlCol="0" anchor="b"/>
           <a:lstStyle/>
           <a:p>
-            <a:pPr algn="ctr"/>
-            <a:r>
-              <a:rPr lang="en-US" sz="900" dirty="0" smtClean="0">
+            <a:r>
+              <a:rPr lang="en-US" sz="900" dirty="0" err="1" smtClean="0">
                 <a:solidFill>
-                  <a:schemeClr val="bg1"/>
+                  <a:schemeClr val="accent2"/>
                 </a:solidFill>
+                <a:latin typeface="Century Gothic"/>
+                <a:cs typeface="Century Gothic"/>
               </a:rPr>
-              <a:t>Chambers</a:t>
+              <a:t>xxxxxx.yyyyy@sdfsadad.co.uk</a:t>
             </a:r>
             <a:endParaRPr lang="en-US" sz="900" dirty="0">
               <a:solidFill>
-                <a:schemeClr val="bg1"/>
+                <a:schemeClr val="accent2"/>
               </a:solidFill>
+              <a:latin typeface="Century Gothic"/>
+              <a:cs typeface="Century Gothic"/>
             </a:endParaRPr>
           </a:p>
         </p:txBody>
       </p:sp>
       <p:sp>
         <p:nvSpPr>
-          <p:cNvPr id="14" name="Rectangle 13"/>
+          <p:cNvPr id="99" name="Rectangle 98"/>
           <p:cNvSpPr/>
           <p:nvPr/>
         </p:nvSpPr>
         <p:spPr>
           <a:xfrm>
-            <a:off x="1440000" y="627128"/>
-            <a:ext cx="720000" cy="185671"/>
+            <a:off x="1404734" y="1564472"/>
+            <a:ext cx="2113165" cy="200280"/>
           </a:xfrm>
           <a:prstGeom prst="rect">
             <a:avLst/>
           </a:prstGeom>
           <a:solidFill>
-            <a:srgbClr val="EC0000"/>
+            <a:schemeClr val="accent2">
+              <a:lumMod val="40000"/>
+              <a:lumOff val="60000"/>
+            </a:schemeClr>
           </a:solidFill>
           <a:ln>
-            <a:solidFill>
-              <a:schemeClr val="tx1"/>
-            </a:solidFill>
+            <a:noFill/>
           </a:ln>
           <a:effectLst/>
         </p:spPr>
@@ -4576,47 +9981,51 @@
           </a:fontRef>
         </p:style>
         <p:txBody>
-          <a:bodyPr lIns="0" rIns="0" rtlCol="0" anchor="b"/>
+          <a:bodyPr lIns="36000" rIns="36000" rtlCol="0" anchor="b"/>
           <a:lstStyle/>
           <a:p>
-            <a:pPr algn="ctr"/>
-            <a:r>
-              <a:rPr lang="en-US" sz="900" dirty="0" smtClean="0">
+            <a:r>
+              <a:rPr lang="en-US" sz="900" dirty="0" err="1" smtClean="0">
                 <a:solidFill>
-                  <a:schemeClr val="bg1"/>
+                  <a:schemeClr val="accent2"/>
                 </a:solidFill>
+                <a:latin typeface="Century Gothic"/>
+                <a:cs typeface="Century Gothic"/>
               </a:rPr>
-              <a:t>Mistresses</a:t>
+              <a:t>www.xxxxx.yyy.com</a:t>
             </a:r>
             <a:endParaRPr lang="en-US" sz="900" dirty="0">
               <a:solidFill>
-                <a:schemeClr val="bg1"/>
+                <a:schemeClr val="accent2"/>
               </a:solidFill>
+              <a:latin typeface="Century Gothic"/>
+              <a:cs typeface="Century Gothic"/>
             </a:endParaRPr>
           </a:p>
         </p:txBody>
       </p:sp>
       <p:sp>
         <p:nvSpPr>
-          <p:cNvPr id="15" name="Rectangle 14"/>
+          <p:cNvPr id="100" name="Rectangle 99"/>
           <p:cNvSpPr/>
           <p:nvPr/>
         </p:nvSpPr>
         <p:spPr>
           <a:xfrm>
-            <a:off x="2160000" y="627128"/>
-            <a:ext cx="720000" cy="185671"/>
+            <a:off x="1404734" y="1824163"/>
+            <a:ext cx="2113165" cy="200280"/>
           </a:xfrm>
           <a:prstGeom prst="rect">
             <a:avLst/>
           </a:prstGeom>
           <a:solidFill>
-            <a:srgbClr val="EC0000"/>
+            <a:schemeClr val="accent2">
+              <a:lumMod val="40000"/>
+              <a:lumOff val="60000"/>
+            </a:schemeClr>
           </a:solidFill>
           <a:ln>
-            <a:solidFill>
-              <a:schemeClr val="tx1"/>
-            </a:solidFill>
+            <a:noFill/>
           </a:ln>
           <a:effectLst/>
         </p:spPr>
@@ -4635,47 +10044,56 @@
           </a:fontRef>
         </p:style>
         <p:txBody>
-          <a:bodyPr lIns="0" rIns="0" rtlCol="0" anchor="b"/>
+          <a:bodyPr lIns="36000" rIns="36000" rtlCol="0" anchor="b"/>
           <a:lstStyle/>
           <a:p>
-            <a:pPr algn="ctr"/>
             <a:r>
               <a:rPr lang="en-US" sz="900" dirty="0" smtClean="0">
                 <a:solidFill>
-                  <a:schemeClr val="bg1"/>
+                  <a:schemeClr val="accent2"/>
                 </a:solidFill>
+                <a:latin typeface="Century Gothic"/>
+                <a:cs typeface="Century Gothic"/>
               </a:rPr>
-              <a:t>Testimonials</a:t>
+              <a:t>@</a:t>
+            </a:r>
+            <a:r>
+              <a:rPr lang="en-US" sz="900" dirty="0" err="1" smtClean="0">
+                <a:solidFill>
+                  <a:schemeClr val="accent2"/>
+                </a:solidFill>
+                <a:latin typeface="Century Gothic"/>
+                <a:cs typeface="Century Gothic"/>
+              </a:rPr>
+              <a:t>xxxxxxyyyyyy</a:t>
             </a:r>
             <a:endParaRPr lang="en-US" sz="900" dirty="0">
               <a:solidFill>
-                <a:schemeClr val="bg1"/>
+                <a:schemeClr val="accent2"/>
               </a:solidFill>
+              <a:latin typeface="Century Gothic"/>
+              <a:cs typeface="Century Gothic"/>
             </a:endParaRPr>
           </a:p>
         </p:txBody>
       </p:sp>
       <p:sp>
         <p:nvSpPr>
-          <p:cNvPr id="16" name="Rectangle 15"/>
+          <p:cNvPr id="101" name="Rectangle 100"/>
           <p:cNvSpPr/>
           <p:nvPr/>
         </p:nvSpPr>
         <p:spPr>
           <a:xfrm>
-            <a:off x="2880000" y="627128"/>
-            <a:ext cx="720000" cy="185671"/>
+            <a:off x="26877" y="2069146"/>
+            <a:ext cx="3491022" cy="2331404"/>
           </a:xfrm>
           <a:prstGeom prst="rect">
             <a:avLst/>
           </a:prstGeom>
-          <a:solidFill>
-            <a:srgbClr val="EC0000"/>
-          </a:solidFill>
+          <a:noFill/>
           <a:ln>
-            <a:solidFill>
-              <a:schemeClr val="tx1"/>
-            </a:solidFill>
+            <a:noFill/>
           </a:ln>
           <a:effectLst/>
         </p:spPr>
@@ -4694,47 +10112,316 @@
           </a:fontRef>
         </p:style>
         <p:txBody>
-          <a:bodyPr lIns="0" rIns="0" rtlCol="0" anchor="b"/>
+          <a:bodyPr lIns="36000" rIns="36000" rtlCol="0" anchor="t"/>
           <a:lstStyle/>
           <a:p>
-            <a:pPr algn="ctr"/>
+            <a:pPr>
+              <a:lnSpc>
+                <a:spcPct val="120000"/>
+              </a:lnSpc>
+            </a:pPr>
             <a:r>
               <a:rPr lang="en-US" sz="900" dirty="0" smtClean="0">
                 <a:solidFill>
-                  <a:schemeClr val="bg1"/>
+                  <a:srgbClr val="000000"/>
                 </a:solidFill>
+                <a:latin typeface="Century Gothic"/>
+                <a:cs typeface="Century Gothic"/>
               </a:rPr>
-              <a:t>Links</a:t>
+              <a:t>I am a stunning lifestyle Mistress / </a:t>
+            </a:r>
+            <a:r>
+              <a:rPr lang="en-US" sz="900" dirty="0" err="1" smtClean="0">
+                <a:solidFill>
+                  <a:srgbClr val="000000"/>
+                </a:solidFill>
+                <a:latin typeface="Century Gothic"/>
+                <a:cs typeface="Century Gothic"/>
+              </a:rPr>
+              <a:t>Domme</a:t>
+            </a:r>
+            <a:r>
+              <a:rPr lang="en-US" sz="900" dirty="0" smtClean="0">
+                <a:solidFill>
+                  <a:srgbClr val="000000"/>
+                </a:solidFill>
+                <a:latin typeface="Century Gothic"/>
+                <a:cs typeface="Century Gothic"/>
+              </a:rPr>
+              <a:t> based in South Manchester. I describe Myself best as a sensual sadist offering every BDSM fantasy from the mild to the wild but always operating within a safe and consensual conditions.</a:t>
+            </a:r>
+          </a:p>
+          <a:p>
+            <a:pPr>
+              <a:lnSpc>
+                <a:spcPct val="120000"/>
+              </a:lnSpc>
+            </a:pPr>
+            <a:r>
+              <a:rPr lang="en-US" sz="900" i="1" dirty="0" smtClean="0">
+                <a:solidFill>
+                  <a:srgbClr val="000000"/>
+                </a:solidFill>
+                <a:latin typeface="Century Gothic"/>
+                <a:cs typeface="Century Gothic"/>
+              </a:rPr>
+              <a:t>I have that broken glass feeling, a scratching inside of my veins, my blood even hurts and She can tear me to shreds</a:t>
             </a:r>
             <a:endParaRPr lang="en-US" sz="900" dirty="0">
               <a:solidFill>
-                <a:schemeClr val="bg1"/>
+                <a:schemeClr val="accent2"/>
               </a:solidFill>
+              <a:latin typeface="Century Gothic"/>
+              <a:cs typeface="Century Gothic"/>
             </a:endParaRPr>
+          </a:p>
+        </p:txBody>
+      </p:sp>
+    </p:spTree>
+    <p:extLst>
+      <p:ext uri="{BB962C8B-B14F-4D97-AF65-F5344CB8AC3E}">
+        <p14:creationId xmlns:p14="http://schemas.microsoft.com/office/powerpoint/2010/main" val="3547356119"/>
+      </p:ext>
+    </p:extLst>
+  </p:cSld>
+  <p:clrMapOvr>
+    <a:masterClrMapping/>
+  </p:clrMapOvr>
+</p:sld>
+</file>
+
+<file path=ppt/slides/slide3.xml><?xml version="1.0" encoding="utf-8"?>
+<p:sld xmlns:a="http://schemas.openxmlformats.org/drawingml/2006/main" xmlns:r="http://schemas.openxmlformats.org/officeDocument/2006/relationships" xmlns:p="http://schemas.openxmlformats.org/presentationml/2006/main">
+  <p:cSld>
+    <p:spTree>
+      <p:nvGrpSpPr>
+        <p:cNvPr id="1" name=""/>
+        <p:cNvGrpSpPr/>
+        <p:nvPr/>
+      </p:nvGrpSpPr>
+      <p:grpSpPr>
+        <a:xfrm>
+          <a:off x="0" y="0"/>
+          <a:ext cx="0" cy="0"/>
+          <a:chOff x="0" y="0"/>
+          <a:chExt cx="0" cy="0"/>
+        </a:xfrm>
+      </p:grpSpPr>
+      <p:sp>
+        <p:nvSpPr>
+          <p:cNvPr id="2" name="Title 1"/>
+          <p:cNvSpPr>
+            <a:spLocks noGrp="1"/>
+          </p:cNvSpPr>
+          <p:nvPr>
+            <p:ph type="title"/>
+          </p:nvPr>
+        </p:nvSpPr>
+        <p:spPr/>
+        <p:txBody>
+          <a:bodyPr/>
+          <a:lstStyle/>
+          <a:p>
+            <a:endParaRPr lang="en-US"/>
           </a:p>
         </p:txBody>
       </p:sp>
       <p:sp>
         <p:nvSpPr>
-          <p:cNvPr id="17" name="Rectangle 16"/>
-          <p:cNvSpPr/>
+          <p:cNvPr id="3" name="Content Placeholder 2"/>
+          <p:cNvSpPr>
+            <a:spLocks noGrp="1"/>
+          </p:cNvSpPr>
+          <p:nvPr>
+            <p:ph idx="1"/>
+          </p:nvPr>
+        </p:nvSpPr>
+        <p:spPr/>
+        <p:txBody>
+          <a:bodyPr/>
+          <a:lstStyle/>
+          <a:p>
+            <a:endParaRPr lang="en-US" dirty="0"/>
+          </a:p>
+        </p:txBody>
+      </p:sp>
+      <p:grpSp>
+        <p:nvGrpSpPr>
+          <p:cNvPr id="4" name="Group 3"/>
+          <p:cNvGrpSpPr/>
+          <p:nvPr/>
+        </p:nvGrpSpPr>
+        <p:grpSpPr>
+          <a:xfrm>
+            <a:off x="892175" y="2038349"/>
+            <a:ext cx="1082675" cy="650875"/>
+            <a:chOff x="892175" y="2038349"/>
+            <a:chExt cx="1082675" cy="650875"/>
+          </a:xfrm>
+        </p:grpSpPr>
+        <p:sp>
+          <p:nvSpPr>
+            <p:cNvPr id="5" name="Rectangle 4"/>
+            <p:cNvSpPr/>
+            <p:nvPr/>
+          </p:nvSpPr>
+          <p:spPr>
+            <a:xfrm>
+              <a:off x="892175" y="2038349"/>
+              <a:ext cx="1082675" cy="130175"/>
+            </a:xfrm>
+            <a:prstGeom prst="rect">
+              <a:avLst/>
+            </a:prstGeom>
+            <a:solidFill>
+              <a:schemeClr val="accent2"/>
+            </a:solidFill>
+            <a:ln>
+              <a:solidFill>
+                <a:schemeClr val="accent2"/>
+              </a:solidFill>
+            </a:ln>
+            <a:effectLst/>
+          </p:spPr>
+          <p:style>
+            <a:lnRef idx="1">
+              <a:schemeClr val="accent1"/>
+            </a:lnRef>
+            <a:fillRef idx="3">
+              <a:schemeClr val="accent1"/>
+            </a:fillRef>
+            <a:effectRef idx="2">
+              <a:schemeClr val="accent1"/>
+            </a:effectRef>
+            <a:fontRef idx="minor">
+              <a:schemeClr val="lt1"/>
+            </a:fontRef>
+          </p:style>
+          <p:txBody>
+            <a:bodyPr rtlCol="0" anchor="ctr"/>
+            <a:lstStyle/>
+            <a:p>
+              <a:pPr algn="ctr"/>
+              <a:endParaRPr lang="en-US"/>
+            </a:p>
+          </p:txBody>
+        </p:sp>
+        <p:sp>
+          <p:nvSpPr>
+            <p:cNvPr id="6" name="Rectangle 5"/>
+            <p:cNvSpPr/>
+            <p:nvPr/>
+          </p:nvSpPr>
+          <p:spPr>
+            <a:xfrm>
+              <a:off x="892175" y="2298699"/>
+              <a:ext cx="1082675" cy="130175"/>
+            </a:xfrm>
+            <a:prstGeom prst="rect">
+              <a:avLst/>
+            </a:prstGeom>
+            <a:solidFill>
+              <a:schemeClr val="accent2"/>
+            </a:solidFill>
+            <a:ln>
+              <a:solidFill>
+                <a:schemeClr val="accent2"/>
+              </a:solidFill>
+            </a:ln>
+            <a:effectLst/>
+          </p:spPr>
+          <p:style>
+            <a:lnRef idx="1">
+              <a:schemeClr val="accent1"/>
+            </a:lnRef>
+            <a:fillRef idx="3">
+              <a:schemeClr val="accent1"/>
+            </a:fillRef>
+            <a:effectRef idx="2">
+              <a:schemeClr val="accent1"/>
+            </a:effectRef>
+            <a:fontRef idx="minor">
+              <a:schemeClr val="lt1"/>
+            </a:fontRef>
+          </p:style>
+          <p:txBody>
+            <a:bodyPr rtlCol="0" anchor="ctr"/>
+            <a:lstStyle/>
+            <a:p>
+              <a:pPr algn="ctr"/>
+              <a:endParaRPr lang="en-US"/>
+            </a:p>
+          </p:txBody>
+        </p:sp>
+        <p:sp>
+          <p:nvSpPr>
+            <p:cNvPr id="7" name="Rectangle 6"/>
+            <p:cNvSpPr/>
+            <p:nvPr/>
+          </p:nvSpPr>
+          <p:spPr>
+            <a:xfrm>
+              <a:off x="892175" y="2559049"/>
+              <a:ext cx="1082675" cy="130175"/>
+            </a:xfrm>
+            <a:prstGeom prst="rect">
+              <a:avLst/>
+            </a:prstGeom>
+            <a:solidFill>
+              <a:schemeClr val="accent2"/>
+            </a:solidFill>
+            <a:ln>
+              <a:solidFill>
+                <a:schemeClr val="accent2"/>
+              </a:solidFill>
+            </a:ln>
+            <a:effectLst/>
+          </p:spPr>
+          <p:style>
+            <a:lnRef idx="1">
+              <a:schemeClr val="accent1"/>
+            </a:lnRef>
+            <a:fillRef idx="3">
+              <a:schemeClr val="accent1"/>
+            </a:fillRef>
+            <a:effectRef idx="2">
+              <a:schemeClr val="accent1"/>
+            </a:effectRef>
+            <a:fontRef idx="minor">
+              <a:schemeClr val="lt1"/>
+            </a:fontRef>
+          </p:style>
+          <p:txBody>
+            <a:bodyPr rtlCol="0" anchor="ctr"/>
+            <a:lstStyle/>
+            <a:p>
+              <a:pPr algn="ctr"/>
+              <a:endParaRPr lang="en-US"/>
+            </a:p>
+          </p:txBody>
+        </p:sp>
+      </p:grpSp>
+      <p:sp>
+        <p:nvSpPr>
+          <p:cNvPr id="8" name="Rectangle 7"/>
+          <p:cNvSpPr>
+            <a:spLocks noChangeAspect="1"/>
+          </p:cNvSpPr>
           <p:nvPr/>
         </p:nvSpPr>
         <p:spPr>
           <a:xfrm>
-            <a:off x="0" y="812799"/>
-            <a:ext cx="3602038" cy="185671"/>
+            <a:off x="2358798" y="2013889"/>
+            <a:ext cx="202245" cy="200280"/>
           </a:xfrm>
           <a:prstGeom prst="rect">
             <a:avLst/>
           </a:prstGeom>
           <a:solidFill>
-            <a:schemeClr val="bg1"/>
+            <a:srgbClr val="C0504D"/>
           </a:solidFill>
           <a:ln>
-            <a:solidFill>
-              <a:schemeClr val="tx1"/>
-            </a:solidFill>
+            <a:noFill/>
           </a:ln>
           <a:effectLst/>
         </p:spPr>
@@ -4753,149 +10440,18 @@
           </a:fontRef>
         </p:style>
         <p:txBody>
-          <a:bodyPr lIns="0" rIns="0" rtlCol="0" anchor="b"/>
+          <a:bodyPr rtlCol="0" anchor="ctr"/>
           <a:lstStyle/>
           <a:p>
             <a:pPr algn="ctr"/>
-            <a:r>
-              <a:rPr lang="en-US" sz="900" dirty="0" smtClean="0">
-                <a:solidFill>
-                  <a:schemeClr val="tx1"/>
-                </a:solidFill>
-              </a:rPr>
-              <a:t>Mistresses – Princess Lucina</a:t>
-            </a:r>
-            <a:endParaRPr lang="en-US" sz="900" dirty="0">
-              <a:solidFill>
-                <a:schemeClr val="tx1"/>
-              </a:solidFill>
-            </a:endParaRPr>
+            <a:endParaRPr lang="en-US"/>
           </a:p>
         </p:txBody>
       </p:sp>
-      <p:sp>
-        <p:nvSpPr>
-          <p:cNvPr id="18" name="Rectangle 17"/>
-          <p:cNvSpPr/>
-          <p:nvPr/>
-        </p:nvSpPr>
-        <p:spPr>
-          <a:xfrm>
-            <a:off x="-2038" y="998470"/>
-            <a:ext cx="3602038" cy="185671"/>
-          </a:xfrm>
-          <a:prstGeom prst="rect">
-            <a:avLst/>
-          </a:prstGeom>
-          <a:solidFill>
-            <a:schemeClr val="bg1"/>
-          </a:solidFill>
-          <a:ln>
-            <a:solidFill>
-              <a:schemeClr val="tx1"/>
-            </a:solidFill>
-          </a:ln>
-          <a:effectLst/>
-        </p:spPr>
-        <p:style>
-          <a:lnRef idx="1">
-            <a:schemeClr val="accent1"/>
-          </a:lnRef>
-          <a:fillRef idx="3">
-            <a:schemeClr val="accent1"/>
-          </a:fillRef>
-          <a:effectRef idx="2">
-            <a:schemeClr val="accent1"/>
-          </a:effectRef>
-          <a:fontRef idx="minor">
-            <a:schemeClr val="lt1"/>
-          </a:fontRef>
-        </p:style>
-        <p:txBody>
-          <a:bodyPr lIns="0" rIns="0" rtlCol="0" anchor="b"/>
-          <a:lstStyle/>
-          <a:p>
-            <a:pPr algn="ctr"/>
-            <a:r>
-              <a:rPr lang="en-US" sz="900" dirty="0" smtClean="0">
-                <a:solidFill>
-                  <a:schemeClr val="tx1"/>
-                </a:solidFill>
-              </a:rPr>
-              <a:t>Mistresses – Princess Lucina</a:t>
-            </a:r>
-            <a:endParaRPr lang="en-US" sz="900" dirty="0">
-              <a:solidFill>
-                <a:schemeClr val="tx1"/>
-              </a:solidFill>
-            </a:endParaRPr>
-          </a:p>
-        </p:txBody>
-      </p:sp>
-      <p:pic>
-        <p:nvPicPr>
-          <p:cNvPr id="19" name="Picture 18" descr="email-64.png"/>
-          <p:cNvPicPr>
-            <a:picLocks noChangeAspect="1"/>
-          </p:cNvPicPr>
-          <p:nvPr/>
-        </p:nvPicPr>
-        <p:blipFill>
-          <a:blip r:embed="rId3">
-            <a:extLst>
-              <a:ext uri="{28A0092B-C50C-407E-A947-70E740481C1C}">
-                <a14:useLocalDpi xmlns:a14="http://schemas.microsoft.com/office/drawing/2010/main" val="0"/>
-              </a:ext>
-            </a:extLst>
-          </a:blip>
-          <a:stretch>
-            <a:fillRect/>
-          </a:stretch>
-        </p:blipFill>
-        <p:spPr>
-          <a:xfrm>
-            <a:off x="2067200" y="4311990"/>
-            <a:ext cx="812800" cy="812800"/>
-          </a:xfrm>
-          <a:prstGeom prst="rect">
-            <a:avLst/>
-          </a:prstGeom>
-        </p:spPr>
-      </p:pic>
-      <p:pic>
-        <p:nvPicPr>
-          <p:cNvPr id="20" name="Picture 19" descr="twitter-64.png"/>
-          <p:cNvPicPr>
-            <a:picLocks noChangeAspect="1"/>
-          </p:cNvPicPr>
-          <p:nvPr/>
-        </p:nvPicPr>
-        <p:blipFill>
-          <a:blip r:embed="rId4">
-            <a:extLst>
-              <a:ext uri="{28A0092B-C50C-407E-A947-70E740481C1C}">
-                <a14:useLocalDpi xmlns:a14="http://schemas.microsoft.com/office/drawing/2010/main" val="0"/>
-              </a:ext>
-            </a:extLst>
-          </a:blip>
-          <a:stretch>
-            <a:fillRect/>
-          </a:stretch>
-        </p:blipFill>
-        <p:spPr>
-          <a:xfrm>
-            <a:off x="571500" y="3995233"/>
-            <a:ext cx="812800" cy="812800"/>
-          </a:xfrm>
-          <a:prstGeom prst="rect">
-            <a:avLst/>
-          </a:prstGeom>
-        </p:spPr>
-      </p:pic>
     </p:spTree>
     <p:extLst>
       <p:ext uri="{BB962C8B-B14F-4D97-AF65-F5344CB8AC3E}">
-        <p14:creationId xmlns:p14="http://schemas.microsoft.com/office/powerpoint/2010/main" val="3547356119"/>
+        <p14:creationId xmlns:p14="http://schemas.microsoft.com/office/powerpoint/2010/main" val="640512696"/>
       </p:ext>
     </p:extLst>
   </p:cSld>

--- a/lda-v03/trunk/documents/MockUps.pptx
+++ b/lda-v03/trunk/documents/MockUps.pptx
@@ -4404,7 +4404,7 @@
                 <a:latin typeface="Century Gothic"/>
                 <a:cs typeface="Century Gothic"/>
               </a:rPr>
-              <a:t>Galleries</a:t>
+              <a:t>Testimonials</a:t>
             </a:r>
             <a:endParaRPr lang="en-US" sz="600" dirty="0">
               <a:solidFill>
@@ -4593,7 +4593,7 @@
                 <a:latin typeface="Century Gothic"/>
                 <a:cs typeface="Century Gothic"/>
               </a:rPr>
-              <a:t>Testimonials</a:t>
+              <a:t>Galleries</a:t>
             </a:r>
             <a:endParaRPr lang="en-US" sz="600" dirty="0">
               <a:solidFill>
@@ -8772,421 +8772,6 @@
           </a:p>
         </p:txBody>
       </p:sp>
-      <p:sp>
-        <p:nvSpPr>
-          <p:cNvPr id="77" name="Reorder Icon"/>
-          <p:cNvSpPr>
-            <a:spLocks noEditPoints="1"/>
-          </p:cNvSpPr>
-          <p:nvPr/>
-        </p:nvSpPr>
-        <p:spPr bwMode="auto">
-          <a:xfrm>
-            <a:off x="3435317" y="671073"/>
-            <a:ext cx="133244" cy="108000"/>
-          </a:xfrm>
-          <a:custGeom>
-            <a:avLst/>
-            <a:gdLst>
-              <a:gd name="T0" fmla="*/ 1237 w 1237"/>
-              <a:gd name="T1" fmla="*/ 876 h 1030"/>
-              <a:gd name="T2" fmla="*/ 1237 w 1237"/>
-              <a:gd name="T3" fmla="*/ 979 h 1030"/>
-              <a:gd name="T4" fmla="*/ 1221 w 1237"/>
-              <a:gd name="T5" fmla="*/ 1015 h 1030"/>
-              <a:gd name="T6" fmla="*/ 1185 w 1237"/>
-              <a:gd name="T7" fmla="*/ 1030 h 1030"/>
-              <a:gd name="T8" fmla="*/ 51 w 1237"/>
-              <a:gd name="T9" fmla="*/ 1030 h 1030"/>
-              <a:gd name="T10" fmla="*/ 15 w 1237"/>
-              <a:gd name="T11" fmla="*/ 1015 h 1030"/>
-              <a:gd name="T12" fmla="*/ 0 w 1237"/>
-              <a:gd name="T13" fmla="*/ 979 h 1030"/>
-              <a:gd name="T14" fmla="*/ 0 w 1237"/>
-              <a:gd name="T15" fmla="*/ 876 h 1030"/>
-              <a:gd name="T16" fmla="*/ 15 w 1237"/>
-              <a:gd name="T17" fmla="*/ 839 h 1030"/>
-              <a:gd name="T18" fmla="*/ 51 w 1237"/>
-              <a:gd name="T19" fmla="*/ 824 h 1030"/>
-              <a:gd name="T20" fmla="*/ 1185 w 1237"/>
-              <a:gd name="T21" fmla="*/ 824 h 1030"/>
-              <a:gd name="T22" fmla="*/ 1221 w 1237"/>
-              <a:gd name="T23" fmla="*/ 839 h 1030"/>
-              <a:gd name="T24" fmla="*/ 1237 w 1237"/>
-              <a:gd name="T25" fmla="*/ 876 h 1030"/>
-              <a:gd name="T26" fmla="*/ 1237 w 1237"/>
-              <a:gd name="T27" fmla="*/ 463 h 1030"/>
-              <a:gd name="T28" fmla="*/ 1237 w 1237"/>
-              <a:gd name="T29" fmla="*/ 567 h 1030"/>
-              <a:gd name="T30" fmla="*/ 1221 w 1237"/>
-              <a:gd name="T31" fmla="*/ 603 h 1030"/>
-              <a:gd name="T32" fmla="*/ 1185 w 1237"/>
-              <a:gd name="T33" fmla="*/ 618 h 1030"/>
-              <a:gd name="T34" fmla="*/ 51 w 1237"/>
-              <a:gd name="T35" fmla="*/ 618 h 1030"/>
-              <a:gd name="T36" fmla="*/ 15 w 1237"/>
-              <a:gd name="T37" fmla="*/ 603 h 1030"/>
-              <a:gd name="T38" fmla="*/ 0 w 1237"/>
-              <a:gd name="T39" fmla="*/ 567 h 1030"/>
-              <a:gd name="T40" fmla="*/ 0 w 1237"/>
-              <a:gd name="T41" fmla="*/ 463 h 1030"/>
-              <a:gd name="T42" fmla="*/ 15 w 1237"/>
-              <a:gd name="T43" fmla="*/ 427 h 1030"/>
-              <a:gd name="T44" fmla="*/ 51 w 1237"/>
-              <a:gd name="T45" fmla="*/ 412 h 1030"/>
-              <a:gd name="T46" fmla="*/ 1185 w 1237"/>
-              <a:gd name="T47" fmla="*/ 412 h 1030"/>
-              <a:gd name="T48" fmla="*/ 1221 w 1237"/>
-              <a:gd name="T49" fmla="*/ 427 h 1030"/>
-              <a:gd name="T50" fmla="*/ 1237 w 1237"/>
-              <a:gd name="T51" fmla="*/ 463 h 1030"/>
-              <a:gd name="T52" fmla="*/ 1237 w 1237"/>
-              <a:gd name="T53" fmla="*/ 51 h 1030"/>
-              <a:gd name="T54" fmla="*/ 1237 w 1237"/>
-              <a:gd name="T55" fmla="*/ 154 h 1030"/>
-              <a:gd name="T56" fmla="*/ 1221 w 1237"/>
-              <a:gd name="T57" fmla="*/ 191 h 1030"/>
-              <a:gd name="T58" fmla="*/ 1185 w 1237"/>
-              <a:gd name="T59" fmla="*/ 206 h 1030"/>
-              <a:gd name="T60" fmla="*/ 51 w 1237"/>
-              <a:gd name="T61" fmla="*/ 206 h 1030"/>
-              <a:gd name="T62" fmla="*/ 15 w 1237"/>
-              <a:gd name="T63" fmla="*/ 191 h 1030"/>
-              <a:gd name="T64" fmla="*/ 0 w 1237"/>
-              <a:gd name="T65" fmla="*/ 154 h 1030"/>
-              <a:gd name="T66" fmla="*/ 0 w 1237"/>
-              <a:gd name="T67" fmla="*/ 51 h 1030"/>
-              <a:gd name="T68" fmla="*/ 15 w 1237"/>
-              <a:gd name="T69" fmla="*/ 15 h 1030"/>
-              <a:gd name="T70" fmla="*/ 51 w 1237"/>
-              <a:gd name="T71" fmla="*/ 0 h 1030"/>
-              <a:gd name="T72" fmla="*/ 1185 w 1237"/>
-              <a:gd name="T73" fmla="*/ 0 h 1030"/>
-              <a:gd name="T74" fmla="*/ 1221 w 1237"/>
-              <a:gd name="T75" fmla="*/ 15 h 1030"/>
-              <a:gd name="T76" fmla="*/ 1237 w 1237"/>
-              <a:gd name="T77" fmla="*/ 51 h 1030"/>
-            </a:gdLst>
-            <a:ahLst/>
-            <a:cxnLst>
-              <a:cxn ang="0">
-                <a:pos x="T0" y="T1"/>
-              </a:cxn>
-              <a:cxn ang="0">
-                <a:pos x="T2" y="T3"/>
-              </a:cxn>
-              <a:cxn ang="0">
-                <a:pos x="T4" y="T5"/>
-              </a:cxn>
-              <a:cxn ang="0">
-                <a:pos x="T6" y="T7"/>
-              </a:cxn>
-              <a:cxn ang="0">
-                <a:pos x="T8" y="T9"/>
-              </a:cxn>
-              <a:cxn ang="0">
-                <a:pos x="T10" y="T11"/>
-              </a:cxn>
-              <a:cxn ang="0">
-                <a:pos x="T12" y="T13"/>
-              </a:cxn>
-              <a:cxn ang="0">
-                <a:pos x="T14" y="T15"/>
-              </a:cxn>
-              <a:cxn ang="0">
-                <a:pos x="T16" y="T17"/>
-              </a:cxn>
-              <a:cxn ang="0">
-                <a:pos x="T18" y="T19"/>
-              </a:cxn>
-              <a:cxn ang="0">
-                <a:pos x="T20" y="T21"/>
-              </a:cxn>
-              <a:cxn ang="0">
-                <a:pos x="T22" y="T23"/>
-              </a:cxn>
-              <a:cxn ang="0">
-                <a:pos x="T24" y="T25"/>
-              </a:cxn>
-              <a:cxn ang="0">
-                <a:pos x="T26" y="T27"/>
-              </a:cxn>
-              <a:cxn ang="0">
-                <a:pos x="T28" y="T29"/>
-              </a:cxn>
-              <a:cxn ang="0">
-                <a:pos x="T30" y="T31"/>
-              </a:cxn>
-              <a:cxn ang="0">
-                <a:pos x="T32" y="T33"/>
-              </a:cxn>
-              <a:cxn ang="0">
-                <a:pos x="T34" y="T35"/>
-              </a:cxn>
-              <a:cxn ang="0">
-                <a:pos x="T36" y="T37"/>
-              </a:cxn>
-              <a:cxn ang="0">
-                <a:pos x="T38" y="T39"/>
-              </a:cxn>
-              <a:cxn ang="0">
-                <a:pos x="T40" y="T41"/>
-              </a:cxn>
-              <a:cxn ang="0">
-                <a:pos x="T42" y="T43"/>
-              </a:cxn>
-              <a:cxn ang="0">
-                <a:pos x="T44" y="T45"/>
-              </a:cxn>
-              <a:cxn ang="0">
-                <a:pos x="T46" y="T47"/>
-              </a:cxn>
-              <a:cxn ang="0">
-                <a:pos x="T48" y="T49"/>
-              </a:cxn>
-              <a:cxn ang="0">
-                <a:pos x="T50" y="T51"/>
-              </a:cxn>
-              <a:cxn ang="0">
-                <a:pos x="T52" y="T53"/>
-              </a:cxn>
-              <a:cxn ang="0">
-                <a:pos x="T54" y="T55"/>
-              </a:cxn>
-              <a:cxn ang="0">
-                <a:pos x="T56" y="T57"/>
-              </a:cxn>
-              <a:cxn ang="0">
-                <a:pos x="T58" y="T59"/>
-              </a:cxn>
-              <a:cxn ang="0">
-                <a:pos x="T60" y="T61"/>
-              </a:cxn>
-              <a:cxn ang="0">
-                <a:pos x="T62" y="T63"/>
-              </a:cxn>
-              <a:cxn ang="0">
-                <a:pos x="T64" y="T65"/>
-              </a:cxn>
-              <a:cxn ang="0">
-                <a:pos x="T66" y="T67"/>
-              </a:cxn>
-              <a:cxn ang="0">
-                <a:pos x="T68" y="T69"/>
-              </a:cxn>
-              <a:cxn ang="0">
-                <a:pos x="T70" y="T71"/>
-              </a:cxn>
-              <a:cxn ang="0">
-                <a:pos x="T72" y="T73"/>
-              </a:cxn>
-              <a:cxn ang="0">
-                <a:pos x="T74" y="T75"/>
-              </a:cxn>
-              <a:cxn ang="0">
-                <a:pos x="T76" y="T77"/>
-              </a:cxn>
-            </a:cxnLst>
-            <a:rect l="0" t="0" r="r" b="b"/>
-            <a:pathLst>
-              <a:path w="1237" h="1030">
-                <a:moveTo>
-                  <a:pt x="1237" y="876"/>
-                </a:moveTo>
-                <a:lnTo>
-                  <a:pt x="1237" y="979"/>
-                </a:lnTo>
-                <a:cubicBezTo>
-                  <a:pt x="1237" y="993"/>
-                  <a:pt x="1231" y="1005"/>
-                  <a:pt x="1221" y="1015"/>
-                </a:cubicBezTo>
-                <a:cubicBezTo>
-                  <a:pt x="1211" y="1025"/>
-                  <a:pt x="1199" y="1030"/>
-                  <a:pt x="1185" y="1030"/>
-                </a:cubicBezTo>
-                <a:lnTo>
-                  <a:pt x="51" y="1030"/>
-                </a:lnTo>
-                <a:cubicBezTo>
-                  <a:pt x="38" y="1030"/>
-                  <a:pt x="25" y="1025"/>
-                  <a:pt x="15" y="1015"/>
-                </a:cubicBezTo>
-                <a:cubicBezTo>
-                  <a:pt x="5" y="1005"/>
-                  <a:pt x="0" y="993"/>
-                  <a:pt x="0" y="979"/>
-                </a:cubicBezTo>
-                <a:lnTo>
-                  <a:pt x="0" y="876"/>
-                </a:lnTo>
-                <a:cubicBezTo>
-                  <a:pt x="0" y="862"/>
-                  <a:pt x="5" y="850"/>
-                  <a:pt x="15" y="839"/>
-                </a:cubicBezTo>
-                <a:cubicBezTo>
-                  <a:pt x="25" y="829"/>
-                  <a:pt x="38" y="824"/>
-                  <a:pt x="51" y="824"/>
-                </a:cubicBezTo>
-                <a:lnTo>
-                  <a:pt x="1185" y="824"/>
-                </a:lnTo>
-                <a:cubicBezTo>
-                  <a:pt x="1199" y="824"/>
-                  <a:pt x="1211" y="829"/>
-                  <a:pt x="1221" y="839"/>
-                </a:cubicBezTo>
-                <a:cubicBezTo>
-                  <a:pt x="1231" y="850"/>
-                  <a:pt x="1237" y="862"/>
-                  <a:pt x="1237" y="876"/>
-                </a:cubicBezTo>
-                <a:close/>
-                <a:moveTo>
-                  <a:pt x="1237" y="463"/>
-                </a:moveTo>
-                <a:lnTo>
-                  <a:pt x="1237" y="567"/>
-                </a:lnTo>
-                <a:cubicBezTo>
-                  <a:pt x="1237" y="580"/>
-                  <a:pt x="1231" y="593"/>
-                  <a:pt x="1221" y="603"/>
-                </a:cubicBezTo>
-                <a:cubicBezTo>
-                  <a:pt x="1211" y="613"/>
-                  <a:pt x="1199" y="618"/>
-                  <a:pt x="1185" y="618"/>
-                </a:cubicBezTo>
-                <a:lnTo>
-                  <a:pt x="51" y="618"/>
-                </a:lnTo>
-                <a:cubicBezTo>
-                  <a:pt x="38" y="618"/>
-                  <a:pt x="25" y="613"/>
-                  <a:pt x="15" y="603"/>
-                </a:cubicBezTo>
-                <a:cubicBezTo>
-                  <a:pt x="5" y="593"/>
-                  <a:pt x="0" y="580"/>
-                  <a:pt x="0" y="567"/>
-                </a:cubicBezTo>
-                <a:lnTo>
-                  <a:pt x="0" y="463"/>
-                </a:lnTo>
-                <a:cubicBezTo>
-                  <a:pt x="0" y="450"/>
-                  <a:pt x="5" y="437"/>
-                  <a:pt x="15" y="427"/>
-                </a:cubicBezTo>
-                <a:cubicBezTo>
-                  <a:pt x="25" y="417"/>
-                  <a:pt x="38" y="412"/>
-                  <a:pt x="51" y="412"/>
-                </a:cubicBezTo>
-                <a:lnTo>
-                  <a:pt x="1185" y="412"/>
-                </a:lnTo>
-                <a:cubicBezTo>
-                  <a:pt x="1199" y="412"/>
-                  <a:pt x="1211" y="417"/>
-                  <a:pt x="1221" y="427"/>
-                </a:cubicBezTo>
-                <a:cubicBezTo>
-                  <a:pt x="1231" y="437"/>
-                  <a:pt x="1237" y="450"/>
-                  <a:pt x="1237" y="463"/>
-                </a:cubicBezTo>
-                <a:close/>
-                <a:moveTo>
-                  <a:pt x="1237" y="51"/>
-                </a:moveTo>
-                <a:lnTo>
-                  <a:pt x="1237" y="154"/>
-                </a:lnTo>
-                <a:cubicBezTo>
-                  <a:pt x="1237" y="168"/>
-                  <a:pt x="1231" y="180"/>
-                  <a:pt x="1221" y="191"/>
-                </a:cubicBezTo>
-                <a:cubicBezTo>
-                  <a:pt x="1211" y="201"/>
-                  <a:pt x="1199" y="206"/>
-                  <a:pt x="1185" y="206"/>
-                </a:cubicBezTo>
-                <a:lnTo>
-                  <a:pt x="51" y="206"/>
-                </a:lnTo>
-                <a:cubicBezTo>
-                  <a:pt x="38" y="206"/>
-                  <a:pt x="25" y="201"/>
-                  <a:pt x="15" y="191"/>
-                </a:cubicBezTo>
-                <a:cubicBezTo>
-                  <a:pt x="5" y="180"/>
-                  <a:pt x="0" y="168"/>
-                  <a:pt x="0" y="154"/>
-                </a:cubicBezTo>
-                <a:lnTo>
-                  <a:pt x="0" y="51"/>
-                </a:lnTo>
-                <a:cubicBezTo>
-                  <a:pt x="0" y="37"/>
-                  <a:pt x="5" y="25"/>
-                  <a:pt x="15" y="15"/>
-                </a:cubicBezTo>
-                <a:cubicBezTo>
-                  <a:pt x="25" y="5"/>
-                  <a:pt x="38" y="0"/>
-                  <a:pt x="51" y="0"/>
-                </a:cubicBezTo>
-                <a:lnTo>
-                  <a:pt x="1185" y="0"/>
-                </a:lnTo>
-                <a:cubicBezTo>
-                  <a:pt x="1199" y="0"/>
-                  <a:pt x="1211" y="5"/>
-                  <a:pt x="1221" y="15"/>
-                </a:cubicBezTo>
-                <a:cubicBezTo>
-                  <a:pt x="1231" y="25"/>
-                  <a:pt x="1237" y="37"/>
-                  <a:pt x="1237" y="51"/>
-                </a:cubicBezTo>
-                <a:close/>
-              </a:path>
-            </a:pathLst>
-          </a:custGeom>
-          <a:solidFill>
-            <a:schemeClr val="accent2"/>
-          </a:solidFill>
-          <a:ln w="0">
-            <a:noFill/>
-            <a:prstDash val="solid"/>
-            <a:round/>
-            <a:headEnd/>
-            <a:tailEnd/>
-          </a:ln>
-        </p:spPr>
-        <p:txBody>
-          <a:bodyPr vert="horz" wrap="square" lIns="91440" tIns="45720" rIns="91440" bIns="45720" numCol="1" anchor="t" anchorCtr="0" compatLnSpc="1">
-            <a:prstTxWarp prst="textNoShape">
-              <a:avLst/>
-            </a:prstTxWarp>
-          </a:bodyPr>
-          <a:lstStyle/>
-          <a:p>
-            <a:endParaRPr lang="en-US" sz="1050">
-              <a:latin typeface="Arial" panose="020B0604020202020204" pitchFamily="34" charset="0"/>
-              <a:cs typeface="Arial" panose="020B0604020202020204" pitchFamily="34" charset="0"/>
-            </a:endParaRPr>
-          </a:p>
-        </p:txBody>
-      </p:sp>
       <p:grpSp>
         <p:nvGrpSpPr>
           <p:cNvPr id="95" name="Group 94"/>
